--- a/LSSolver.pptx
+++ b/LSSolver.pptx
@@ -10258,7 +10258,1294 @@
 </dgm:colorsDef>
 </file>
 
+<file path=ppt/diagrams/colors2.xml><?xml version="1.0" encoding="utf-8"?>
+<dgm:colorsDef xmlns:dgm="http://schemas.openxmlformats.org/drawingml/2006/diagram" xmlns:a="http://schemas.openxmlformats.org/drawingml/2006/main" uniqueId="urn:microsoft.com/office/officeart/2005/8/colors/accent1_2">
+  <dgm:title val=""/>
+  <dgm:desc val=""/>
+  <dgm:catLst>
+    <dgm:cat type="accent1" pri="11200"/>
+  </dgm:catLst>
+  <dgm:styleLbl name="node0">
+    <dgm:fillClrLst meth="repeat">
+      <a:schemeClr val="accent1"/>
+    </dgm:fillClrLst>
+    <dgm:linClrLst meth="repeat">
+      <a:schemeClr val="lt1"/>
+    </dgm:linClrLst>
+    <dgm:effectClrLst/>
+    <dgm:txLinClrLst/>
+    <dgm:txFillClrLst/>
+    <dgm:txEffectClrLst/>
+  </dgm:styleLbl>
+  <dgm:styleLbl name="alignNode1">
+    <dgm:fillClrLst meth="repeat">
+      <a:schemeClr val="accent1"/>
+    </dgm:fillClrLst>
+    <dgm:linClrLst meth="repeat">
+      <a:schemeClr val="accent1"/>
+    </dgm:linClrLst>
+    <dgm:effectClrLst/>
+    <dgm:txLinClrLst/>
+    <dgm:txFillClrLst/>
+    <dgm:txEffectClrLst/>
+  </dgm:styleLbl>
+  <dgm:styleLbl name="node1">
+    <dgm:fillClrLst meth="repeat">
+      <a:schemeClr val="accent1"/>
+    </dgm:fillClrLst>
+    <dgm:linClrLst meth="repeat">
+      <a:schemeClr val="lt1"/>
+    </dgm:linClrLst>
+    <dgm:effectClrLst/>
+    <dgm:txLinClrLst/>
+    <dgm:txFillClrLst/>
+    <dgm:txEffectClrLst/>
+  </dgm:styleLbl>
+  <dgm:styleLbl name="lnNode1">
+    <dgm:fillClrLst meth="repeat">
+      <a:schemeClr val="accent1"/>
+    </dgm:fillClrLst>
+    <dgm:linClrLst meth="repeat">
+      <a:schemeClr val="lt1"/>
+    </dgm:linClrLst>
+    <dgm:effectClrLst/>
+    <dgm:txLinClrLst/>
+    <dgm:txFillClrLst/>
+    <dgm:txEffectClrLst/>
+  </dgm:styleLbl>
+  <dgm:styleLbl name="vennNode1">
+    <dgm:fillClrLst meth="repeat">
+      <a:schemeClr val="accent1">
+        <a:alpha val="50000"/>
+      </a:schemeClr>
+    </dgm:fillClrLst>
+    <dgm:linClrLst meth="repeat">
+      <a:schemeClr val="lt1"/>
+    </dgm:linClrLst>
+    <dgm:effectClrLst/>
+    <dgm:txLinClrLst/>
+    <dgm:txFillClrLst/>
+    <dgm:txEffectClrLst/>
+  </dgm:styleLbl>
+  <dgm:styleLbl name="node2">
+    <dgm:fillClrLst meth="repeat">
+      <a:schemeClr val="accent1"/>
+    </dgm:fillClrLst>
+    <dgm:linClrLst meth="repeat">
+      <a:schemeClr val="lt1"/>
+    </dgm:linClrLst>
+    <dgm:effectClrLst/>
+    <dgm:txLinClrLst/>
+    <dgm:txFillClrLst/>
+    <dgm:txEffectClrLst/>
+  </dgm:styleLbl>
+  <dgm:styleLbl name="node3">
+    <dgm:fillClrLst meth="repeat">
+      <a:schemeClr val="accent1"/>
+    </dgm:fillClrLst>
+    <dgm:linClrLst meth="repeat">
+      <a:schemeClr val="lt1"/>
+    </dgm:linClrLst>
+    <dgm:effectClrLst/>
+    <dgm:txLinClrLst/>
+    <dgm:txFillClrLst/>
+    <dgm:txEffectClrLst/>
+  </dgm:styleLbl>
+  <dgm:styleLbl name="node4">
+    <dgm:fillClrLst meth="repeat">
+      <a:schemeClr val="accent1"/>
+    </dgm:fillClrLst>
+    <dgm:linClrLst meth="repeat">
+      <a:schemeClr val="lt1"/>
+    </dgm:linClrLst>
+    <dgm:effectClrLst/>
+    <dgm:txLinClrLst/>
+    <dgm:txFillClrLst/>
+    <dgm:txEffectClrLst/>
+  </dgm:styleLbl>
+  <dgm:styleLbl name="fgImgPlace1">
+    <dgm:fillClrLst meth="repeat">
+      <a:schemeClr val="accent1">
+        <a:tint val="50000"/>
+      </a:schemeClr>
+    </dgm:fillClrLst>
+    <dgm:linClrLst meth="repeat">
+      <a:schemeClr val="lt1"/>
+    </dgm:linClrLst>
+    <dgm:effectClrLst/>
+    <dgm:txLinClrLst/>
+    <dgm:txFillClrLst meth="repeat">
+      <a:schemeClr val="lt1"/>
+    </dgm:txFillClrLst>
+    <dgm:txEffectClrLst/>
+  </dgm:styleLbl>
+  <dgm:styleLbl name="alignImgPlace1">
+    <dgm:fillClrLst meth="repeat">
+      <a:schemeClr val="accent1">
+        <a:tint val="50000"/>
+      </a:schemeClr>
+    </dgm:fillClrLst>
+    <dgm:linClrLst meth="repeat">
+      <a:schemeClr val="lt1"/>
+    </dgm:linClrLst>
+    <dgm:effectClrLst/>
+    <dgm:txLinClrLst/>
+    <dgm:txFillClrLst meth="repeat">
+      <a:schemeClr val="lt1"/>
+    </dgm:txFillClrLst>
+    <dgm:txEffectClrLst/>
+  </dgm:styleLbl>
+  <dgm:styleLbl name="bgImgPlace1">
+    <dgm:fillClrLst meth="repeat">
+      <a:schemeClr val="accent1">
+        <a:tint val="50000"/>
+      </a:schemeClr>
+    </dgm:fillClrLst>
+    <dgm:linClrLst meth="repeat">
+      <a:schemeClr val="lt1"/>
+    </dgm:linClrLst>
+    <dgm:effectClrLst/>
+    <dgm:txLinClrLst/>
+    <dgm:txFillClrLst meth="repeat">
+      <a:schemeClr val="lt1"/>
+    </dgm:txFillClrLst>
+    <dgm:txEffectClrLst/>
+  </dgm:styleLbl>
+  <dgm:styleLbl name="sibTrans2D1">
+    <dgm:fillClrLst meth="repeat">
+      <a:schemeClr val="accent1">
+        <a:tint val="60000"/>
+      </a:schemeClr>
+    </dgm:fillClrLst>
+    <dgm:linClrLst meth="repeat">
+      <a:schemeClr val="accent1">
+        <a:tint val="60000"/>
+      </a:schemeClr>
+    </dgm:linClrLst>
+    <dgm:effectClrLst/>
+    <dgm:txLinClrLst/>
+    <dgm:txFillClrLst/>
+    <dgm:txEffectClrLst/>
+  </dgm:styleLbl>
+  <dgm:styleLbl name="fgSibTrans2D1">
+    <dgm:fillClrLst meth="repeat">
+      <a:schemeClr val="accent1">
+        <a:tint val="60000"/>
+      </a:schemeClr>
+    </dgm:fillClrLst>
+    <dgm:linClrLst meth="repeat">
+      <a:schemeClr val="accent1">
+        <a:tint val="60000"/>
+      </a:schemeClr>
+    </dgm:linClrLst>
+    <dgm:effectClrLst/>
+    <dgm:txLinClrLst/>
+    <dgm:txFillClrLst/>
+    <dgm:txEffectClrLst/>
+  </dgm:styleLbl>
+  <dgm:styleLbl name="bgSibTrans2D1">
+    <dgm:fillClrLst meth="repeat">
+      <a:schemeClr val="accent1">
+        <a:tint val="60000"/>
+      </a:schemeClr>
+    </dgm:fillClrLst>
+    <dgm:linClrLst meth="repeat">
+      <a:schemeClr val="accent1">
+        <a:tint val="60000"/>
+      </a:schemeClr>
+    </dgm:linClrLst>
+    <dgm:effectClrLst/>
+    <dgm:txLinClrLst/>
+    <dgm:txFillClrLst/>
+    <dgm:txEffectClrLst/>
+  </dgm:styleLbl>
+  <dgm:styleLbl name="sibTrans1D1">
+    <dgm:fillClrLst meth="repeat">
+      <a:schemeClr val="accent1"/>
+    </dgm:fillClrLst>
+    <dgm:linClrLst meth="repeat">
+      <a:schemeClr val="accent1"/>
+    </dgm:linClrLst>
+    <dgm:effectClrLst/>
+    <dgm:txLinClrLst/>
+    <dgm:txFillClrLst meth="repeat">
+      <a:schemeClr val="tx1"/>
+    </dgm:txFillClrLst>
+    <dgm:txEffectClrLst/>
+  </dgm:styleLbl>
+  <dgm:styleLbl name="callout">
+    <dgm:fillClrLst meth="repeat">
+      <a:schemeClr val="accent1"/>
+    </dgm:fillClrLst>
+    <dgm:linClrLst meth="repeat">
+      <a:schemeClr val="accent1">
+        <a:tint val="50000"/>
+      </a:schemeClr>
+    </dgm:linClrLst>
+    <dgm:effectClrLst/>
+    <dgm:txLinClrLst/>
+    <dgm:txFillClrLst meth="repeat">
+      <a:schemeClr val="tx1"/>
+    </dgm:txFillClrLst>
+    <dgm:txEffectClrLst/>
+  </dgm:styleLbl>
+  <dgm:styleLbl name="asst0">
+    <dgm:fillClrLst meth="repeat">
+      <a:schemeClr val="accent1"/>
+    </dgm:fillClrLst>
+    <dgm:linClrLst meth="repeat">
+      <a:schemeClr val="lt1"/>
+    </dgm:linClrLst>
+    <dgm:effectClrLst/>
+    <dgm:txLinClrLst/>
+    <dgm:txFillClrLst/>
+    <dgm:txEffectClrLst/>
+  </dgm:styleLbl>
+  <dgm:styleLbl name="asst1">
+    <dgm:fillClrLst meth="repeat">
+      <a:schemeClr val="accent1"/>
+    </dgm:fillClrLst>
+    <dgm:linClrLst meth="repeat">
+      <a:schemeClr val="lt1"/>
+    </dgm:linClrLst>
+    <dgm:effectClrLst/>
+    <dgm:txLinClrLst/>
+    <dgm:txFillClrLst/>
+    <dgm:txEffectClrLst/>
+  </dgm:styleLbl>
+  <dgm:styleLbl name="asst2">
+    <dgm:fillClrLst meth="repeat">
+      <a:schemeClr val="accent1"/>
+    </dgm:fillClrLst>
+    <dgm:linClrLst meth="repeat">
+      <a:schemeClr val="lt1"/>
+    </dgm:linClrLst>
+    <dgm:effectClrLst/>
+    <dgm:txLinClrLst/>
+    <dgm:txFillClrLst/>
+    <dgm:txEffectClrLst/>
+  </dgm:styleLbl>
+  <dgm:styleLbl name="asst3">
+    <dgm:fillClrLst meth="repeat">
+      <a:schemeClr val="accent1"/>
+    </dgm:fillClrLst>
+    <dgm:linClrLst meth="repeat">
+      <a:schemeClr val="lt1"/>
+    </dgm:linClrLst>
+    <dgm:effectClrLst/>
+    <dgm:txLinClrLst/>
+    <dgm:txFillClrLst/>
+    <dgm:txEffectClrLst/>
+  </dgm:styleLbl>
+  <dgm:styleLbl name="asst4">
+    <dgm:fillClrLst meth="repeat">
+      <a:schemeClr val="accent1"/>
+    </dgm:fillClrLst>
+    <dgm:linClrLst meth="repeat">
+      <a:schemeClr val="lt1"/>
+    </dgm:linClrLst>
+    <dgm:effectClrLst/>
+    <dgm:txLinClrLst/>
+    <dgm:txFillClrLst/>
+    <dgm:txEffectClrLst/>
+  </dgm:styleLbl>
+  <dgm:styleLbl name="parChTrans2D1">
+    <dgm:fillClrLst meth="repeat">
+      <a:schemeClr val="accent1">
+        <a:tint val="60000"/>
+      </a:schemeClr>
+    </dgm:fillClrLst>
+    <dgm:linClrLst meth="repeat">
+      <a:schemeClr val="accent1">
+        <a:tint val="60000"/>
+      </a:schemeClr>
+    </dgm:linClrLst>
+    <dgm:effectClrLst/>
+    <dgm:txLinClrLst/>
+    <dgm:txFillClrLst meth="repeat">
+      <a:schemeClr val="lt1"/>
+    </dgm:txFillClrLst>
+    <dgm:txEffectClrLst/>
+  </dgm:styleLbl>
+  <dgm:styleLbl name="parChTrans2D2">
+    <dgm:fillClrLst meth="repeat">
+      <a:schemeClr val="accent1"/>
+    </dgm:fillClrLst>
+    <dgm:linClrLst meth="repeat">
+      <a:schemeClr val="accent1"/>
+    </dgm:linClrLst>
+    <dgm:effectClrLst/>
+    <dgm:txLinClrLst/>
+    <dgm:txFillClrLst meth="repeat">
+      <a:schemeClr val="lt1"/>
+    </dgm:txFillClrLst>
+    <dgm:txEffectClrLst/>
+  </dgm:styleLbl>
+  <dgm:styleLbl name="parChTrans2D3">
+    <dgm:fillClrLst meth="repeat">
+      <a:schemeClr val="accent1"/>
+    </dgm:fillClrLst>
+    <dgm:linClrLst meth="repeat">
+      <a:schemeClr val="accent1"/>
+    </dgm:linClrLst>
+    <dgm:effectClrLst/>
+    <dgm:txLinClrLst/>
+    <dgm:txFillClrLst meth="repeat">
+      <a:schemeClr val="lt1"/>
+    </dgm:txFillClrLst>
+    <dgm:txEffectClrLst/>
+  </dgm:styleLbl>
+  <dgm:styleLbl name="parChTrans2D4">
+    <dgm:fillClrLst meth="repeat">
+      <a:schemeClr val="accent1"/>
+    </dgm:fillClrLst>
+    <dgm:linClrLst meth="repeat">
+      <a:schemeClr val="accent1"/>
+    </dgm:linClrLst>
+    <dgm:effectClrLst/>
+    <dgm:txLinClrLst/>
+    <dgm:txFillClrLst meth="repeat">
+      <a:schemeClr val="lt1"/>
+    </dgm:txFillClrLst>
+    <dgm:txEffectClrLst/>
+  </dgm:styleLbl>
+  <dgm:styleLbl name="parChTrans1D1">
+    <dgm:fillClrLst meth="repeat">
+      <a:schemeClr val="accent1"/>
+    </dgm:fillClrLst>
+    <dgm:linClrLst meth="repeat">
+      <a:schemeClr val="accent1">
+        <a:shade val="60000"/>
+      </a:schemeClr>
+    </dgm:linClrLst>
+    <dgm:effectClrLst/>
+    <dgm:txLinClrLst/>
+    <dgm:txFillClrLst meth="repeat">
+      <a:schemeClr val="tx1"/>
+    </dgm:txFillClrLst>
+    <dgm:txEffectClrLst/>
+  </dgm:styleLbl>
+  <dgm:styleLbl name="parChTrans1D2">
+    <dgm:fillClrLst meth="repeat">
+      <a:schemeClr val="accent1"/>
+    </dgm:fillClrLst>
+    <dgm:linClrLst meth="repeat">
+      <a:schemeClr val="accent1">
+        <a:shade val="60000"/>
+      </a:schemeClr>
+    </dgm:linClrLst>
+    <dgm:effectClrLst/>
+    <dgm:txLinClrLst/>
+    <dgm:txFillClrLst meth="repeat">
+      <a:schemeClr val="tx1"/>
+    </dgm:txFillClrLst>
+    <dgm:txEffectClrLst/>
+  </dgm:styleLbl>
+  <dgm:styleLbl name="parChTrans1D3">
+    <dgm:fillClrLst meth="repeat">
+      <a:schemeClr val="accent1"/>
+    </dgm:fillClrLst>
+    <dgm:linClrLst meth="repeat">
+      <a:schemeClr val="accent1">
+        <a:shade val="80000"/>
+      </a:schemeClr>
+    </dgm:linClrLst>
+    <dgm:effectClrLst/>
+    <dgm:txLinClrLst/>
+    <dgm:txFillClrLst meth="repeat">
+      <a:schemeClr val="tx1"/>
+    </dgm:txFillClrLst>
+    <dgm:txEffectClrLst/>
+  </dgm:styleLbl>
+  <dgm:styleLbl name="parChTrans1D4">
+    <dgm:fillClrLst meth="repeat">
+      <a:schemeClr val="accent1"/>
+    </dgm:fillClrLst>
+    <dgm:linClrLst meth="repeat">
+      <a:schemeClr val="accent1">
+        <a:shade val="80000"/>
+      </a:schemeClr>
+    </dgm:linClrLst>
+    <dgm:effectClrLst/>
+    <dgm:txLinClrLst/>
+    <dgm:txFillClrLst meth="repeat">
+      <a:schemeClr val="tx1"/>
+    </dgm:txFillClrLst>
+    <dgm:txEffectClrLst/>
+  </dgm:styleLbl>
+  <dgm:styleLbl name="fgAcc1">
+    <dgm:fillClrLst meth="repeat">
+      <a:schemeClr val="lt1">
+        <a:alpha val="90000"/>
+      </a:schemeClr>
+    </dgm:fillClrLst>
+    <dgm:linClrLst meth="repeat">
+      <a:schemeClr val="accent1"/>
+    </dgm:linClrLst>
+    <dgm:effectClrLst/>
+    <dgm:txLinClrLst/>
+    <dgm:txFillClrLst meth="repeat">
+      <a:schemeClr val="dk1"/>
+    </dgm:txFillClrLst>
+    <dgm:txEffectClrLst/>
+  </dgm:styleLbl>
+  <dgm:styleLbl name="conFgAcc1">
+    <dgm:fillClrLst meth="repeat">
+      <a:schemeClr val="lt1">
+        <a:alpha val="90000"/>
+      </a:schemeClr>
+    </dgm:fillClrLst>
+    <dgm:linClrLst meth="repeat">
+      <a:schemeClr val="accent1"/>
+    </dgm:linClrLst>
+    <dgm:effectClrLst/>
+    <dgm:txLinClrLst/>
+    <dgm:txFillClrLst meth="repeat">
+      <a:schemeClr val="dk1"/>
+    </dgm:txFillClrLst>
+    <dgm:txEffectClrLst/>
+  </dgm:styleLbl>
+  <dgm:styleLbl name="alignAcc1">
+    <dgm:fillClrLst meth="repeat">
+      <a:schemeClr val="lt1">
+        <a:alpha val="90000"/>
+      </a:schemeClr>
+    </dgm:fillClrLst>
+    <dgm:linClrLst meth="repeat">
+      <a:schemeClr val="accent1"/>
+    </dgm:linClrLst>
+    <dgm:effectClrLst/>
+    <dgm:txLinClrLst/>
+    <dgm:txFillClrLst meth="repeat">
+      <a:schemeClr val="dk1"/>
+    </dgm:txFillClrLst>
+    <dgm:txEffectClrLst/>
+  </dgm:styleLbl>
+  <dgm:styleLbl name="trAlignAcc1">
+    <dgm:fillClrLst meth="repeat">
+      <a:schemeClr val="lt1">
+        <a:alpha val="40000"/>
+      </a:schemeClr>
+    </dgm:fillClrLst>
+    <dgm:linClrLst meth="repeat">
+      <a:schemeClr val="accent1"/>
+    </dgm:linClrLst>
+    <dgm:effectClrLst/>
+    <dgm:txLinClrLst/>
+    <dgm:txFillClrLst meth="repeat">
+      <a:schemeClr val="dk1"/>
+    </dgm:txFillClrLst>
+    <dgm:txEffectClrLst/>
+  </dgm:styleLbl>
+  <dgm:styleLbl name="bgAcc1">
+    <dgm:fillClrLst meth="repeat">
+      <a:schemeClr val="lt1">
+        <a:alpha val="90000"/>
+      </a:schemeClr>
+    </dgm:fillClrLst>
+    <dgm:linClrLst meth="repeat">
+      <a:schemeClr val="accent1"/>
+    </dgm:linClrLst>
+    <dgm:effectClrLst/>
+    <dgm:txLinClrLst/>
+    <dgm:txFillClrLst meth="repeat">
+      <a:schemeClr val="dk1"/>
+    </dgm:txFillClrLst>
+    <dgm:txEffectClrLst/>
+  </dgm:styleLbl>
+  <dgm:styleLbl name="solidFgAcc1">
+    <dgm:fillClrLst meth="repeat">
+      <a:schemeClr val="lt1"/>
+    </dgm:fillClrLst>
+    <dgm:linClrLst meth="repeat">
+      <a:schemeClr val="accent1"/>
+    </dgm:linClrLst>
+    <dgm:effectClrLst/>
+    <dgm:txLinClrLst/>
+    <dgm:txFillClrLst meth="repeat">
+      <a:schemeClr val="dk1"/>
+    </dgm:txFillClrLst>
+    <dgm:txEffectClrLst/>
+  </dgm:styleLbl>
+  <dgm:styleLbl name="solidAlignAcc1">
+    <dgm:fillClrLst meth="repeat">
+      <a:schemeClr val="lt1"/>
+    </dgm:fillClrLst>
+    <dgm:linClrLst meth="repeat">
+      <a:schemeClr val="accent1"/>
+    </dgm:linClrLst>
+    <dgm:effectClrLst/>
+    <dgm:txLinClrLst/>
+    <dgm:txFillClrLst meth="repeat">
+      <a:schemeClr val="dk1"/>
+    </dgm:txFillClrLst>
+    <dgm:txEffectClrLst/>
+  </dgm:styleLbl>
+  <dgm:styleLbl name="solidBgAcc1">
+    <dgm:fillClrLst meth="repeat">
+      <a:schemeClr val="lt1"/>
+    </dgm:fillClrLst>
+    <dgm:linClrLst meth="repeat">
+      <a:schemeClr val="accent1"/>
+    </dgm:linClrLst>
+    <dgm:effectClrLst/>
+    <dgm:txLinClrLst/>
+    <dgm:txFillClrLst meth="repeat">
+      <a:schemeClr val="dk1"/>
+    </dgm:txFillClrLst>
+    <dgm:txEffectClrLst/>
+  </dgm:styleLbl>
+  <dgm:styleLbl name="fgAccFollowNode1">
+    <dgm:fillClrLst meth="repeat">
+      <a:schemeClr val="accent1">
+        <a:alpha val="90000"/>
+        <a:tint val="40000"/>
+      </a:schemeClr>
+    </dgm:fillClrLst>
+    <dgm:linClrLst meth="repeat">
+      <a:schemeClr val="accent1">
+        <a:alpha val="90000"/>
+        <a:tint val="40000"/>
+      </a:schemeClr>
+    </dgm:linClrLst>
+    <dgm:effectClrLst/>
+    <dgm:txLinClrLst/>
+    <dgm:txFillClrLst meth="repeat">
+      <a:schemeClr val="dk1"/>
+    </dgm:txFillClrLst>
+    <dgm:txEffectClrLst/>
+  </dgm:styleLbl>
+  <dgm:styleLbl name="alignAccFollowNode1">
+    <dgm:fillClrLst meth="repeat">
+      <a:schemeClr val="accent1">
+        <a:alpha val="90000"/>
+        <a:tint val="40000"/>
+      </a:schemeClr>
+    </dgm:fillClrLst>
+    <dgm:linClrLst meth="repeat">
+      <a:schemeClr val="accent1">
+        <a:alpha val="90000"/>
+        <a:tint val="40000"/>
+      </a:schemeClr>
+    </dgm:linClrLst>
+    <dgm:effectClrLst/>
+    <dgm:txLinClrLst/>
+    <dgm:txFillClrLst meth="repeat">
+      <a:schemeClr val="dk1"/>
+    </dgm:txFillClrLst>
+    <dgm:txEffectClrLst/>
+  </dgm:styleLbl>
+  <dgm:styleLbl name="bgAccFollowNode1">
+    <dgm:fillClrLst meth="repeat">
+      <a:schemeClr val="accent1">
+        <a:alpha val="90000"/>
+        <a:tint val="40000"/>
+      </a:schemeClr>
+    </dgm:fillClrLst>
+    <dgm:linClrLst meth="repeat">
+      <a:schemeClr val="accent1">
+        <a:alpha val="90000"/>
+        <a:tint val="40000"/>
+      </a:schemeClr>
+    </dgm:linClrLst>
+    <dgm:effectClrLst/>
+    <dgm:txLinClrLst/>
+    <dgm:txFillClrLst meth="repeat">
+      <a:schemeClr val="dk1"/>
+    </dgm:txFillClrLst>
+    <dgm:txEffectClrLst/>
+  </dgm:styleLbl>
+  <dgm:styleLbl name="fgAcc0">
+    <dgm:fillClrLst meth="repeat">
+      <a:schemeClr val="lt1">
+        <a:alpha val="90000"/>
+      </a:schemeClr>
+    </dgm:fillClrLst>
+    <dgm:linClrLst meth="repeat">
+      <a:schemeClr val="accent1"/>
+    </dgm:linClrLst>
+    <dgm:effectClrLst/>
+    <dgm:txLinClrLst/>
+    <dgm:txFillClrLst meth="repeat">
+      <a:schemeClr val="dk1"/>
+    </dgm:txFillClrLst>
+    <dgm:txEffectClrLst/>
+  </dgm:styleLbl>
+  <dgm:styleLbl name="fgAcc2">
+    <dgm:fillClrLst meth="repeat">
+      <a:schemeClr val="lt1">
+        <a:alpha val="90000"/>
+      </a:schemeClr>
+    </dgm:fillClrLst>
+    <dgm:linClrLst meth="repeat">
+      <a:schemeClr val="accent1"/>
+    </dgm:linClrLst>
+    <dgm:effectClrLst/>
+    <dgm:txLinClrLst/>
+    <dgm:txFillClrLst meth="repeat">
+      <a:schemeClr val="dk1"/>
+    </dgm:txFillClrLst>
+    <dgm:txEffectClrLst/>
+  </dgm:styleLbl>
+  <dgm:styleLbl name="fgAcc3">
+    <dgm:fillClrLst meth="repeat">
+      <a:schemeClr val="lt1">
+        <a:alpha val="90000"/>
+      </a:schemeClr>
+    </dgm:fillClrLst>
+    <dgm:linClrLst meth="repeat">
+      <a:schemeClr val="accent1"/>
+    </dgm:linClrLst>
+    <dgm:effectClrLst/>
+    <dgm:txLinClrLst/>
+    <dgm:txFillClrLst meth="repeat">
+      <a:schemeClr val="dk1"/>
+    </dgm:txFillClrLst>
+    <dgm:txEffectClrLst/>
+  </dgm:styleLbl>
+  <dgm:styleLbl name="fgAcc4">
+    <dgm:fillClrLst meth="repeat">
+      <a:schemeClr val="lt1">
+        <a:alpha val="90000"/>
+      </a:schemeClr>
+    </dgm:fillClrLst>
+    <dgm:linClrLst meth="repeat">
+      <a:schemeClr val="accent1"/>
+    </dgm:linClrLst>
+    <dgm:effectClrLst/>
+    <dgm:txLinClrLst/>
+    <dgm:txFillClrLst meth="repeat">
+      <a:schemeClr val="dk1"/>
+    </dgm:txFillClrLst>
+    <dgm:txEffectClrLst/>
+  </dgm:styleLbl>
+  <dgm:styleLbl name="bgShp">
+    <dgm:fillClrLst meth="repeat">
+      <a:schemeClr val="accent1">
+        <a:tint val="40000"/>
+      </a:schemeClr>
+    </dgm:fillClrLst>
+    <dgm:linClrLst meth="repeat">
+      <a:schemeClr val="accent1"/>
+    </dgm:linClrLst>
+    <dgm:effectClrLst/>
+    <dgm:txLinClrLst/>
+    <dgm:txFillClrLst meth="repeat">
+      <a:schemeClr val="dk1"/>
+    </dgm:txFillClrLst>
+    <dgm:txEffectClrLst/>
+  </dgm:styleLbl>
+  <dgm:styleLbl name="dkBgShp">
+    <dgm:fillClrLst meth="repeat">
+      <a:schemeClr val="accent1">
+        <a:shade val="80000"/>
+      </a:schemeClr>
+    </dgm:fillClrLst>
+    <dgm:linClrLst meth="repeat">
+      <a:schemeClr val="accent1"/>
+    </dgm:linClrLst>
+    <dgm:effectClrLst/>
+    <dgm:txLinClrLst/>
+    <dgm:txFillClrLst meth="repeat">
+      <a:schemeClr val="lt1"/>
+    </dgm:txFillClrLst>
+    <dgm:txEffectClrLst/>
+  </dgm:styleLbl>
+  <dgm:styleLbl name="trBgShp">
+    <dgm:fillClrLst meth="repeat">
+      <a:schemeClr val="accent1">
+        <a:tint val="50000"/>
+        <a:alpha val="40000"/>
+      </a:schemeClr>
+    </dgm:fillClrLst>
+    <dgm:linClrLst meth="repeat">
+      <a:schemeClr val="accent1"/>
+    </dgm:linClrLst>
+    <dgm:effectClrLst/>
+    <dgm:txLinClrLst/>
+    <dgm:txFillClrLst meth="repeat">
+      <a:schemeClr val="lt1"/>
+    </dgm:txFillClrLst>
+    <dgm:txEffectClrLst/>
+  </dgm:styleLbl>
+  <dgm:styleLbl name="fgShp">
+    <dgm:fillClrLst meth="repeat">
+      <a:schemeClr val="accent1">
+        <a:tint val="60000"/>
+      </a:schemeClr>
+    </dgm:fillClrLst>
+    <dgm:linClrLst meth="repeat">
+      <a:schemeClr val="lt1"/>
+    </dgm:linClrLst>
+    <dgm:effectClrLst/>
+    <dgm:txLinClrLst/>
+    <dgm:txFillClrLst meth="repeat">
+      <a:schemeClr val="dk1"/>
+    </dgm:txFillClrLst>
+    <dgm:txEffectClrLst/>
+  </dgm:styleLbl>
+  <dgm:styleLbl name="revTx">
+    <dgm:fillClrLst meth="repeat">
+      <a:schemeClr val="lt1">
+        <a:alpha val="0"/>
+      </a:schemeClr>
+    </dgm:fillClrLst>
+    <dgm:linClrLst meth="repeat">
+      <a:schemeClr val="dk1">
+        <a:alpha val="0"/>
+      </a:schemeClr>
+    </dgm:linClrLst>
+    <dgm:effectClrLst/>
+    <dgm:txLinClrLst/>
+    <dgm:txFillClrLst meth="repeat">
+      <a:schemeClr val="tx1"/>
+    </dgm:txFillClrLst>
+    <dgm:txEffectClrLst/>
+  </dgm:styleLbl>
+</dgm:colorsDef>
+</file>
+
 <file path=ppt/diagrams/data1.xml><?xml version="1.0" encoding="utf-8"?>
+<dgm:dataModel xmlns:dgm="http://schemas.openxmlformats.org/drawingml/2006/diagram" xmlns:a="http://schemas.openxmlformats.org/drawingml/2006/main">
+  <dgm:ptLst>
+    <dgm:pt modelId="{607534FD-564A-4057-9FF7-C6DEB2F0DF19}" type="doc">
+      <dgm:prSet loTypeId="urn:microsoft.com/office/officeart/2005/8/layout/orgChart1" loCatId="hierarchy" qsTypeId="urn:microsoft.com/office/officeart/2005/8/quickstyle/simple1" qsCatId="simple" csTypeId="urn:microsoft.com/office/officeart/2005/8/colors/accent1_2" csCatId="accent1" phldr="1"/>
+      <dgm:spPr/>
+      <dgm:t>
+        <a:bodyPr/>
+        <a:lstStyle/>
+        <a:p>
+          <a:endParaRPr lang="it-IT"/>
+        </a:p>
+      </dgm:t>
+    </dgm:pt>
+    <dgm:pt modelId="{6AEB7375-19EA-4FA7-A022-F04C52672DD8}">
+      <dgm:prSet phldrT="[Testo]"/>
+      <dgm:spPr/>
+      <dgm:t>
+        <a:bodyPr/>
+        <a:lstStyle/>
+        <a:p>
+          <a:r>
+            <a:rPr lang="it-IT" dirty="0" err="1"/>
+            <a:t>LSSolver</a:t>
+          </a:r>
+          <a:endParaRPr lang="it-IT" dirty="0"/>
+        </a:p>
+      </dgm:t>
+    </dgm:pt>
+    <dgm:pt modelId="{DD5B82A8-8604-47CB-9A1E-11A566B24E4A}" type="parTrans" cxnId="{FFC61470-B8C8-496C-B383-EA04510BBFCE}">
+      <dgm:prSet/>
+      <dgm:spPr/>
+      <dgm:t>
+        <a:bodyPr/>
+        <a:lstStyle/>
+        <a:p>
+          <a:endParaRPr lang="it-IT"/>
+        </a:p>
+      </dgm:t>
+    </dgm:pt>
+    <dgm:pt modelId="{B94D21C7-2C73-4990-AFE7-53D3DFA5E3A3}" type="sibTrans" cxnId="{FFC61470-B8C8-496C-B383-EA04510BBFCE}">
+      <dgm:prSet/>
+      <dgm:spPr/>
+      <dgm:t>
+        <a:bodyPr/>
+        <a:lstStyle/>
+        <a:p>
+          <a:endParaRPr lang="it-IT"/>
+        </a:p>
+      </dgm:t>
+    </dgm:pt>
+    <dgm:pt modelId="{B926E781-5A1A-4091-86FF-956BC029B14F}" type="asst">
+      <dgm:prSet phldrT="[Testo]"/>
+      <dgm:spPr/>
+      <dgm:t>
+        <a:bodyPr/>
+        <a:lstStyle/>
+        <a:p>
+          <a:r>
+            <a:rPr lang="it-IT" dirty="0"/>
+            <a:t>App</a:t>
+          </a:r>
+        </a:p>
+      </dgm:t>
+    </dgm:pt>
+    <dgm:pt modelId="{DDE8F63D-E666-4638-9BD2-D260C1FECAF4}" type="parTrans" cxnId="{AAA65F24-ABB3-4300-BA30-54A835239D12}">
+      <dgm:prSet/>
+      <dgm:spPr/>
+      <dgm:t>
+        <a:bodyPr/>
+        <a:lstStyle/>
+        <a:p>
+          <a:endParaRPr lang="it-IT"/>
+        </a:p>
+      </dgm:t>
+    </dgm:pt>
+    <dgm:pt modelId="{8DFF6D9A-E50C-4D39-9844-DAD58E602E64}" type="sibTrans" cxnId="{AAA65F24-ABB3-4300-BA30-54A835239D12}">
+      <dgm:prSet/>
+      <dgm:spPr/>
+      <dgm:t>
+        <a:bodyPr/>
+        <a:lstStyle/>
+        <a:p>
+          <a:endParaRPr lang="it-IT"/>
+        </a:p>
+      </dgm:t>
+    </dgm:pt>
+    <dgm:pt modelId="{6F22E74A-189F-4271-8370-B9BD74913B1E}">
+      <dgm:prSet phldrT="[Testo]"/>
+      <dgm:spPr/>
+      <dgm:t>
+        <a:bodyPr/>
+        <a:lstStyle/>
+        <a:p>
+          <a:r>
+            <a:rPr lang="it-IT" dirty="0" err="1"/>
+            <a:t>Jacobi</a:t>
+          </a:r>
+          <a:endParaRPr lang="it-IT" dirty="0"/>
+        </a:p>
+      </dgm:t>
+    </dgm:pt>
+    <dgm:pt modelId="{B1F22315-3389-48A6-AB8A-A781B860FFAA}" type="parTrans" cxnId="{FE603AA6-1058-42A0-BC0F-2DD20B958E17}">
+      <dgm:prSet/>
+      <dgm:spPr/>
+      <dgm:t>
+        <a:bodyPr/>
+        <a:lstStyle/>
+        <a:p>
+          <a:endParaRPr lang="it-IT"/>
+        </a:p>
+      </dgm:t>
+    </dgm:pt>
+    <dgm:pt modelId="{DC49B1B8-8A7D-4303-AE05-087AFD54CC81}" type="sibTrans" cxnId="{FE603AA6-1058-42A0-BC0F-2DD20B958E17}">
+      <dgm:prSet/>
+      <dgm:spPr/>
+      <dgm:t>
+        <a:bodyPr/>
+        <a:lstStyle/>
+        <a:p>
+          <a:endParaRPr lang="it-IT"/>
+        </a:p>
+      </dgm:t>
+    </dgm:pt>
+    <dgm:pt modelId="{A1DCCABF-B41A-41F1-A433-9F44ED9685D9}">
+      <dgm:prSet phldrT="[Testo]"/>
+      <dgm:spPr/>
+      <dgm:t>
+        <a:bodyPr/>
+        <a:lstStyle/>
+        <a:p>
+          <a:r>
+            <a:rPr lang="it-IT" dirty="0"/>
+            <a:t>Gauss </a:t>
+          </a:r>
+          <a:r>
+            <a:rPr lang="it-IT" dirty="0" err="1"/>
+            <a:t>seidel</a:t>
+          </a:r>
+          <a:endParaRPr lang="it-IT" dirty="0"/>
+        </a:p>
+      </dgm:t>
+    </dgm:pt>
+    <dgm:pt modelId="{DEA83E77-C43B-4FC8-860F-5B4FD8434B49}" type="parTrans" cxnId="{AEFFCE63-CD86-4EA2-94C8-2E3EF9223EA6}">
+      <dgm:prSet/>
+      <dgm:spPr/>
+      <dgm:t>
+        <a:bodyPr/>
+        <a:lstStyle/>
+        <a:p>
+          <a:endParaRPr lang="it-IT"/>
+        </a:p>
+      </dgm:t>
+    </dgm:pt>
+    <dgm:pt modelId="{1325BFB4-3D4B-4689-ACBF-6BFB71CEEB67}" type="sibTrans" cxnId="{AEFFCE63-CD86-4EA2-94C8-2E3EF9223EA6}">
+      <dgm:prSet/>
+      <dgm:spPr/>
+      <dgm:t>
+        <a:bodyPr/>
+        <a:lstStyle/>
+        <a:p>
+          <a:endParaRPr lang="it-IT"/>
+        </a:p>
+      </dgm:t>
+    </dgm:pt>
+    <dgm:pt modelId="{F7893D6E-21E0-4509-945F-F039119C962D}">
+      <dgm:prSet phldrT="[Testo]"/>
+      <dgm:spPr/>
+      <dgm:t>
+        <a:bodyPr/>
+        <a:lstStyle/>
+        <a:p>
+          <a:r>
+            <a:rPr lang="it-IT" dirty="0"/>
+            <a:t>Gradiente</a:t>
+          </a:r>
+        </a:p>
+      </dgm:t>
+    </dgm:pt>
+    <dgm:pt modelId="{CE5F75F4-98B4-4FAE-A0DD-910C416C0EC2}" type="parTrans" cxnId="{F108508A-6454-4959-85D0-E714B7E3AC0E}">
+      <dgm:prSet/>
+      <dgm:spPr/>
+      <dgm:t>
+        <a:bodyPr/>
+        <a:lstStyle/>
+        <a:p>
+          <a:endParaRPr lang="it-IT"/>
+        </a:p>
+      </dgm:t>
+    </dgm:pt>
+    <dgm:pt modelId="{89D8652A-7347-4D2D-9ACE-5D375CB8D5C1}" type="sibTrans" cxnId="{F108508A-6454-4959-85D0-E714B7E3AC0E}">
+      <dgm:prSet/>
+      <dgm:spPr/>
+      <dgm:t>
+        <a:bodyPr/>
+        <a:lstStyle/>
+        <a:p>
+          <a:endParaRPr lang="it-IT"/>
+        </a:p>
+      </dgm:t>
+    </dgm:pt>
+    <dgm:pt modelId="{8302FA20-DA62-4A27-B565-8989D902BE64}">
+      <dgm:prSet/>
+      <dgm:spPr/>
+      <dgm:t>
+        <a:bodyPr/>
+        <a:lstStyle/>
+        <a:p>
+          <a:r>
+            <a:rPr lang="it-IT" dirty="0"/>
+            <a:t>Gradiente Coniugato</a:t>
+          </a:r>
+        </a:p>
+      </dgm:t>
+    </dgm:pt>
+    <dgm:pt modelId="{BA457E17-5C09-4BCC-A442-B266C67EF603}" type="parTrans" cxnId="{DE0FF8A7-637D-455C-9B9A-47BE8193ECF1}">
+      <dgm:prSet/>
+      <dgm:spPr/>
+      <dgm:t>
+        <a:bodyPr/>
+        <a:lstStyle/>
+        <a:p>
+          <a:endParaRPr lang="it-IT"/>
+        </a:p>
+      </dgm:t>
+    </dgm:pt>
+    <dgm:pt modelId="{FD423114-0909-42AE-B8EE-0BEE2A10CBCC}" type="sibTrans" cxnId="{DE0FF8A7-637D-455C-9B9A-47BE8193ECF1}">
+      <dgm:prSet/>
+      <dgm:spPr/>
+      <dgm:t>
+        <a:bodyPr/>
+        <a:lstStyle/>
+        <a:p>
+          <a:endParaRPr lang="it-IT"/>
+        </a:p>
+      </dgm:t>
+    </dgm:pt>
+    <dgm:pt modelId="{7F0E9AF3-F055-49DC-82DE-939C662D1991}" type="pres">
+      <dgm:prSet presAssocID="{607534FD-564A-4057-9FF7-C6DEB2F0DF19}" presName="hierChild1" presStyleCnt="0">
+        <dgm:presLayoutVars>
+          <dgm:orgChart val="1"/>
+          <dgm:chPref val="1"/>
+          <dgm:dir/>
+          <dgm:animOne val="branch"/>
+          <dgm:animLvl val="lvl"/>
+          <dgm:resizeHandles/>
+        </dgm:presLayoutVars>
+      </dgm:prSet>
+      <dgm:spPr/>
+    </dgm:pt>
+    <dgm:pt modelId="{ACA8E70E-2371-47B4-8F5A-249C01046AD3}" type="pres">
+      <dgm:prSet presAssocID="{6AEB7375-19EA-4FA7-A022-F04C52672DD8}" presName="hierRoot1" presStyleCnt="0">
+        <dgm:presLayoutVars>
+          <dgm:hierBranch val="init"/>
+        </dgm:presLayoutVars>
+      </dgm:prSet>
+      <dgm:spPr/>
+    </dgm:pt>
+    <dgm:pt modelId="{5D4D3B07-2E91-4E8B-AFE4-F7CBF6D49C03}" type="pres">
+      <dgm:prSet presAssocID="{6AEB7375-19EA-4FA7-A022-F04C52672DD8}" presName="rootComposite1" presStyleCnt="0"/>
+      <dgm:spPr/>
+    </dgm:pt>
+    <dgm:pt modelId="{B4DBEE47-8797-40A5-BB7D-1011F89E65B3}" type="pres">
+      <dgm:prSet presAssocID="{6AEB7375-19EA-4FA7-A022-F04C52672DD8}" presName="rootText1" presStyleLbl="node0" presStyleIdx="0" presStyleCnt="1">
+        <dgm:presLayoutVars>
+          <dgm:chPref val="3"/>
+        </dgm:presLayoutVars>
+      </dgm:prSet>
+      <dgm:spPr/>
+    </dgm:pt>
+    <dgm:pt modelId="{9731E630-042B-4544-9D91-636E7DC17ECF}" type="pres">
+      <dgm:prSet presAssocID="{6AEB7375-19EA-4FA7-A022-F04C52672DD8}" presName="rootConnector1" presStyleLbl="node1" presStyleIdx="0" presStyleCnt="0"/>
+      <dgm:spPr/>
+    </dgm:pt>
+    <dgm:pt modelId="{E7EFE1B9-4809-4632-8960-16F1D7743DBF}" type="pres">
+      <dgm:prSet presAssocID="{6AEB7375-19EA-4FA7-A022-F04C52672DD8}" presName="hierChild2" presStyleCnt="0"/>
+      <dgm:spPr/>
+    </dgm:pt>
+    <dgm:pt modelId="{09434292-CAE1-494C-AF15-C9588750B209}" type="pres">
+      <dgm:prSet presAssocID="{B1F22315-3389-48A6-AB8A-A781B860FFAA}" presName="Name37" presStyleLbl="parChTrans1D2" presStyleIdx="0" presStyleCnt="5"/>
+      <dgm:spPr/>
+    </dgm:pt>
+    <dgm:pt modelId="{215E5353-EE62-4B2A-823F-6A67F4F1F34A}" type="pres">
+      <dgm:prSet presAssocID="{6F22E74A-189F-4271-8370-B9BD74913B1E}" presName="hierRoot2" presStyleCnt="0">
+        <dgm:presLayoutVars>
+          <dgm:hierBranch val="init"/>
+        </dgm:presLayoutVars>
+      </dgm:prSet>
+      <dgm:spPr/>
+    </dgm:pt>
+    <dgm:pt modelId="{99001AA4-E13E-4737-8C88-1729535D0ED9}" type="pres">
+      <dgm:prSet presAssocID="{6F22E74A-189F-4271-8370-B9BD74913B1E}" presName="rootComposite" presStyleCnt="0"/>
+      <dgm:spPr/>
+    </dgm:pt>
+    <dgm:pt modelId="{1FB95D0E-F10B-4039-A1D1-21D005282304}" type="pres">
+      <dgm:prSet presAssocID="{6F22E74A-189F-4271-8370-B9BD74913B1E}" presName="rootText" presStyleLbl="node2" presStyleIdx="0" presStyleCnt="4">
+        <dgm:presLayoutVars>
+          <dgm:chPref val="3"/>
+        </dgm:presLayoutVars>
+      </dgm:prSet>
+      <dgm:spPr/>
+    </dgm:pt>
+    <dgm:pt modelId="{9E6EB227-1906-4AF9-BC04-930F0D76303E}" type="pres">
+      <dgm:prSet presAssocID="{6F22E74A-189F-4271-8370-B9BD74913B1E}" presName="rootConnector" presStyleLbl="node2" presStyleIdx="0" presStyleCnt="4"/>
+      <dgm:spPr/>
+    </dgm:pt>
+    <dgm:pt modelId="{0DF91A81-87A8-4C2E-9DCA-C3E406C691E6}" type="pres">
+      <dgm:prSet presAssocID="{6F22E74A-189F-4271-8370-B9BD74913B1E}" presName="hierChild4" presStyleCnt="0"/>
+      <dgm:spPr/>
+    </dgm:pt>
+    <dgm:pt modelId="{ED3AA855-4581-4BA3-9638-C92BDAECFB79}" type="pres">
+      <dgm:prSet presAssocID="{6F22E74A-189F-4271-8370-B9BD74913B1E}" presName="hierChild5" presStyleCnt="0"/>
+      <dgm:spPr/>
+    </dgm:pt>
+    <dgm:pt modelId="{0007A8D8-452F-496B-B27E-DEF8A3EA8DCC}" type="pres">
+      <dgm:prSet presAssocID="{DEA83E77-C43B-4FC8-860F-5B4FD8434B49}" presName="Name37" presStyleLbl="parChTrans1D2" presStyleIdx="1" presStyleCnt="5"/>
+      <dgm:spPr/>
+    </dgm:pt>
+    <dgm:pt modelId="{2C4BB9FD-AF6F-4F68-8061-52E325DBA443}" type="pres">
+      <dgm:prSet presAssocID="{A1DCCABF-B41A-41F1-A433-9F44ED9685D9}" presName="hierRoot2" presStyleCnt="0">
+        <dgm:presLayoutVars>
+          <dgm:hierBranch val="init"/>
+        </dgm:presLayoutVars>
+      </dgm:prSet>
+      <dgm:spPr/>
+    </dgm:pt>
+    <dgm:pt modelId="{309CD6A2-DA0C-43F9-820E-DA18EA4AF2BF}" type="pres">
+      <dgm:prSet presAssocID="{A1DCCABF-B41A-41F1-A433-9F44ED9685D9}" presName="rootComposite" presStyleCnt="0"/>
+      <dgm:spPr/>
+    </dgm:pt>
+    <dgm:pt modelId="{BA51F275-3686-4D4D-A6BC-7B3E4401EA5E}" type="pres">
+      <dgm:prSet presAssocID="{A1DCCABF-B41A-41F1-A433-9F44ED9685D9}" presName="rootText" presStyleLbl="node2" presStyleIdx="1" presStyleCnt="4">
+        <dgm:presLayoutVars>
+          <dgm:chPref val="3"/>
+        </dgm:presLayoutVars>
+      </dgm:prSet>
+      <dgm:spPr/>
+    </dgm:pt>
+    <dgm:pt modelId="{45BFA9C1-66AA-4292-B4FB-C7DB91D67744}" type="pres">
+      <dgm:prSet presAssocID="{A1DCCABF-B41A-41F1-A433-9F44ED9685D9}" presName="rootConnector" presStyleLbl="node2" presStyleIdx="1" presStyleCnt="4"/>
+      <dgm:spPr/>
+    </dgm:pt>
+    <dgm:pt modelId="{429F98E8-FAAA-4546-839F-3BE0456EEDF2}" type="pres">
+      <dgm:prSet presAssocID="{A1DCCABF-B41A-41F1-A433-9F44ED9685D9}" presName="hierChild4" presStyleCnt="0"/>
+      <dgm:spPr/>
+    </dgm:pt>
+    <dgm:pt modelId="{118BCF49-0211-40E1-A3AE-C90E34C4B900}" type="pres">
+      <dgm:prSet presAssocID="{A1DCCABF-B41A-41F1-A433-9F44ED9685D9}" presName="hierChild5" presStyleCnt="0"/>
+      <dgm:spPr/>
+    </dgm:pt>
+    <dgm:pt modelId="{4E9247FB-B742-4F60-90F7-7A0147D9E479}" type="pres">
+      <dgm:prSet presAssocID="{CE5F75F4-98B4-4FAE-A0DD-910C416C0EC2}" presName="Name37" presStyleLbl="parChTrans1D2" presStyleIdx="2" presStyleCnt="5"/>
+      <dgm:spPr/>
+    </dgm:pt>
+    <dgm:pt modelId="{5516F763-1B73-4A42-9D3E-A9383A001D48}" type="pres">
+      <dgm:prSet presAssocID="{F7893D6E-21E0-4509-945F-F039119C962D}" presName="hierRoot2" presStyleCnt="0">
+        <dgm:presLayoutVars>
+          <dgm:hierBranch val="init"/>
+        </dgm:presLayoutVars>
+      </dgm:prSet>
+      <dgm:spPr/>
+    </dgm:pt>
+    <dgm:pt modelId="{B3692150-57FA-4563-A612-0BA8680B92AF}" type="pres">
+      <dgm:prSet presAssocID="{F7893D6E-21E0-4509-945F-F039119C962D}" presName="rootComposite" presStyleCnt="0"/>
+      <dgm:spPr/>
+    </dgm:pt>
+    <dgm:pt modelId="{E47092A5-2227-4B23-AB52-02B61D062AD2}" type="pres">
+      <dgm:prSet presAssocID="{F7893D6E-21E0-4509-945F-F039119C962D}" presName="rootText" presStyleLbl="node2" presStyleIdx="2" presStyleCnt="4">
+        <dgm:presLayoutVars>
+          <dgm:chPref val="3"/>
+        </dgm:presLayoutVars>
+      </dgm:prSet>
+      <dgm:spPr/>
+    </dgm:pt>
+    <dgm:pt modelId="{2AAAEA2D-0EF1-4027-BF96-9D8E6BABC5C0}" type="pres">
+      <dgm:prSet presAssocID="{F7893D6E-21E0-4509-945F-F039119C962D}" presName="rootConnector" presStyleLbl="node2" presStyleIdx="2" presStyleCnt="4"/>
+      <dgm:spPr/>
+    </dgm:pt>
+    <dgm:pt modelId="{75EE7D8A-48FB-46E1-B83B-B030696852EF}" type="pres">
+      <dgm:prSet presAssocID="{F7893D6E-21E0-4509-945F-F039119C962D}" presName="hierChild4" presStyleCnt="0"/>
+      <dgm:spPr/>
+    </dgm:pt>
+    <dgm:pt modelId="{75491FFF-4E1A-4315-BA98-E67A45B4C5F9}" type="pres">
+      <dgm:prSet presAssocID="{F7893D6E-21E0-4509-945F-F039119C962D}" presName="hierChild5" presStyleCnt="0"/>
+      <dgm:spPr/>
+    </dgm:pt>
+    <dgm:pt modelId="{5A8001A2-1099-458C-9774-09A4F7F3FB31}" type="pres">
+      <dgm:prSet presAssocID="{BA457E17-5C09-4BCC-A442-B266C67EF603}" presName="Name37" presStyleLbl="parChTrans1D2" presStyleIdx="3" presStyleCnt="5"/>
+      <dgm:spPr/>
+    </dgm:pt>
+    <dgm:pt modelId="{FC826C3F-3577-466A-9614-6B82FBBBB80C}" type="pres">
+      <dgm:prSet presAssocID="{8302FA20-DA62-4A27-B565-8989D902BE64}" presName="hierRoot2" presStyleCnt="0">
+        <dgm:presLayoutVars>
+          <dgm:hierBranch val="init"/>
+        </dgm:presLayoutVars>
+      </dgm:prSet>
+      <dgm:spPr/>
+    </dgm:pt>
+    <dgm:pt modelId="{81425A00-2483-4CC0-B22A-016C2F82C94F}" type="pres">
+      <dgm:prSet presAssocID="{8302FA20-DA62-4A27-B565-8989D902BE64}" presName="rootComposite" presStyleCnt="0"/>
+      <dgm:spPr/>
+    </dgm:pt>
+    <dgm:pt modelId="{175C068C-C031-45A8-A960-80026B0B0CF0}" type="pres">
+      <dgm:prSet presAssocID="{8302FA20-DA62-4A27-B565-8989D902BE64}" presName="rootText" presStyleLbl="node2" presStyleIdx="3" presStyleCnt="4">
+        <dgm:presLayoutVars>
+          <dgm:chPref val="3"/>
+        </dgm:presLayoutVars>
+      </dgm:prSet>
+      <dgm:spPr/>
+    </dgm:pt>
+    <dgm:pt modelId="{1455322E-C34C-4E44-B908-A8E62D5A2637}" type="pres">
+      <dgm:prSet presAssocID="{8302FA20-DA62-4A27-B565-8989D902BE64}" presName="rootConnector" presStyleLbl="node2" presStyleIdx="3" presStyleCnt="4"/>
+      <dgm:spPr/>
+    </dgm:pt>
+    <dgm:pt modelId="{59B25043-40D1-4A91-8332-B8EDB264A360}" type="pres">
+      <dgm:prSet presAssocID="{8302FA20-DA62-4A27-B565-8989D902BE64}" presName="hierChild4" presStyleCnt="0"/>
+      <dgm:spPr/>
+    </dgm:pt>
+    <dgm:pt modelId="{641421E1-B812-4E6B-9B1D-4188B4F33347}" type="pres">
+      <dgm:prSet presAssocID="{8302FA20-DA62-4A27-B565-8989D902BE64}" presName="hierChild5" presStyleCnt="0"/>
+      <dgm:spPr/>
+    </dgm:pt>
+    <dgm:pt modelId="{BD5F0703-73E8-4317-9EC5-2C0B299E5648}" type="pres">
+      <dgm:prSet presAssocID="{6AEB7375-19EA-4FA7-A022-F04C52672DD8}" presName="hierChild3" presStyleCnt="0"/>
+      <dgm:spPr/>
+    </dgm:pt>
+    <dgm:pt modelId="{A5023B7C-E2D8-4640-90D8-BD769E99E015}" type="pres">
+      <dgm:prSet presAssocID="{DDE8F63D-E666-4638-9BD2-D260C1FECAF4}" presName="Name111" presStyleLbl="parChTrans1D2" presStyleIdx="4" presStyleCnt="5"/>
+      <dgm:spPr/>
+    </dgm:pt>
+    <dgm:pt modelId="{60849DE6-B5AD-4C6C-B2FD-79B5CE4F44C8}" type="pres">
+      <dgm:prSet presAssocID="{B926E781-5A1A-4091-86FF-956BC029B14F}" presName="hierRoot3" presStyleCnt="0">
+        <dgm:presLayoutVars>
+          <dgm:hierBranch val="init"/>
+        </dgm:presLayoutVars>
+      </dgm:prSet>
+      <dgm:spPr/>
+    </dgm:pt>
+    <dgm:pt modelId="{CABC4DAA-32D0-4C96-BC2F-E4EDC9C3B76C}" type="pres">
+      <dgm:prSet presAssocID="{B926E781-5A1A-4091-86FF-956BC029B14F}" presName="rootComposite3" presStyleCnt="0"/>
+      <dgm:spPr/>
+    </dgm:pt>
+    <dgm:pt modelId="{4CA30FCE-07B5-4241-9CE2-E19AC363AC52}" type="pres">
+      <dgm:prSet presAssocID="{B926E781-5A1A-4091-86FF-956BC029B14F}" presName="rootText3" presStyleLbl="asst1" presStyleIdx="0" presStyleCnt="1">
+        <dgm:presLayoutVars>
+          <dgm:chPref val="3"/>
+        </dgm:presLayoutVars>
+      </dgm:prSet>
+      <dgm:spPr/>
+    </dgm:pt>
+    <dgm:pt modelId="{E761449B-22C1-453E-96BB-863BA38E07D8}" type="pres">
+      <dgm:prSet presAssocID="{B926E781-5A1A-4091-86FF-956BC029B14F}" presName="rootConnector3" presStyleLbl="asst1" presStyleIdx="0" presStyleCnt="1"/>
+      <dgm:spPr/>
+    </dgm:pt>
+    <dgm:pt modelId="{4150E0C3-3542-4310-BE13-05E9D8EEEF64}" type="pres">
+      <dgm:prSet presAssocID="{B926E781-5A1A-4091-86FF-956BC029B14F}" presName="hierChild6" presStyleCnt="0"/>
+      <dgm:spPr/>
+    </dgm:pt>
+    <dgm:pt modelId="{C1C6DA55-CB8C-480A-A263-028E412C5452}" type="pres">
+      <dgm:prSet presAssocID="{B926E781-5A1A-4091-86FF-956BC029B14F}" presName="hierChild7" presStyleCnt="0"/>
+      <dgm:spPr/>
+    </dgm:pt>
+  </dgm:ptLst>
+  <dgm:cxnLst>
+    <dgm:cxn modelId="{23820E02-25EF-4E4E-B463-8C98326583BB}" type="presOf" srcId="{DDE8F63D-E666-4638-9BD2-D260C1FECAF4}" destId="{A5023B7C-E2D8-4640-90D8-BD769E99E015}" srcOrd="0" destOrd="0" presId="urn:microsoft.com/office/officeart/2005/8/layout/orgChart1"/>
+    <dgm:cxn modelId="{52CF6506-2D94-4E05-A0F6-D36ED9217E35}" type="presOf" srcId="{CE5F75F4-98B4-4FAE-A0DD-910C416C0EC2}" destId="{4E9247FB-B742-4F60-90F7-7A0147D9E479}" srcOrd="0" destOrd="0" presId="urn:microsoft.com/office/officeart/2005/8/layout/orgChart1"/>
+    <dgm:cxn modelId="{AAA65F24-ABB3-4300-BA30-54A835239D12}" srcId="{6AEB7375-19EA-4FA7-A022-F04C52672DD8}" destId="{B926E781-5A1A-4091-86FF-956BC029B14F}" srcOrd="0" destOrd="0" parTransId="{DDE8F63D-E666-4638-9BD2-D260C1FECAF4}" sibTransId="{8DFF6D9A-E50C-4D39-9844-DAD58E602E64}"/>
+    <dgm:cxn modelId="{651EF128-7F67-4613-95EB-198FE72864DB}" type="presOf" srcId="{8302FA20-DA62-4A27-B565-8989D902BE64}" destId="{1455322E-C34C-4E44-B908-A8E62D5A2637}" srcOrd="1" destOrd="0" presId="urn:microsoft.com/office/officeart/2005/8/layout/orgChart1"/>
+    <dgm:cxn modelId="{DFDEC536-532C-4775-951E-683E6ABD7BBC}" type="presOf" srcId="{A1DCCABF-B41A-41F1-A433-9F44ED9685D9}" destId="{45BFA9C1-66AA-4292-B4FB-C7DB91D67744}" srcOrd="1" destOrd="0" presId="urn:microsoft.com/office/officeart/2005/8/layout/orgChart1"/>
+    <dgm:cxn modelId="{9877FC3A-1F2C-42CD-BD12-A0862F8A847D}" type="presOf" srcId="{6AEB7375-19EA-4FA7-A022-F04C52672DD8}" destId="{9731E630-042B-4544-9D91-636E7DC17ECF}" srcOrd="1" destOrd="0" presId="urn:microsoft.com/office/officeart/2005/8/layout/orgChart1"/>
+    <dgm:cxn modelId="{9E8B4D5D-C06A-4A95-BEA2-D88246FCCE3C}" type="presOf" srcId="{6F22E74A-189F-4271-8370-B9BD74913B1E}" destId="{9E6EB227-1906-4AF9-BC04-930F0D76303E}" srcOrd="1" destOrd="0" presId="urn:microsoft.com/office/officeart/2005/8/layout/orgChart1"/>
+    <dgm:cxn modelId="{BF3A9343-5CCF-4CC0-BEF6-DFC2443493CC}" type="presOf" srcId="{B1F22315-3389-48A6-AB8A-A781B860FFAA}" destId="{09434292-CAE1-494C-AF15-C9588750B209}" srcOrd="0" destOrd="0" presId="urn:microsoft.com/office/officeart/2005/8/layout/orgChart1"/>
+    <dgm:cxn modelId="{AEFFCE63-CD86-4EA2-94C8-2E3EF9223EA6}" srcId="{6AEB7375-19EA-4FA7-A022-F04C52672DD8}" destId="{A1DCCABF-B41A-41F1-A433-9F44ED9685D9}" srcOrd="2" destOrd="0" parTransId="{DEA83E77-C43B-4FC8-860F-5B4FD8434B49}" sibTransId="{1325BFB4-3D4B-4689-ACBF-6BFB71CEEB67}"/>
+    <dgm:cxn modelId="{A1145E65-554F-4C88-95C1-844FF9E408A9}" type="presOf" srcId="{B926E781-5A1A-4091-86FF-956BC029B14F}" destId="{E761449B-22C1-453E-96BB-863BA38E07D8}" srcOrd="1" destOrd="0" presId="urn:microsoft.com/office/officeart/2005/8/layout/orgChart1"/>
+    <dgm:cxn modelId="{CEDB0E66-ADB9-4452-B383-D74A560FF449}" type="presOf" srcId="{F7893D6E-21E0-4509-945F-F039119C962D}" destId="{2AAAEA2D-0EF1-4027-BF96-9D8E6BABC5C0}" srcOrd="1" destOrd="0" presId="urn:microsoft.com/office/officeart/2005/8/layout/orgChart1"/>
+    <dgm:cxn modelId="{FFC61470-B8C8-496C-B383-EA04510BBFCE}" srcId="{607534FD-564A-4057-9FF7-C6DEB2F0DF19}" destId="{6AEB7375-19EA-4FA7-A022-F04C52672DD8}" srcOrd="0" destOrd="0" parTransId="{DD5B82A8-8604-47CB-9A1E-11A566B24E4A}" sibTransId="{B94D21C7-2C73-4990-AFE7-53D3DFA5E3A3}"/>
+    <dgm:cxn modelId="{E4248155-F855-44A1-9AE9-90E774A51971}" type="presOf" srcId="{8302FA20-DA62-4A27-B565-8989D902BE64}" destId="{175C068C-C031-45A8-A960-80026B0B0CF0}" srcOrd="0" destOrd="0" presId="urn:microsoft.com/office/officeart/2005/8/layout/orgChart1"/>
+    <dgm:cxn modelId="{F108508A-6454-4959-85D0-E714B7E3AC0E}" srcId="{6AEB7375-19EA-4FA7-A022-F04C52672DD8}" destId="{F7893D6E-21E0-4509-945F-F039119C962D}" srcOrd="3" destOrd="0" parTransId="{CE5F75F4-98B4-4FAE-A0DD-910C416C0EC2}" sibTransId="{89D8652A-7347-4D2D-9ACE-5D375CB8D5C1}"/>
+    <dgm:cxn modelId="{7622FA96-2932-423D-BD2D-8AEC0DE4B605}" type="presOf" srcId="{B926E781-5A1A-4091-86FF-956BC029B14F}" destId="{4CA30FCE-07B5-4241-9CE2-E19AC363AC52}" srcOrd="0" destOrd="0" presId="urn:microsoft.com/office/officeart/2005/8/layout/orgChart1"/>
+    <dgm:cxn modelId="{885D0399-159A-493A-B1BC-E4F7E0B0DEB7}" type="presOf" srcId="{A1DCCABF-B41A-41F1-A433-9F44ED9685D9}" destId="{BA51F275-3686-4D4D-A6BC-7B3E4401EA5E}" srcOrd="0" destOrd="0" presId="urn:microsoft.com/office/officeart/2005/8/layout/orgChart1"/>
+    <dgm:cxn modelId="{E4E39F9E-4BB2-4DDD-93B6-C34A18DE0B4F}" type="presOf" srcId="{607534FD-564A-4057-9FF7-C6DEB2F0DF19}" destId="{7F0E9AF3-F055-49DC-82DE-939C662D1991}" srcOrd="0" destOrd="0" presId="urn:microsoft.com/office/officeart/2005/8/layout/orgChart1"/>
+    <dgm:cxn modelId="{FE603AA6-1058-42A0-BC0F-2DD20B958E17}" srcId="{6AEB7375-19EA-4FA7-A022-F04C52672DD8}" destId="{6F22E74A-189F-4271-8370-B9BD74913B1E}" srcOrd="1" destOrd="0" parTransId="{B1F22315-3389-48A6-AB8A-A781B860FFAA}" sibTransId="{DC49B1B8-8A7D-4303-AE05-087AFD54CC81}"/>
+    <dgm:cxn modelId="{DE0FF8A7-637D-455C-9B9A-47BE8193ECF1}" srcId="{6AEB7375-19EA-4FA7-A022-F04C52672DD8}" destId="{8302FA20-DA62-4A27-B565-8989D902BE64}" srcOrd="4" destOrd="0" parTransId="{BA457E17-5C09-4BCC-A442-B266C67EF603}" sibTransId="{FD423114-0909-42AE-B8EE-0BEE2A10CBCC}"/>
+    <dgm:cxn modelId="{3A4343B3-7820-4C22-AA7E-DD57C116E02E}" type="presOf" srcId="{F7893D6E-21E0-4509-945F-F039119C962D}" destId="{E47092A5-2227-4B23-AB52-02B61D062AD2}" srcOrd="0" destOrd="0" presId="urn:microsoft.com/office/officeart/2005/8/layout/orgChart1"/>
+    <dgm:cxn modelId="{C3D788C4-D320-4E87-8178-4E33D0A7B0B7}" type="presOf" srcId="{6AEB7375-19EA-4FA7-A022-F04C52672DD8}" destId="{B4DBEE47-8797-40A5-BB7D-1011F89E65B3}" srcOrd="0" destOrd="0" presId="urn:microsoft.com/office/officeart/2005/8/layout/orgChart1"/>
+    <dgm:cxn modelId="{1BFAA7E4-2623-4C43-A8E5-6D8F3F07CAF1}" type="presOf" srcId="{BA457E17-5C09-4BCC-A442-B266C67EF603}" destId="{5A8001A2-1099-458C-9774-09A4F7F3FB31}" srcOrd="0" destOrd="0" presId="urn:microsoft.com/office/officeart/2005/8/layout/orgChart1"/>
+    <dgm:cxn modelId="{48FE8CE9-C4F8-4700-98FF-4E5EA887FCB4}" type="presOf" srcId="{DEA83E77-C43B-4FC8-860F-5B4FD8434B49}" destId="{0007A8D8-452F-496B-B27E-DEF8A3EA8DCC}" srcOrd="0" destOrd="0" presId="urn:microsoft.com/office/officeart/2005/8/layout/orgChart1"/>
+    <dgm:cxn modelId="{2BA699FC-D463-459C-B905-6A246B91B55E}" type="presOf" srcId="{6F22E74A-189F-4271-8370-B9BD74913B1E}" destId="{1FB95D0E-F10B-4039-A1D1-21D005282304}" srcOrd="0" destOrd="0" presId="urn:microsoft.com/office/officeart/2005/8/layout/orgChart1"/>
+    <dgm:cxn modelId="{FDCA7B6F-C1F4-44A4-9025-3BD2757F4AF3}" type="presParOf" srcId="{7F0E9AF3-F055-49DC-82DE-939C662D1991}" destId="{ACA8E70E-2371-47B4-8F5A-249C01046AD3}" srcOrd="0" destOrd="0" presId="urn:microsoft.com/office/officeart/2005/8/layout/orgChart1"/>
+    <dgm:cxn modelId="{6A1E1B56-C33C-4F07-8CC8-86B90A27F8A1}" type="presParOf" srcId="{ACA8E70E-2371-47B4-8F5A-249C01046AD3}" destId="{5D4D3B07-2E91-4E8B-AFE4-F7CBF6D49C03}" srcOrd="0" destOrd="0" presId="urn:microsoft.com/office/officeart/2005/8/layout/orgChart1"/>
+    <dgm:cxn modelId="{1172C794-220F-4BD5-B780-08F585E3C6EC}" type="presParOf" srcId="{5D4D3B07-2E91-4E8B-AFE4-F7CBF6D49C03}" destId="{B4DBEE47-8797-40A5-BB7D-1011F89E65B3}" srcOrd="0" destOrd="0" presId="urn:microsoft.com/office/officeart/2005/8/layout/orgChart1"/>
+    <dgm:cxn modelId="{98AB8A5A-3F8A-4756-9DC6-9D32479A960D}" type="presParOf" srcId="{5D4D3B07-2E91-4E8B-AFE4-F7CBF6D49C03}" destId="{9731E630-042B-4544-9D91-636E7DC17ECF}" srcOrd="1" destOrd="0" presId="urn:microsoft.com/office/officeart/2005/8/layout/orgChart1"/>
+    <dgm:cxn modelId="{C34A714E-A3BB-4E9E-90D9-B16AE4F040F2}" type="presParOf" srcId="{ACA8E70E-2371-47B4-8F5A-249C01046AD3}" destId="{E7EFE1B9-4809-4632-8960-16F1D7743DBF}" srcOrd="1" destOrd="0" presId="urn:microsoft.com/office/officeart/2005/8/layout/orgChart1"/>
+    <dgm:cxn modelId="{91B8808F-CD39-4708-B34E-29D43E207207}" type="presParOf" srcId="{E7EFE1B9-4809-4632-8960-16F1D7743DBF}" destId="{09434292-CAE1-494C-AF15-C9588750B209}" srcOrd="0" destOrd="0" presId="urn:microsoft.com/office/officeart/2005/8/layout/orgChart1"/>
+    <dgm:cxn modelId="{EA9D06AE-4A2E-41ED-B3C8-A2E0324B6686}" type="presParOf" srcId="{E7EFE1B9-4809-4632-8960-16F1D7743DBF}" destId="{215E5353-EE62-4B2A-823F-6A67F4F1F34A}" srcOrd="1" destOrd="0" presId="urn:microsoft.com/office/officeart/2005/8/layout/orgChart1"/>
+    <dgm:cxn modelId="{37024B77-0EF6-4215-B42F-34FFFA19AC4A}" type="presParOf" srcId="{215E5353-EE62-4B2A-823F-6A67F4F1F34A}" destId="{99001AA4-E13E-4737-8C88-1729535D0ED9}" srcOrd="0" destOrd="0" presId="urn:microsoft.com/office/officeart/2005/8/layout/orgChart1"/>
+    <dgm:cxn modelId="{5D31CF4C-76B2-47FE-988E-2FBC33DEB305}" type="presParOf" srcId="{99001AA4-E13E-4737-8C88-1729535D0ED9}" destId="{1FB95D0E-F10B-4039-A1D1-21D005282304}" srcOrd="0" destOrd="0" presId="urn:microsoft.com/office/officeart/2005/8/layout/orgChart1"/>
+    <dgm:cxn modelId="{50AF92E4-F85B-4086-9A2D-4FF0E8E46587}" type="presParOf" srcId="{99001AA4-E13E-4737-8C88-1729535D0ED9}" destId="{9E6EB227-1906-4AF9-BC04-930F0D76303E}" srcOrd="1" destOrd="0" presId="urn:microsoft.com/office/officeart/2005/8/layout/orgChart1"/>
+    <dgm:cxn modelId="{21E51689-2F2E-4D03-9063-4BC08592A745}" type="presParOf" srcId="{215E5353-EE62-4B2A-823F-6A67F4F1F34A}" destId="{0DF91A81-87A8-4C2E-9DCA-C3E406C691E6}" srcOrd="1" destOrd="0" presId="urn:microsoft.com/office/officeart/2005/8/layout/orgChart1"/>
+    <dgm:cxn modelId="{02A35AC5-2766-4CBB-B04D-4127D8E65570}" type="presParOf" srcId="{215E5353-EE62-4B2A-823F-6A67F4F1F34A}" destId="{ED3AA855-4581-4BA3-9638-C92BDAECFB79}" srcOrd="2" destOrd="0" presId="urn:microsoft.com/office/officeart/2005/8/layout/orgChart1"/>
+    <dgm:cxn modelId="{BB92954E-A9A9-4389-8E69-DE855B28475A}" type="presParOf" srcId="{E7EFE1B9-4809-4632-8960-16F1D7743DBF}" destId="{0007A8D8-452F-496B-B27E-DEF8A3EA8DCC}" srcOrd="2" destOrd="0" presId="urn:microsoft.com/office/officeart/2005/8/layout/orgChart1"/>
+    <dgm:cxn modelId="{8CEBB166-9399-4BBA-976F-4DA7EB372D97}" type="presParOf" srcId="{E7EFE1B9-4809-4632-8960-16F1D7743DBF}" destId="{2C4BB9FD-AF6F-4F68-8061-52E325DBA443}" srcOrd="3" destOrd="0" presId="urn:microsoft.com/office/officeart/2005/8/layout/orgChart1"/>
+    <dgm:cxn modelId="{96BC61E1-84E3-490B-AAB1-E1823EA4019C}" type="presParOf" srcId="{2C4BB9FD-AF6F-4F68-8061-52E325DBA443}" destId="{309CD6A2-DA0C-43F9-820E-DA18EA4AF2BF}" srcOrd="0" destOrd="0" presId="urn:microsoft.com/office/officeart/2005/8/layout/orgChart1"/>
+    <dgm:cxn modelId="{5879490B-F352-4A04-9C08-C8FDBA6DF444}" type="presParOf" srcId="{309CD6A2-DA0C-43F9-820E-DA18EA4AF2BF}" destId="{BA51F275-3686-4D4D-A6BC-7B3E4401EA5E}" srcOrd="0" destOrd="0" presId="urn:microsoft.com/office/officeart/2005/8/layout/orgChart1"/>
+    <dgm:cxn modelId="{A011B624-F6F7-418A-8C16-F7E10A9F1550}" type="presParOf" srcId="{309CD6A2-DA0C-43F9-820E-DA18EA4AF2BF}" destId="{45BFA9C1-66AA-4292-B4FB-C7DB91D67744}" srcOrd="1" destOrd="0" presId="urn:microsoft.com/office/officeart/2005/8/layout/orgChart1"/>
+    <dgm:cxn modelId="{F640E896-A295-48D3-A113-95AD3FA08C26}" type="presParOf" srcId="{2C4BB9FD-AF6F-4F68-8061-52E325DBA443}" destId="{429F98E8-FAAA-4546-839F-3BE0456EEDF2}" srcOrd="1" destOrd="0" presId="urn:microsoft.com/office/officeart/2005/8/layout/orgChart1"/>
+    <dgm:cxn modelId="{2A32DA47-67D0-4597-97EE-8218D74C398F}" type="presParOf" srcId="{2C4BB9FD-AF6F-4F68-8061-52E325DBA443}" destId="{118BCF49-0211-40E1-A3AE-C90E34C4B900}" srcOrd="2" destOrd="0" presId="urn:microsoft.com/office/officeart/2005/8/layout/orgChart1"/>
+    <dgm:cxn modelId="{A5B27D97-67C3-485D-A9B2-C66EF908B470}" type="presParOf" srcId="{E7EFE1B9-4809-4632-8960-16F1D7743DBF}" destId="{4E9247FB-B742-4F60-90F7-7A0147D9E479}" srcOrd="4" destOrd="0" presId="urn:microsoft.com/office/officeart/2005/8/layout/orgChart1"/>
+    <dgm:cxn modelId="{FBA6A850-3CB0-42D1-A3ED-E62599395B70}" type="presParOf" srcId="{E7EFE1B9-4809-4632-8960-16F1D7743DBF}" destId="{5516F763-1B73-4A42-9D3E-A9383A001D48}" srcOrd="5" destOrd="0" presId="urn:microsoft.com/office/officeart/2005/8/layout/orgChart1"/>
+    <dgm:cxn modelId="{F0712C14-75BE-43DB-A6F5-99DC162053C8}" type="presParOf" srcId="{5516F763-1B73-4A42-9D3E-A9383A001D48}" destId="{B3692150-57FA-4563-A612-0BA8680B92AF}" srcOrd="0" destOrd="0" presId="urn:microsoft.com/office/officeart/2005/8/layout/orgChart1"/>
+    <dgm:cxn modelId="{95B9CE0A-2496-4608-AA48-C2D4E769150C}" type="presParOf" srcId="{B3692150-57FA-4563-A612-0BA8680B92AF}" destId="{E47092A5-2227-4B23-AB52-02B61D062AD2}" srcOrd="0" destOrd="0" presId="urn:microsoft.com/office/officeart/2005/8/layout/orgChart1"/>
+    <dgm:cxn modelId="{7BA12F23-6311-41B9-86C2-90244651E088}" type="presParOf" srcId="{B3692150-57FA-4563-A612-0BA8680B92AF}" destId="{2AAAEA2D-0EF1-4027-BF96-9D8E6BABC5C0}" srcOrd="1" destOrd="0" presId="urn:microsoft.com/office/officeart/2005/8/layout/orgChart1"/>
+    <dgm:cxn modelId="{5F021402-1E77-4043-8446-D5CC0D71E4FD}" type="presParOf" srcId="{5516F763-1B73-4A42-9D3E-A9383A001D48}" destId="{75EE7D8A-48FB-46E1-B83B-B030696852EF}" srcOrd="1" destOrd="0" presId="urn:microsoft.com/office/officeart/2005/8/layout/orgChart1"/>
+    <dgm:cxn modelId="{E9E08BE2-EA28-4B4A-BADC-2CBEC5813382}" type="presParOf" srcId="{5516F763-1B73-4A42-9D3E-A9383A001D48}" destId="{75491FFF-4E1A-4315-BA98-E67A45B4C5F9}" srcOrd="2" destOrd="0" presId="urn:microsoft.com/office/officeart/2005/8/layout/orgChart1"/>
+    <dgm:cxn modelId="{0CB8DEAD-6EAF-4B7F-B2BC-7F49C204A90F}" type="presParOf" srcId="{E7EFE1B9-4809-4632-8960-16F1D7743DBF}" destId="{5A8001A2-1099-458C-9774-09A4F7F3FB31}" srcOrd="6" destOrd="0" presId="urn:microsoft.com/office/officeart/2005/8/layout/orgChart1"/>
+    <dgm:cxn modelId="{3085FFA1-6244-4B84-B323-E83A61022993}" type="presParOf" srcId="{E7EFE1B9-4809-4632-8960-16F1D7743DBF}" destId="{FC826C3F-3577-466A-9614-6B82FBBBB80C}" srcOrd="7" destOrd="0" presId="urn:microsoft.com/office/officeart/2005/8/layout/orgChart1"/>
+    <dgm:cxn modelId="{FE70336F-3934-410E-B87C-9D9F060A214B}" type="presParOf" srcId="{FC826C3F-3577-466A-9614-6B82FBBBB80C}" destId="{81425A00-2483-4CC0-B22A-016C2F82C94F}" srcOrd="0" destOrd="0" presId="urn:microsoft.com/office/officeart/2005/8/layout/orgChart1"/>
+    <dgm:cxn modelId="{A51E91F2-E1E0-4A45-8C4B-80DACCE76D31}" type="presParOf" srcId="{81425A00-2483-4CC0-B22A-016C2F82C94F}" destId="{175C068C-C031-45A8-A960-80026B0B0CF0}" srcOrd="0" destOrd="0" presId="urn:microsoft.com/office/officeart/2005/8/layout/orgChart1"/>
+    <dgm:cxn modelId="{DDBA0DE8-FD73-4884-A8BA-0D90279B33F8}" type="presParOf" srcId="{81425A00-2483-4CC0-B22A-016C2F82C94F}" destId="{1455322E-C34C-4E44-B908-A8E62D5A2637}" srcOrd="1" destOrd="0" presId="urn:microsoft.com/office/officeart/2005/8/layout/orgChart1"/>
+    <dgm:cxn modelId="{DCEFB80C-F220-472B-B41F-18FBAB0A9A7F}" type="presParOf" srcId="{FC826C3F-3577-466A-9614-6B82FBBBB80C}" destId="{59B25043-40D1-4A91-8332-B8EDB264A360}" srcOrd="1" destOrd="0" presId="urn:microsoft.com/office/officeart/2005/8/layout/orgChart1"/>
+    <dgm:cxn modelId="{833A6B62-9BBE-4FC2-A554-2ACEAA469A3F}" type="presParOf" srcId="{FC826C3F-3577-466A-9614-6B82FBBBB80C}" destId="{641421E1-B812-4E6B-9B1D-4188B4F33347}" srcOrd="2" destOrd="0" presId="urn:microsoft.com/office/officeart/2005/8/layout/orgChart1"/>
+    <dgm:cxn modelId="{90A74AF6-C10D-4B41-B3D3-221675214A98}" type="presParOf" srcId="{ACA8E70E-2371-47B4-8F5A-249C01046AD3}" destId="{BD5F0703-73E8-4317-9EC5-2C0B299E5648}" srcOrd="2" destOrd="0" presId="urn:microsoft.com/office/officeart/2005/8/layout/orgChart1"/>
+    <dgm:cxn modelId="{190D0179-2F4D-4904-A8D4-806ED71A1BF9}" type="presParOf" srcId="{BD5F0703-73E8-4317-9EC5-2C0B299E5648}" destId="{A5023B7C-E2D8-4640-90D8-BD769E99E015}" srcOrd="0" destOrd="0" presId="urn:microsoft.com/office/officeart/2005/8/layout/orgChart1"/>
+    <dgm:cxn modelId="{2490C30B-AECF-4132-8406-1622230DC271}" type="presParOf" srcId="{BD5F0703-73E8-4317-9EC5-2C0B299E5648}" destId="{60849DE6-B5AD-4C6C-B2FD-79B5CE4F44C8}" srcOrd="1" destOrd="0" presId="urn:microsoft.com/office/officeart/2005/8/layout/orgChart1"/>
+    <dgm:cxn modelId="{4509E8C8-83BD-4588-A604-61663188B6CA}" type="presParOf" srcId="{60849DE6-B5AD-4C6C-B2FD-79B5CE4F44C8}" destId="{CABC4DAA-32D0-4C96-BC2F-E4EDC9C3B76C}" srcOrd="0" destOrd="0" presId="urn:microsoft.com/office/officeart/2005/8/layout/orgChart1"/>
+    <dgm:cxn modelId="{ABC3621E-0B9F-4B55-8F66-BF6842DE2D4A}" type="presParOf" srcId="{CABC4DAA-32D0-4C96-BC2F-E4EDC9C3B76C}" destId="{4CA30FCE-07B5-4241-9CE2-E19AC363AC52}" srcOrd="0" destOrd="0" presId="urn:microsoft.com/office/officeart/2005/8/layout/orgChart1"/>
+    <dgm:cxn modelId="{F8B28C74-6FD5-4D73-BA14-58E235590B6D}" type="presParOf" srcId="{CABC4DAA-32D0-4C96-BC2F-E4EDC9C3B76C}" destId="{E761449B-22C1-453E-96BB-863BA38E07D8}" srcOrd="1" destOrd="0" presId="urn:microsoft.com/office/officeart/2005/8/layout/orgChart1"/>
+    <dgm:cxn modelId="{0FE7DED4-45D5-4A45-86F3-8A5ECEF48CE3}" type="presParOf" srcId="{60849DE6-B5AD-4C6C-B2FD-79B5CE4F44C8}" destId="{4150E0C3-3542-4310-BE13-05E9D8EEEF64}" srcOrd="1" destOrd="0" presId="urn:microsoft.com/office/officeart/2005/8/layout/orgChart1"/>
+    <dgm:cxn modelId="{D82E5588-D9F4-45DF-8941-DC2DBAC27767}" type="presParOf" srcId="{60849DE6-B5AD-4C6C-B2FD-79B5CE4F44C8}" destId="{C1C6DA55-CB8C-480A-A263-028E412C5452}" srcOrd="2" destOrd="0" presId="urn:microsoft.com/office/officeart/2005/8/layout/orgChart1"/>
+  </dgm:cxnLst>
+  <dgm:bg/>
+  <dgm:whole/>
+  <dgm:extLst>
+    <a:ext uri="http://schemas.microsoft.com/office/drawing/2008/diagram">
+      <dsp:dataModelExt xmlns:dsp="http://schemas.microsoft.com/office/drawing/2008/diagram" relId="rId7" minVer="http://schemas.openxmlformats.org/drawingml/2006/diagram"/>
+    </a:ext>
+  </dgm:extLst>
+</dgm:dataModel>
+</file>
+
+<file path=ppt/diagrams/data2.xml><?xml version="1.0" encoding="utf-8"?>
 <dgm:dataModel xmlns:dgm="http://schemas.openxmlformats.org/drawingml/2006/diagram" xmlns:a="http://schemas.openxmlformats.org/drawingml/2006/main">
   <dgm:ptLst>
     <dgm:pt modelId="{F3BCC748-7E56-4DD3-B3D4-F3ECBB3CA46A}" type="doc">
@@ -10766,6 +12053,789 @@
       <dsp:cNvGrpSpPr/>
     </dsp:nvGrpSpPr>
     <dsp:grpSpPr/>
+    <dsp:sp modelId="{A5023B7C-E2D8-4640-90D8-BD769E99E015}">
+      <dsp:nvSpPr>
+        <dsp:cNvPr id="0" name=""/>
+        <dsp:cNvSpPr/>
+      </dsp:nvSpPr>
+      <dsp:spPr>
+        <a:xfrm>
+          <a:off x="3011302" y="1490558"/>
+          <a:ext cx="142915" cy="626107"/>
+        </a:xfrm>
+        <a:custGeom>
+          <a:avLst/>
+          <a:gdLst/>
+          <a:ahLst/>
+          <a:cxnLst/>
+          <a:rect l="0" t="0" r="0" b="0"/>
+          <a:pathLst>
+            <a:path>
+              <a:moveTo>
+                <a:pt x="142915" y="0"/>
+              </a:moveTo>
+              <a:lnTo>
+                <a:pt x="142915" y="626107"/>
+              </a:lnTo>
+              <a:lnTo>
+                <a:pt x="0" y="626107"/>
+              </a:lnTo>
+            </a:path>
+          </a:pathLst>
+        </a:custGeom>
+        <a:noFill/>
+        <a:ln w="12700" cap="flat" cmpd="sng" algn="ctr">
+          <a:solidFill>
+            <a:schemeClr val="accent1">
+              <a:shade val="60000"/>
+              <a:hueOff val="0"/>
+              <a:satOff val="0"/>
+              <a:lumOff val="0"/>
+              <a:alphaOff val="0"/>
+            </a:schemeClr>
+          </a:solidFill>
+          <a:prstDash val="solid"/>
+        </a:ln>
+        <a:effectLst/>
+      </dsp:spPr>
+      <dsp:style>
+        <a:lnRef idx="2">
+          <a:scrgbClr r="0" g="0" b="0"/>
+        </a:lnRef>
+        <a:fillRef idx="0">
+          <a:scrgbClr r="0" g="0" b="0"/>
+        </a:fillRef>
+        <a:effectRef idx="0">
+          <a:scrgbClr r="0" g="0" b="0"/>
+        </a:effectRef>
+        <a:fontRef idx="minor"/>
+      </dsp:style>
+    </dsp:sp>
+    <dsp:sp modelId="{5A8001A2-1099-458C-9774-09A4F7F3FB31}">
+      <dsp:nvSpPr>
+        <dsp:cNvPr id="0" name=""/>
+        <dsp:cNvSpPr/>
+      </dsp:nvSpPr>
+      <dsp:spPr>
+        <a:xfrm>
+          <a:off x="3154218" y="1490558"/>
+          <a:ext cx="2470403" cy="1252215"/>
+        </a:xfrm>
+        <a:custGeom>
+          <a:avLst/>
+          <a:gdLst/>
+          <a:ahLst/>
+          <a:cxnLst/>
+          <a:rect l="0" t="0" r="0" b="0"/>
+          <a:pathLst>
+            <a:path>
+              <a:moveTo>
+                <a:pt x="0" y="0"/>
+              </a:moveTo>
+              <a:lnTo>
+                <a:pt x="0" y="1109299"/>
+              </a:lnTo>
+              <a:lnTo>
+                <a:pt x="2470403" y="1109299"/>
+              </a:lnTo>
+              <a:lnTo>
+                <a:pt x="2470403" y="1252215"/>
+              </a:lnTo>
+            </a:path>
+          </a:pathLst>
+        </a:custGeom>
+        <a:noFill/>
+        <a:ln w="12700" cap="flat" cmpd="sng" algn="ctr">
+          <a:solidFill>
+            <a:schemeClr val="accent1">
+              <a:shade val="60000"/>
+              <a:hueOff val="0"/>
+              <a:satOff val="0"/>
+              <a:lumOff val="0"/>
+              <a:alphaOff val="0"/>
+            </a:schemeClr>
+          </a:solidFill>
+          <a:prstDash val="solid"/>
+        </a:ln>
+        <a:effectLst/>
+      </dsp:spPr>
+      <dsp:style>
+        <a:lnRef idx="2">
+          <a:scrgbClr r="0" g="0" b="0"/>
+        </a:lnRef>
+        <a:fillRef idx="0">
+          <a:scrgbClr r="0" g="0" b="0"/>
+        </a:fillRef>
+        <a:effectRef idx="0">
+          <a:scrgbClr r="0" g="0" b="0"/>
+        </a:effectRef>
+        <a:fontRef idx="minor"/>
+      </dsp:style>
+    </dsp:sp>
+    <dsp:sp modelId="{4E9247FB-B742-4F60-90F7-7A0147D9E479}">
+      <dsp:nvSpPr>
+        <dsp:cNvPr id="0" name=""/>
+        <dsp:cNvSpPr/>
+      </dsp:nvSpPr>
+      <dsp:spPr>
+        <a:xfrm>
+          <a:off x="3154218" y="1490558"/>
+          <a:ext cx="823467" cy="1252215"/>
+        </a:xfrm>
+        <a:custGeom>
+          <a:avLst/>
+          <a:gdLst/>
+          <a:ahLst/>
+          <a:cxnLst/>
+          <a:rect l="0" t="0" r="0" b="0"/>
+          <a:pathLst>
+            <a:path>
+              <a:moveTo>
+                <a:pt x="0" y="0"/>
+              </a:moveTo>
+              <a:lnTo>
+                <a:pt x="0" y="1109299"/>
+              </a:lnTo>
+              <a:lnTo>
+                <a:pt x="823467" y="1109299"/>
+              </a:lnTo>
+              <a:lnTo>
+                <a:pt x="823467" y="1252215"/>
+              </a:lnTo>
+            </a:path>
+          </a:pathLst>
+        </a:custGeom>
+        <a:noFill/>
+        <a:ln w="12700" cap="flat" cmpd="sng" algn="ctr">
+          <a:solidFill>
+            <a:schemeClr val="accent1">
+              <a:shade val="60000"/>
+              <a:hueOff val="0"/>
+              <a:satOff val="0"/>
+              <a:lumOff val="0"/>
+              <a:alphaOff val="0"/>
+            </a:schemeClr>
+          </a:solidFill>
+          <a:prstDash val="solid"/>
+        </a:ln>
+        <a:effectLst/>
+      </dsp:spPr>
+      <dsp:style>
+        <a:lnRef idx="2">
+          <a:scrgbClr r="0" g="0" b="0"/>
+        </a:lnRef>
+        <a:fillRef idx="0">
+          <a:scrgbClr r="0" g="0" b="0"/>
+        </a:fillRef>
+        <a:effectRef idx="0">
+          <a:scrgbClr r="0" g="0" b="0"/>
+        </a:effectRef>
+        <a:fontRef idx="minor"/>
+      </dsp:style>
+    </dsp:sp>
+    <dsp:sp modelId="{0007A8D8-452F-496B-B27E-DEF8A3EA8DCC}">
+      <dsp:nvSpPr>
+        <dsp:cNvPr id="0" name=""/>
+        <dsp:cNvSpPr/>
+      </dsp:nvSpPr>
+      <dsp:spPr>
+        <a:xfrm>
+          <a:off x="2330750" y="1490558"/>
+          <a:ext cx="823467" cy="1252215"/>
+        </a:xfrm>
+        <a:custGeom>
+          <a:avLst/>
+          <a:gdLst/>
+          <a:ahLst/>
+          <a:cxnLst/>
+          <a:rect l="0" t="0" r="0" b="0"/>
+          <a:pathLst>
+            <a:path>
+              <a:moveTo>
+                <a:pt x="823467" y="0"/>
+              </a:moveTo>
+              <a:lnTo>
+                <a:pt x="823467" y="1109299"/>
+              </a:lnTo>
+              <a:lnTo>
+                <a:pt x="0" y="1109299"/>
+              </a:lnTo>
+              <a:lnTo>
+                <a:pt x="0" y="1252215"/>
+              </a:lnTo>
+            </a:path>
+          </a:pathLst>
+        </a:custGeom>
+        <a:noFill/>
+        <a:ln w="12700" cap="flat" cmpd="sng" algn="ctr">
+          <a:solidFill>
+            <a:schemeClr val="accent1">
+              <a:shade val="60000"/>
+              <a:hueOff val="0"/>
+              <a:satOff val="0"/>
+              <a:lumOff val="0"/>
+              <a:alphaOff val="0"/>
+            </a:schemeClr>
+          </a:solidFill>
+          <a:prstDash val="solid"/>
+        </a:ln>
+        <a:effectLst/>
+      </dsp:spPr>
+      <dsp:style>
+        <a:lnRef idx="2">
+          <a:scrgbClr r="0" g="0" b="0"/>
+        </a:lnRef>
+        <a:fillRef idx="0">
+          <a:scrgbClr r="0" g="0" b="0"/>
+        </a:fillRef>
+        <a:effectRef idx="0">
+          <a:scrgbClr r="0" g="0" b="0"/>
+        </a:effectRef>
+        <a:fontRef idx="minor"/>
+      </dsp:style>
+    </dsp:sp>
+    <dsp:sp modelId="{09434292-CAE1-494C-AF15-C9588750B209}">
+      <dsp:nvSpPr>
+        <dsp:cNvPr id="0" name=""/>
+        <dsp:cNvSpPr/>
+      </dsp:nvSpPr>
+      <dsp:spPr>
+        <a:xfrm>
+          <a:off x="683814" y="1490558"/>
+          <a:ext cx="2470403" cy="1252215"/>
+        </a:xfrm>
+        <a:custGeom>
+          <a:avLst/>
+          <a:gdLst/>
+          <a:ahLst/>
+          <a:cxnLst/>
+          <a:rect l="0" t="0" r="0" b="0"/>
+          <a:pathLst>
+            <a:path>
+              <a:moveTo>
+                <a:pt x="2470403" y="0"/>
+              </a:moveTo>
+              <a:lnTo>
+                <a:pt x="2470403" y="1109299"/>
+              </a:lnTo>
+              <a:lnTo>
+                <a:pt x="0" y="1109299"/>
+              </a:lnTo>
+              <a:lnTo>
+                <a:pt x="0" y="1252215"/>
+              </a:lnTo>
+            </a:path>
+          </a:pathLst>
+        </a:custGeom>
+        <a:noFill/>
+        <a:ln w="12700" cap="flat" cmpd="sng" algn="ctr">
+          <a:solidFill>
+            <a:schemeClr val="accent1">
+              <a:shade val="60000"/>
+              <a:hueOff val="0"/>
+              <a:satOff val="0"/>
+              <a:lumOff val="0"/>
+              <a:alphaOff val="0"/>
+            </a:schemeClr>
+          </a:solidFill>
+          <a:prstDash val="solid"/>
+        </a:ln>
+        <a:effectLst/>
+      </dsp:spPr>
+      <dsp:style>
+        <a:lnRef idx="2">
+          <a:scrgbClr r="0" g="0" b="0"/>
+        </a:lnRef>
+        <a:fillRef idx="0">
+          <a:scrgbClr r="0" g="0" b="0"/>
+        </a:fillRef>
+        <a:effectRef idx="0">
+          <a:scrgbClr r="0" g="0" b="0"/>
+        </a:effectRef>
+        <a:fontRef idx="minor"/>
+      </dsp:style>
+    </dsp:sp>
+    <dsp:sp modelId="{B4DBEE47-8797-40A5-BB7D-1011F89E65B3}">
+      <dsp:nvSpPr>
+        <dsp:cNvPr id="0" name=""/>
+        <dsp:cNvSpPr/>
+      </dsp:nvSpPr>
+      <dsp:spPr>
+        <a:xfrm>
+          <a:off x="2473666" y="810007"/>
+          <a:ext cx="1361103" cy="680551"/>
+        </a:xfrm>
+        <a:prstGeom prst="rect">
+          <a:avLst/>
+        </a:prstGeom>
+        <a:solidFill>
+          <a:schemeClr val="accent1">
+            <a:hueOff val="0"/>
+            <a:satOff val="0"/>
+            <a:lumOff val="0"/>
+            <a:alphaOff val="0"/>
+          </a:schemeClr>
+        </a:solidFill>
+        <a:ln w="12700" cap="flat" cmpd="sng" algn="ctr">
+          <a:solidFill>
+            <a:schemeClr val="lt1">
+              <a:hueOff val="0"/>
+              <a:satOff val="0"/>
+              <a:lumOff val="0"/>
+              <a:alphaOff val="0"/>
+            </a:schemeClr>
+          </a:solidFill>
+          <a:prstDash val="solid"/>
+        </a:ln>
+        <a:effectLst/>
+      </dsp:spPr>
+      <dsp:style>
+        <a:lnRef idx="2">
+          <a:scrgbClr r="0" g="0" b="0"/>
+        </a:lnRef>
+        <a:fillRef idx="1">
+          <a:scrgbClr r="0" g="0" b="0"/>
+        </a:fillRef>
+        <a:effectRef idx="0">
+          <a:scrgbClr r="0" g="0" b="0"/>
+        </a:effectRef>
+        <a:fontRef idx="minor">
+          <a:schemeClr val="lt1"/>
+        </a:fontRef>
+      </dsp:style>
+      <dsp:txBody>
+        <a:bodyPr spcFirstLastPara="0" vert="horz" wrap="square" lIns="14605" tIns="14605" rIns="14605" bIns="14605" numCol="1" spcCol="1270" anchor="ctr" anchorCtr="0">
+          <a:noAutofit/>
+        </a:bodyPr>
+        <a:lstStyle/>
+        <a:p>
+          <a:pPr marL="0" lvl="0" indent="0" algn="ctr" defTabSz="1022350">
+            <a:lnSpc>
+              <a:spcPct val="90000"/>
+            </a:lnSpc>
+            <a:spcBef>
+              <a:spcPct val="0"/>
+            </a:spcBef>
+            <a:spcAft>
+              <a:spcPct val="35000"/>
+            </a:spcAft>
+            <a:buNone/>
+          </a:pPr>
+          <a:r>
+            <a:rPr lang="it-IT" sz="2300" kern="1200" dirty="0" err="1"/>
+            <a:t>LSSolver</a:t>
+          </a:r>
+          <a:endParaRPr lang="it-IT" sz="2300" kern="1200" dirty="0"/>
+        </a:p>
+      </dsp:txBody>
+      <dsp:txXfrm>
+        <a:off x="2473666" y="810007"/>
+        <a:ext cx="1361103" cy="680551"/>
+      </dsp:txXfrm>
+    </dsp:sp>
+    <dsp:sp modelId="{1FB95D0E-F10B-4039-A1D1-21D005282304}">
+      <dsp:nvSpPr>
+        <dsp:cNvPr id="0" name=""/>
+        <dsp:cNvSpPr/>
+      </dsp:nvSpPr>
+      <dsp:spPr>
+        <a:xfrm>
+          <a:off x="3263" y="2742774"/>
+          <a:ext cx="1361103" cy="680551"/>
+        </a:xfrm>
+        <a:prstGeom prst="rect">
+          <a:avLst/>
+        </a:prstGeom>
+        <a:solidFill>
+          <a:schemeClr val="accent1">
+            <a:hueOff val="0"/>
+            <a:satOff val="0"/>
+            <a:lumOff val="0"/>
+            <a:alphaOff val="0"/>
+          </a:schemeClr>
+        </a:solidFill>
+        <a:ln w="12700" cap="flat" cmpd="sng" algn="ctr">
+          <a:solidFill>
+            <a:schemeClr val="lt1">
+              <a:hueOff val="0"/>
+              <a:satOff val="0"/>
+              <a:lumOff val="0"/>
+              <a:alphaOff val="0"/>
+            </a:schemeClr>
+          </a:solidFill>
+          <a:prstDash val="solid"/>
+        </a:ln>
+        <a:effectLst/>
+      </dsp:spPr>
+      <dsp:style>
+        <a:lnRef idx="2">
+          <a:scrgbClr r="0" g="0" b="0"/>
+        </a:lnRef>
+        <a:fillRef idx="1">
+          <a:scrgbClr r="0" g="0" b="0"/>
+        </a:fillRef>
+        <a:effectRef idx="0">
+          <a:scrgbClr r="0" g="0" b="0"/>
+        </a:effectRef>
+        <a:fontRef idx="minor">
+          <a:schemeClr val="lt1"/>
+        </a:fontRef>
+      </dsp:style>
+      <dsp:txBody>
+        <a:bodyPr spcFirstLastPara="0" vert="horz" wrap="square" lIns="14605" tIns="14605" rIns="14605" bIns="14605" numCol="1" spcCol="1270" anchor="ctr" anchorCtr="0">
+          <a:noAutofit/>
+        </a:bodyPr>
+        <a:lstStyle/>
+        <a:p>
+          <a:pPr marL="0" lvl="0" indent="0" algn="ctr" defTabSz="1022350">
+            <a:lnSpc>
+              <a:spcPct val="90000"/>
+            </a:lnSpc>
+            <a:spcBef>
+              <a:spcPct val="0"/>
+            </a:spcBef>
+            <a:spcAft>
+              <a:spcPct val="35000"/>
+            </a:spcAft>
+            <a:buNone/>
+          </a:pPr>
+          <a:r>
+            <a:rPr lang="it-IT" sz="2300" kern="1200" dirty="0" err="1"/>
+            <a:t>Jacobi</a:t>
+          </a:r>
+          <a:endParaRPr lang="it-IT" sz="2300" kern="1200" dirty="0"/>
+        </a:p>
+      </dsp:txBody>
+      <dsp:txXfrm>
+        <a:off x="3263" y="2742774"/>
+        <a:ext cx="1361103" cy="680551"/>
+      </dsp:txXfrm>
+    </dsp:sp>
+    <dsp:sp modelId="{BA51F275-3686-4D4D-A6BC-7B3E4401EA5E}">
+      <dsp:nvSpPr>
+        <dsp:cNvPr id="0" name=""/>
+        <dsp:cNvSpPr/>
+      </dsp:nvSpPr>
+      <dsp:spPr>
+        <a:xfrm>
+          <a:off x="1650198" y="2742774"/>
+          <a:ext cx="1361103" cy="680551"/>
+        </a:xfrm>
+        <a:prstGeom prst="rect">
+          <a:avLst/>
+        </a:prstGeom>
+        <a:solidFill>
+          <a:schemeClr val="accent1">
+            <a:hueOff val="0"/>
+            <a:satOff val="0"/>
+            <a:lumOff val="0"/>
+            <a:alphaOff val="0"/>
+          </a:schemeClr>
+        </a:solidFill>
+        <a:ln w="12700" cap="flat" cmpd="sng" algn="ctr">
+          <a:solidFill>
+            <a:schemeClr val="lt1">
+              <a:hueOff val="0"/>
+              <a:satOff val="0"/>
+              <a:lumOff val="0"/>
+              <a:alphaOff val="0"/>
+            </a:schemeClr>
+          </a:solidFill>
+          <a:prstDash val="solid"/>
+        </a:ln>
+        <a:effectLst/>
+      </dsp:spPr>
+      <dsp:style>
+        <a:lnRef idx="2">
+          <a:scrgbClr r="0" g="0" b="0"/>
+        </a:lnRef>
+        <a:fillRef idx="1">
+          <a:scrgbClr r="0" g="0" b="0"/>
+        </a:fillRef>
+        <a:effectRef idx="0">
+          <a:scrgbClr r="0" g="0" b="0"/>
+        </a:effectRef>
+        <a:fontRef idx="minor">
+          <a:schemeClr val="lt1"/>
+        </a:fontRef>
+      </dsp:style>
+      <dsp:txBody>
+        <a:bodyPr spcFirstLastPara="0" vert="horz" wrap="square" lIns="14605" tIns="14605" rIns="14605" bIns="14605" numCol="1" spcCol="1270" anchor="ctr" anchorCtr="0">
+          <a:noAutofit/>
+        </a:bodyPr>
+        <a:lstStyle/>
+        <a:p>
+          <a:pPr marL="0" lvl="0" indent="0" algn="ctr" defTabSz="1022350">
+            <a:lnSpc>
+              <a:spcPct val="90000"/>
+            </a:lnSpc>
+            <a:spcBef>
+              <a:spcPct val="0"/>
+            </a:spcBef>
+            <a:spcAft>
+              <a:spcPct val="35000"/>
+            </a:spcAft>
+            <a:buNone/>
+          </a:pPr>
+          <a:r>
+            <a:rPr lang="it-IT" sz="2300" kern="1200" dirty="0"/>
+            <a:t>Gauss </a:t>
+          </a:r>
+          <a:r>
+            <a:rPr lang="it-IT" sz="2300" kern="1200" dirty="0" err="1"/>
+            <a:t>seidel</a:t>
+          </a:r>
+          <a:endParaRPr lang="it-IT" sz="2300" kern="1200" dirty="0"/>
+        </a:p>
+      </dsp:txBody>
+      <dsp:txXfrm>
+        <a:off x="1650198" y="2742774"/>
+        <a:ext cx="1361103" cy="680551"/>
+      </dsp:txXfrm>
+    </dsp:sp>
+    <dsp:sp modelId="{E47092A5-2227-4B23-AB52-02B61D062AD2}">
+      <dsp:nvSpPr>
+        <dsp:cNvPr id="0" name=""/>
+        <dsp:cNvSpPr/>
+      </dsp:nvSpPr>
+      <dsp:spPr>
+        <a:xfrm>
+          <a:off x="3297133" y="2742774"/>
+          <a:ext cx="1361103" cy="680551"/>
+        </a:xfrm>
+        <a:prstGeom prst="rect">
+          <a:avLst/>
+        </a:prstGeom>
+        <a:solidFill>
+          <a:schemeClr val="accent1">
+            <a:hueOff val="0"/>
+            <a:satOff val="0"/>
+            <a:lumOff val="0"/>
+            <a:alphaOff val="0"/>
+          </a:schemeClr>
+        </a:solidFill>
+        <a:ln w="12700" cap="flat" cmpd="sng" algn="ctr">
+          <a:solidFill>
+            <a:schemeClr val="lt1">
+              <a:hueOff val="0"/>
+              <a:satOff val="0"/>
+              <a:lumOff val="0"/>
+              <a:alphaOff val="0"/>
+            </a:schemeClr>
+          </a:solidFill>
+          <a:prstDash val="solid"/>
+        </a:ln>
+        <a:effectLst/>
+      </dsp:spPr>
+      <dsp:style>
+        <a:lnRef idx="2">
+          <a:scrgbClr r="0" g="0" b="0"/>
+        </a:lnRef>
+        <a:fillRef idx="1">
+          <a:scrgbClr r="0" g="0" b="0"/>
+        </a:fillRef>
+        <a:effectRef idx="0">
+          <a:scrgbClr r="0" g="0" b="0"/>
+        </a:effectRef>
+        <a:fontRef idx="minor">
+          <a:schemeClr val="lt1"/>
+        </a:fontRef>
+      </dsp:style>
+      <dsp:txBody>
+        <a:bodyPr spcFirstLastPara="0" vert="horz" wrap="square" lIns="14605" tIns="14605" rIns="14605" bIns="14605" numCol="1" spcCol="1270" anchor="ctr" anchorCtr="0">
+          <a:noAutofit/>
+        </a:bodyPr>
+        <a:lstStyle/>
+        <a:p>
+          <a:pPr marL="0" lvl="0" indent="0" algn="ctr" defTabSz="1022350">
+            <a:lnSpc>
+              <a:spcPct val="90000"/>
+            </a:lnSpc>
+            <a:spcBef>
+              <a:spcPct val="0"/>
+            </a:spcBef>
+            <a:spcAft>
+              <a:spcPct val="35000"/>
+            </a:spcAft>
+            <a:buNone/>
+          </a:pPr>
+          <a:r>
+            <a:rPr lang="it-IT" sz="2300" kern="1200" dirty="0"/>
+            <a:t>Gradiente</a:t>
+          </a:r>
+        </a:p>
+      </dsp:txBody>
+      <dsp:txXfrm>
+        <a:off x="3297133" y="2742774"/>
+        <a:ext cx="1361103" cy="680551"/>
+      </dsp:txXfrm>
+    </dsp:sp>
+    <dsp:sp modelId="{175C068C-C031-45A8-A960-80026B0B0CF0}">
+      <dsp:nvSpPr>
+        <dsp:cNvPr id="0" name=""/>
+        <dsp:cNvSpPr/>
+      </dsp:nvSpPr>
+      <dsp:spPr>
+        <a:xfrm>
+          <a:off x="4944069" y="2742774"/>
+          <a:ext cx="1361103" cy="680551"/>
+        </a:xfrm>
+        <a:prstGeom prst="rect">
+          <a:avLst/>
+        </a:prstGeom>
+        <a:solidFill>
+          <a:schemeClr val="accent1">
+            <a:hueOff val="0"/>
+            <a:satOff val="0"/>
+            <a:lumOff val="0"/>
+            <a:alphaOff val="0"/>
+          </a:schemeClr>
+        </a:solidFill>
+        <a:ln w="12700" cap="flat" cmpd="sng" algn="ctr">
+          <a:solidFill>
+            <a:schemeClr val="lt1">
+              <a:hueOff val="0"/>
+              <a:satOff val="0"/>
+              <a:lumOff val="0"/>
+              <a:alphaOff val="0"/>
+            </a:schemeClr>
+          </a:solidFill>
+          <a:prstDash val="solid"/>
+        </a:ln>
+        <a:effectLst/>
+      </dsp:spPr>
+      <dsp:style>
+        <a:lnRef idx="2">
+          <a:scrgbClr r="0" g="0" b="0"/>
+        </a:lnRef>
+        <a:fillRef idx="1">
+          <a:scrgbClr r="0" g="0" b="0"/>
+        </a:fillRef>
+        <a:effectRef idx="0">
+          <a:scrgbClr r="0" g="0" b="0"/>
+        </a:effectRef>
+        <a:fontRef idx="minor">
+          <a:schemeClr val="lt1"/>
+        </a:fontRef>
+      </dsp:style>
+      <dsp:txBody>
+        <a:bodyPr spcFirstLastPara="0" vert="horz" wrap="square" lIns="14605" tIns="14605" rIns="14605" bIns="14605" numCol="1" spcCol="1270" anchor="ctr" anchorCtr="0">
+          <a:noAutofit/>
+        </a:bodyPr>
+        <a:lstStyle/>
+        <a:p>
+          <a:pPr marL="0" lvl="0" indent="0" algn="ctr" defTabSz="1022350">
+            <a:lnSpc>
+              <a:spcPct val="90000"/>
+            </a:lnSpc>
+            <a:spcBef>
+              <a:spcPct val="0"/>
+            </a:spcBef>
+            <a:spcAft>
+              <a:spcPct val="35000"/>
+            </a:spcAft>
+            <a:buNone/>
+          </a:pPr>
+          <a:r>
+            <a:rPr lang="it-IT" sz="2300" kern="1200" dirty="0"/>
+            <a:t>Gradiente Coniugato</a:t>
+          </a:r>
+        </a:p>
+      </dsp:txBody>
+      <dsp:txXfrm>
+        <a:off x="4944069" y="2742774"/>
+        <a:ext cx="1361103" cy="680551"/>
+      </dsp:txXfrm>
+    </dsp:sp>
+    <dsp:sp modelId="{4CA30FCE-07B5-4241-9CE2-E19AC363AC52}">
+      <dsp:nvSpPr>
+        <dsp:cNvPr id="0" name=""/>
+        <dsp:cNvSpPr/>
+      </dsp:nvSpPr>
+      <dsp:spPr>
+        <a:xfrm>
+          <a:off x="1650198" y="1776390"/>
+          <a:ext cx="1361103" cy="680551"/>
+        </a:xfrm>
+        <a:prstGeom prst="rect">
+          <a:avLst/>
+        </a:prstGeom>
+        <a:solidFill>
+          <a:schemeClr val="accent1">
+            <a:hueOff val="0"/>
+            <a:satOff val="0"/>
+            <a:lumOff val="0"/>
+            <a:alphaOff val="0"/>
+          </a:schemeClr>
+        </a:solidFill>
+        <a:ln w="12700" cap="flat" cmpd="sng" algn="ctr">
+          <a:solidFill>
+            <a:schemeClr val="lt1">
+              <a:hueOff val="0"/>
+              <a:satOff val="0"/>
+              <a:lumOff val="0"/>
+              <a:alphaOff val="0"/>
+            </a:schemeClr>
+          </a:solidFill>
+          <a:prstDash val="solid"/>
+        </a:ln>
+        <a:effectLst/>
+      </dsp:spPr>
+      <dsp:style>
+        <a:lnRef idx="2">
+          <a:scrgbClr r="0" g="0" b="0"/>
+        </a:lnRef>
+        <a:fillRef idx="1">
+          <a:scrgbClr r="0" g="0" b="0"/>
+        </a:fillRef>
+        <a:effectRef idx="0">
+          <a:scrgbClr r="0" g="0" b="0"/>
+        </a:effectRef>
+        <a:fontRef idx="minor">
+          <a:schemeClr val="lt1"/>
+        </a:fontRef>
+      </dsp:style>
+      <dsp:txBody>
+        <a:bodyPr spcFirstLastPara="0" vert="horz" wrap="square" lIns="14605" tIns="14605" rIns="14605" bIns="14605" numCol="1" spcCol="1270" anchor="ctr" anchorCtr="0">
+          <a:noAutofit/>
+        </a:bodyPr>
+        <a:lstStyle/>
+        <a:p>
+          <a:pPr marL="0" lvl="0" indent="0" algn="ctr" defTabSz="1022350">
+            <a:lnSpc>
+              <a:spcPct val="90000"/>
+            </a:lnSpc>
+            <a:spcBef>
+              <a:spcPct val="0"/>
+            </a:spcBef>
+            <a:spcAft>
+              <a:spcPct val="35000"/>
+            </a:spcAft>
+            <a:buNone/>
+          </a:pPr>
+          <a:r>
+            <a:rPr lang="it-IT" sz="2300" kern="1200" dirty="0"/>
+            <a:t>App</a:t>
+          </a:r>
+        </a:p>
+      </dsp:txBody>
+      <dsp:txXfrm>
+        <a:off x="1650198" y="1776390"/>
+        <a:ext cx="1361103" cy="680551"/>
+      </dsp:txXfrm>
+    </dsp:sp>
+  </dsp:spTree>
+</dsp:drawing>
+</file>
+
+<file path=ppt/diagrams/drawing2.xml><?xml version="1.0" encoding="utf-8"?>
+<dsp:drawing xmlns:dgm="http://schemas.openxmlformats.org/drawingml/2006/diagram" xmlns:dsp="http://schemas.microsoft.com/office/drawing/2008/diagram" xmlns:a="http://schemas.openxmlformats.org/drawingml/2006/main">
+  <dsp:spTree>
+    <dsp:nvGrpSpPr>
+      <dsp:cNvPr id="0" name=""/>
+      <dsp:cNvGrpSpPr/>
+    </dsp:nvGrpSpPr>
+    <dsp:grpSpPr/>
     <dsp:sp modelId="{D075DF66-1DBB-4030-94BF-DFF269765040}">
       <dsp:nvSpPr>
         <dsp:cNvPr id="0" name=""/>
@@ -10773,8 +12843,8 @@
       </dsp:nvSpPr>
       <dsp:spPr>
         <a:xfrm>
-          <a:off x="3682544" y="1983176"/>
-          <a:ext cx="1321177" cy="1321177"/>
+          <a:off x="4390677" y="2387001"/>
+          <a:ext cx="1575512" cy="1575512"/>
         </a:xfrm>
         <a:prstGeom prst="ellipse">
           <a:avLst/>
@@ -10815,12 +12885,12 @@
         </a:fontRef>
       </dsp:style>
       <dsp:txBody>
-        <a:bodyPr spcFirstLastPara="0" vert="horz" wrap="square" lIns="10795" tIns="10795" rIns="10795" bIns="10795" numCol="1" spcCol="1270" anchor="ctr" anchorCtr="0">
+        <a:bodyPr spcFirstLastPara="0" vert="horz" wrap="square" lIns="15875" tIns="15875" rIns="15875" bIns="15875" numCol="1" spcCol="1270" anchor="ctr" anchorCtr="0">
           <a:noAutofit/>
         </a:bodyPr>
         <a:lstStyle/>
         <a:p>
-          <a:pPr marL="0" lvl="0" indent="0" algn="ctr" defTabSz="755650">
+          <a:pPr marL="0" lvl="0" indent="0" algn="ctr" defTabSz="1111250">
             <a:lnSpc>
               <a:spcPct val="90000"/>
             </a:lnSpc>
@@ -10833,15 +12903,15 @@
             <a:buNone/>
           </a:pPr>
           <a:r>
-            <a:rPr lang="it-IT" sz="1700" kern="1200" dirty="0" err="1"/>
+            <a:rPr lang="it-IT" sz="2500" kern="1200" dirty="0" err="1"/>
             <a:t>LSSolver</a:t>
           </a:r>
-          <a:endParaRPr lang="it-IT" sz="1700" kern="1200" dirty="0"/>
+          <a:endParaRPr lang="it-IT" sz="2500" kern="1200" dirty="0"/>
         </a:p>
       </dsp:txBody>
       <dsp:txXfrm>
-        <a:off x="3876026" y="2176658"/>
-        <a:ext cx="934213" cy="934213"/>
+        <a:off x="4621405" y="2617729"/>
+        <a:ext cx="1114056" cy="1114056"/>
       </dsp:txXfrm>
     </dsp:sp>
     <dsp:sp modelId="{3CEB13DE-1F71-45D9-A5A6-422DDA21017A}">
@@ -10851,8 +12921,8 @@
       </dsp:nvSpPr>
       <dsp:spPr>
         <a:xfrm rot="16200000">
-          <a:off x="4013485" y="1639839"/>
-          <a:ext cx="659295" cy="27377"/>
+          <a:off x="4784444" y="1979321"/>
+          <a:ext cx="787979" cy="27382"/>
         </a:xfrm>
         <a:custGeom>
           <a:avLst/>
@@ -10863,10 +12933,10 @@
           <a:pathLst>
             <a:path>
               <a:moveTo>
-                <a:pt x="0" y="13688"/>
+                <a:pt x="0" y="13691"/>
               </a:moveTo>
               <a:lnTo>
-                <a:pt x="659295" y="13688"/>
+                <a:pt x="787979" y="13691"/>
               </a:lnTo>
             </a:path>
           </a:pathLst>
@@ -10920,8 +12990,8 @@
         </a:p>
       </dsp:txBody>
       <dsp:txXfrm>
-        <a:off x="4326651" y="1637046"/>
-        <a:ext cx="32964" cy="32964"/>
+        <a:off x="5158734" y="1973312"/>
+        <a:ext cx="39398" cy="39398"/>
       </dsp:txXfrm>
     </dsp:sp>
     <dsp:sp modelId="{7FB2246E-20A5-463D-8E1A-819B7A7D88CF}">
@@ -10931,8 +13001,8 @@
       </dsp:nvSpPr>
       <dsp:spPr>
         <a:xfrm>
-          <a:off x="3682544" y="2703"/>
-          <a:ext cx="1321177" cy="1321177"/>
+          <a:off x="4390677" y="23509"/>
+          <a:ext cx="1575512" cy="1575512"/>
         </a:xfrm>
         <a:prstGeom prst="ellipse">
           <a:avLst/>
@@ -10973,12 +13043,12 @@
         </a:fontRef>
       </dsp:style>
       <dsp:txBody>
-        <a:bodyPr spcFirstLastPara="0" vert="horz" wrap="square" lIns="5715" tIns="5715" rIns="5715" bIns="5715" numCol="1" spcCol="1270" anchor="ctr" anchorCtr="0">
+        <a:bodyPr spcFirstLastPara="0" vert="horz" wrap="square" lIns="7620" tIns="7620" rIns="7620" bIns="7620" numCol="1" spcCol="1270" anchor="ctr" anchorCtr="0">
           <a:noAutofit/>
         </a:bodyPr>
         <a:lstStyle/>
         <a:p>
-          <a:pPr marL="0" lvl="0" indent="0" algn="ctr" defTabSz="400050">
+          <a:pPr marL="0" lvl="0" indent="0" algn="ctr" defTabSz="533400">
             <a:lnSpc>
               <a:spcPct val="90000"/>
             </a:lnSpc>
@@ -10991,15 +13061,15 @@
             <a:buNone/>
           </a:pPr>
           <a:r>
-            <a:rPr lang="it-IT" sz="900" kern="1200" dirty="0" err="1"/>
+            <a:rPr lang="it-IT" sz="1200" kern="1200" dirty="0" err="1"/>
             <a:t>setMatrix</a:t>
           </a:r>
-          <a:endParaRPr lang="it-IT" sz="900" kern="1200" dirty="0"/>
+          <a:endParaRPr lang="it-IT" sz="1200" kern="1200" dirty="0"/>
         </a:p>
       </dsp:txBody>
       <dsp:txXfrm>
-        <a:off x="3876026" y="196185"/>
-        <a:ext cx="934213" cy="934213"/>
+        <a:off x="4621405" y="254237"/>
+        <a:ext cx="1114056" cy="1114056"/>
       </dsp:txXfrm>
     </dsp:sp>
     <dsp:sp modelId="{DAC33890-190D-4179-8AE6-F0BAD4465D21}">
@@ -11009,8 +13079,8 @@
       </dsp:nvSpPr>
       <dsp:spPr>
         <a:xfrm rot="19285714">
-          <a:off x="4787683" y="2012673"/>
-          <a:ext cx="659295" cy="27377"/>
+          <a:off x="5708370" y="2424260"/>
+          <a:ext cx="787979" cy="27382"/>
         </a:xfrm>
         <a:custGeom>
           <a:avLst/>
@@ -11021,10 +13091,10 @@
           <a:pathLst>
             <a:path>
               <a:moveTo>
-                <a:pt x="0" y="13688"/>
+                <a:pt x="0" y="13691"/>
               </a:moveTo>
               <a:lnTo>
-                <a:pt x="659295" y="13688"/>
+                <a:pt x="787979" y="13691"/>
               </a:lnTo>
             </a:path>
           </a:pathLst>
@@ -11078,8 +13148,8 @@
         </a:p>
       </dsp:txBody>
       <dsp:txXfrm>
-        <a:off x="5100849" y="2009880"/>
-        <a:ext cx="32964" cy="32964"/>
+        <a:off x="6082660" y="2418252"/>
+        <a:ext cx="39398" cy="39398"/>
       </dsp:txXfrm>
     </dsp:sp>
     <dsp:sp modelId="{DE3B272D-E1B9-4A2B-9653-9D09587FAC1D}">
@@ -11089,8 +13159,8 @@
       </dsp:nvSpPr>
       <dsp:spPr>
         <a:xfrm>
-          <a:off x="5230940" y="748371"/>
-          <a:ext cx="1321177" cy="1321177"/>
+          <a:off x="6238530" y="913388"/>
+          <a:ext cx="1575512" cy="1575512"/>
         </a:xfrm>
         <a:prstGeom prst="ellipse">
           <a:avLst/>
@@ -11131,12 +13201,12 @@
         </a:fontRef>
       </dsp:style>
       <dsp:txBody>
-        <a:bodyPr spcFirstLastPara="0" vert="horz" wrap="square" lIns="5715" tIns="5715" rIns="5715" bIns="5715" numCol="1" spcCol="1270" anchor="ctr" anchorCtr="0">
+        <a:bodyPr spcFirstLastPara="0" vert="horz" wrap="square" lIns="7620" tIns="7620" rIns="7620" bIns="7620" numCol="1" spcCol="1270" anchor="ctr" anchorCtr="0">
           <a:noAutofit/>
         </a:bodyPr>
         <a:lstStyle/>
         <a:p>
-          <a:pPr marL="0" lvl="0" indent="0" algn="ctr" defTabSz="400050">
+          <a:pPr marL="0" lvl="0" indent="0" algn="ctr" defTabSz="533400">
             <a:lnSpc>
               <a:spcPct val="90000"/>
             </a:lnSpc>
@@ -11149,15 +13219,15 @@
             <a:buNone/>
           </a:pPr>
           <a:r>
-            <a:rPr lang="it-IT" sz="900" kern="1200" dirty="0" err="1"/>
+            <a:rPr lang="it-IT" sz="1200" kern="1200" dirty="0" err="1"/>
             <a:t>ExecuteMethods</a:t>
           </a:r>
-          <a:endParaRPr lang="it-IT" sz="900" kern="1200" dirty="0"/>
+          <a:endParaRPr lang="it-IT" sz="1200" kern="1200" dirty="0"/>
         </a:p>
       </dsp:txBody>
       <dsp:txXfrm>
-        <a:off x="5424422" y="941853"/>
-        <a:ext cx="934213" cy="934213"/>
+        <a:off x="6469258" y="1144116"/>
+        <a:ext cx="1114056" cy="1114056"/>
       </dsp:txXfrm>
     </dsp:sp>
     <dsp:sp modelId="{E223C859-3D5E-4540-90D6-EEFB61649B01}">
@@ -11167,8 +13237,8 @@
       </dsp:nvSpPr>
       <dsp:spPr>
         <a:xfrm rot="771429">
-          <a:off x="4978895" y="2850424"/>
-          <a:ext cx="659295" cy="27377"/>
+          <a:off x="5936561" y="3424030"/>
+          <a:ext cx="787979" cy="27382"/>
         </a:xfrm>
         <a:custGeom>
           <a:avLst/>
@@ -11179,10 +13249,10 @@
           <a:pathLst>
             <a:path>
               <a:moveTo>
-                <a:pt x="0" y="13688"/>
+                <a:pt x="0" y="13691"/>
               </a:moveTo>
               <a:lnTo>
-                <a:pt x="659295" y="13688"/>
+                <a:pt x="787979" y="13691"/>
               </a:lnTo>
             </a:path>
           </a:pathLst>
@@ -11236,8 +13306,8 @@
         </a:p>
       </dsp:txBody>
       <dsp:txXfrm>
-        <a:off x="5292060" y="2847631"/>
-        <a:ext cx="32964" cy="32964"/>
+        <a:off x="6310851" y="3418021"/>
+        <a:ext cx="39398" cy="39398"/>
       </dsp:txXfrm>
     </dsp:sp>
     <dsp:sp modelId="{8E7BC7EA-5432-42B7-B8D6-1A0A71EA0186}">
@@ -11247,8 +13317,8 @@
       </dsp:nvSpPr>
       <dsp:spPr>
         <a:xfrm>
-          <a:off x="5613362" y="2423872"/>
-          <a:ext cx="1321177" cy="1321177"/>
+          <a:off x="6694911" y="2912928"/>
+          <a:ext cx="1575512" cy="1575512"/>
         </a:xfrm>
         <a:prstGeom prst="ellipse">
           <a:avLst/>
@@ -11289,12 +13359,12 @@
         </a:fontRef>
       </dsp:style>
       <dsp:txBody>
-        <a:bodyPr spcFirstLastPara="0" vert="horz" wrap="square" lIns="5715" tIns="5715" rIns="5715" bIns="5715" numCol="1" spcCol="1270" anchor="ctr" anchorCtr="0">
+        <a:bodyPr spcFirstLastPara="0" vert="horz" wrap="square" lIns="7620" tIns="7620" rIns="7620" bIns="7620" numCol="1" spcCol="1270" anchor="ctr" anchorCtr="0">
           <a:noAutofit/>
         </a:bodyPr>
         <a:lstStyle/>
         <a:p>
-          <a:pPr marL="0" lvl="0" indent="0" algn="ctr" defTabSz="400050">
+          <a:pPr marL="0" lvl="0" indent="0" algn="ctr" defTabSz="533400">
             <a:lnSpc>
               <a:spcPct val="90000"/>
             </a:lnSpc>
@@ -11307,14 +13377,14 @@
             <a:buNone/>
           </a:pPr>
           <a:r>
-            <a:rPr lang="it-IT" sz="900" kern="1200" dirty="0"/>
+            <a:rPr lang="it-IT" sz="1200" kern="1200" dirty="0"/>
             <a:t>Risoluzione (astratto)</a:t>
           </a:r>
         </a:p>
       </dsp:txBody>
       <dsp:txXfrm>
-        <a:off x="5806844" y="2617354"/>
-        <a:ext cx="934213" cy="934213"/>
+        <a:off x="6925639" y="3143656"/>
+        <a:ext cx="1114056" cy="1114056"/>
       </dsp:txXfrm>
     </dsp:sp>
     <dsp:sp modelId="{E27EAB0E-9381-47DA-A60A-C533B0865E9D}">
@@ -11324,8 +13394,8 @@
       </dsp:nvSpPr>
       <dsp:spPr>
         <a:xfrm rot="3857143">
-          <a:off x="4443133" y="3522248"/>
-          <a:ext cx="659295" cy="27377"/>
+          <a:off x="5297184" y="4225783"/>
+          <a:ext cx="787979" cy="27382"/>
         </a:xfrm>
         <a:custGeom>
           <a:avLst/>
@@ -11336,10 +13406,10 @@
           <a:pathLst>
             <a:path>
               <a:moveTo>
-                <a:pt x="0" y="13688"/>
+                <a:pt x="0" y="13691"/>
               </a:moveTo>
               <a:lnTo>
-                <a:pt x="659295" y="13688"/>
+                <a:pt x="787979" y="13691"/>
               </a:lnTo>
             </a:path>
           </a:pathLst>
@@ -11393,8 +13463,8 @@
         </a:p>
       </dsp:txBody>
       <dsp:txXfrm>
-        <a:off x="4756298" y="3519455"/>
-        <a:ext cx="32964" cy="32964"/>
+        <a:off x="5671474" y="4219774"/>
+        <a:ext cx="39398" cy="39398"/>
       </dsp:txXfrm>
     </dsp:sp>
     <dsp:sp modelId="{6E477363-7C62-4372-B22D-90AC1007BD6A}">
@@ -11404,8 +13474,8 @@
       </dsp:nvSpPr>
       <dsp:spPr>
         <a:xfrm>
-          <a:off x="4541839" y="3767520"/>
-          <a:ext cx="1321177" cy="1321177"/>
+          <a:off x="5416158" y="4516434"/>
+          <a:ext cx="1575512" cy="1575512"/>
         </a:xfrm>
         <a:prstGeom prst="ellipse">
           <a:avLst/>
@@ -11446,12 +13516,12 @@
         </a:fontRef>
       </dsp:style>
       <dsp:txBody>
-        <a:bodyPr spcFirstLastPara="0" vert="horz" wrap="square" lIns="5715" tIns="5715" rIns="5715" bIns="5715" numCol="1" spcCol="1270" anchor="ctr" anchorCtr="0">
+        <a:bodyPr spcFirstLastPara="0" vert="horz" wrap="square" lIns="7620" tIns="7620" rIns="7620" bIns="7620" numCol="1" spcCol="1270" anchor="ctr" anchorCtr="0">
           <a:noAutofit/>
         </a:bodyPr>
         <a:lstStyle/>
         <a:p>
-          <a:pPr marL="0" lvl="0" indent="0" algn="ctr" defTabSz="400050">
+          <a:pPr marL="0" lvl="0" indent="0" algn="ctr" defTabSz="533400">
             <a:lnSpc>
               <a:spcPct val="90000"/>
             </a:lnSpc>
@@ -11464,14 +13534,14 @@
             <a:buNone/>
           </a:pPr>
           <a:r>
-            <a:rPr lang="it-IT" sz="900" kern="1200" dirty="0"/>
+            <a:rPr lang="it-IT" sz="1200" kern="1200" dirty="0"/>
             <a:t>Norma2</a:t>
           </a:r>
         </a:p>
       </dsp:txBody>
       <dsp:txXfrm>
-        <a:off x="4735321" y="3961002"/>
-        <a:ext cx="934213" cy="934213"/>
+        <a:off x="5646886" y="4747162"/>
+        <a:ext cx="1114056" cy="1114056"/>
       </dsp:txXfrm>
     </dsp:sp>
     <dsp:sp modelId="{714962DB-3B54-41AA-A5F4-099C0688501B}">
@@ -11481,8 +13551,8 @@
       </dsp:nvSpPr>
       <dsp:spPr>
         <a:xfrm rot="6942857">
-          <a:off x="3583838" y="3522248"/>
-          <a:ext cx="659295" cy="27377"/>
+          <a:off x="4271704" y="4225783"/>
+          <a:ext cx="787979" cy="27382"/>
         </a:xfrm>
         <a:custGeom>
           <a:avLst/>
@@ -11493,10 +13563,10 @@
           <a:pathLst>
             <a:path>
               <a:moveTo>
-                <a:pt x="0" y="13688"/>
+                <a:pt x="0" y="13691"/>
               </a:moveTo>
               <a:lnTo>
-                <a:pt x="659295" y="13688"/>
+                <a:pt x="787979" y="13691"/>
               </a:lnTo>
             </a:path>
           </a:pathLst>
@@ -11550,8 +13620,8 @@
         </a:p>
       </dsp:txBody>
       <dsp:txXfrm rot="10800000">
-        <a:off x="3897003" y="3519455"/>
-        <a:ext cx="32964" cy="32964"/>
+        <a:off x="4645994" y="4219774"/>
+        <a:ext cx="39398" cy="39398"/>
       </dsp:txXfrm>
     </dsp:sp>
     <dsp:sp modelId="{24313D3E-A67C-4A0C-8D11-0B6EB4CE0379}">
@@ -11561,8 +13631,8 @@
       </dsp:nvSpPr>
       <dsp:spPr>
         <a:xfrm>
-          <a:off x="2823249" y="3767520"/>
-          <a:ext cx="1321177" cy="1321177"/>
+          <a:off x="3365196" y="4516434"/>
+          <a:ext cx="1575512" cy="1575512"/>
         </a:xfrm>
         <a:prstGeom prst="ellipse">
           <a:avLst/>
@@ -11603,12 +13673,12 @@
         </a:fontRef>
       </dsp:style>
       <dsp:txBody>
-        <a:bodyPr spcFirstLastPara="0" vert="horz" wrap="square" lIns="5715" tIns="5715" rIns="5715" bIns="5715" numCol="1" spcCol="1270" anchor="ctr" anchorCtr="0">
+        <a:bodyPr spcFirstLastPara="0" vert="horz" wrap="square" lIns="7620" tIns="7620" rIns="7620" bIns="7620" numCol="1" spcCol="1270" anchor="ctr" anchorCtr="0">
           <a:noAutofit/>
         </a:bodyPr>
         <a:lstStyle/>
         <a:p>
-          <a:pPr marL="0" lvl="0" indent="0" algn="ctr" defTabSz="400050">
+          <a:pPr marL="0" lvl="0" indent="0" algn="ctr" defTabSz="533400">
             <a:lnSpc>
               <a:spcPct val="90000"/>
             </a:lnSpc>
@@ -11621,15 +13691,15 @@
             <a:buNone/>
           </a:pPr>
           <a:r>
-            <a:rPr lang="it-IT" sz="900" kern="1200" dirty="0" err="1"/>
+            <a:rPr lang="it-IT" sz="1200" kern="1200" dirty="0" err="1"/>
             <a:t>importMtxFile</a:t>
           </a:r>
-          <a:endParaRPr lang="it-IT" sz="900" kern="1200" dirty="0"/>
+          <a:endParaRPr lang="it-IT" sz="1200" kern="1200" dirty="0"/>
         </a:p>
       </dsp:txBody>
       <dsp:txXfrm>
-        <a:off x="3016731" y="3961002"/>
-        <a:ext cx="934213" cy="934213"/>
+        <a:off x="3595924" y="4747162"/>
+        <a:ext cx="1114056" cy="1114056"/>
       </dsp:txXfrm>
     </dsp:sp>
     <dsp:sp modelId="{ADB84155-0EE1-4A1F-9294-E72F4D5E8A52}">
@@ -11639,8 +13709,8 @@
       </dsp:nvSpPr>
       <dsp:spPr>
         <a:xfrm rot="10028571">
-          <a:off x="3048076" y="2850424"/>
-          <a:ext cx="659295" cy="27377"/>
+          <a:off x="3632327" y="3424030"/>
+          <a:ext cx="787979" cy="27382"/>
         </a:xfrm>
         <a:custGeom>
           <a:avLst/>
@@ -11651,10 +13721,10 @@
           <a:pathLst>
             <a:path>
               <a:moveTo>
-                <a:pt x="0" y="13688"/>
+                <a:pt x="0" y="13691"/>
               </a:moveTo>
               <a:lnTo>
-                <a:pt x="659295" y="13688"/>
+                <a:pt x="787979" y="13691"/>
               </a:lnTo>
             </a:path>
           </a:pathLst>
@@ -11708,8 +13778,8 @@
         </a:p>
       </dsp:txBody>
       <dsp:txXfrm rot="10800000">
-        <a:off x="3361241" y="2847631"/>
-        <a:ext cx="32964" cy="32964"/>
+        <a:off x="4006617" y="3418021"/>
+        <a:ext cx="39398" cy="39398"/>
       </dsp:txXfrm>
     </dsp:sp>
     <dsp:sp modelId="{E39F4975-1405-47D9-978B-65D862071FDB}">
@@ -11719,8 +13789,8 @@
       </dsp:nvSpPr>
       <dsp:spPr>
         <a:xfrm>
-          <a:off x="1751726" y="2423872"/>
-          <a:ext cx="1321177" cy="1321177"/>
+          <a:off x="2086443" y="2912928"/>
+          <a:ext cx="1575512" cy="1575512"/>
         </a:xfrm>
         <a:prstGeom prst="ellipse">
           <a:avLst/>
@@ -11761,12 +13831,12 @@
         </a:fontRef>
       </dsp:style>
       <dsp:txBody>
-        <a:bodyPr spcFirstLastPara="0" vert="horz" wrap="square" lIns="5715" tIns="5715" rIns="5715" bIns="5715" numCol="1" spcCol="1270" anchor="ctr" anchorCtr="0">
+        <a:bodyPr spcFirstLastPara="0" vert="horz" wrap="square" lIns="7620" tIns="7620" rIns="7620" bIns="7620" numCol="1" spcCol="1270" anchor="ctr" anchorCtr="0">
           <a:noAutofit/>
         </a:bodyPr>
         <a:lstStyle/>
         <a:p>
-          <a:pPr marL="0" lvl="0" indent="0" algn="ctr" defTabSz="400050">
+          <a:pPr marL="0" lvl="0" indent="0" algn="ctr" defTabSz="533400">
             <a:lnSpc>
               <a:spcPct val="90000"/>
             </a:lnSpc>
@@ -11779,14 +13849,14 @@
             <a:buNone/>
           </a:pPr>
           <a:r>
-            <a:rPr lang="it-IT" sz="900" kern="1200" dirty="0"/>
+            <a:rPr lang="it-IT" sz="1200" kern="1200" dirty="0"/>
             <a:t>Inversa</a:t>
           </a:r>
         </a:p>
       </dsp:txBody>
       <dsp:txXfrm>
-        <a:off x="1945208" y="2617354"/>
-        <a:ext cx="934213" cy="934213"/>
+        <a:off x="2317171" y="3143656"/>
+        <a:ext cx="1114056" cy="1114056"/>
       </dsp:txXfrm>
     </dsp:sp>
     <dsp:sp modelId="{3FE5F6CC-BBF4-446B-9966-B8A75E101D4C}">
@@ -11796,8 +13866,8 @@
       </dsp:nvSpPr>
       <dsp:spPr>
         <a:xfrm rot="13114286">
-          <a:off x="3239287" y="2012673"/>
-          <a:ext cx="659295" cy="27377"/>
+          <a:off x="3860518" y="2424260"/>
+          <a:ext cx="787979" cy="27382"/>
         </a:xfrm>
         <a:custGeom>
           <a:avLst/>
@@ -11808,10 +13878,10 @@
           <a:pathLst>
             <a:path>
               <a:moveTo>
-                <a:pt x="0" y="13688"/>
+                <a:pt x="0" y="13691"/>
               </a:moveTo>
               <a:lnTo>
-                <a:pt x="659295" y="13688"/>
+                <a:pt x="787979" y="13691"/>
               </a:lnTo>
             </a:path>
           </a:pathLst>
@@ -11865,8 +13935,8 @@
         </a:p>
       </dsp:txBody>
       <dsp:txXfrm rot="10800000">
-        <a:off x="3552453" y="2009880"/>
-        <a:ext cx="32964" cy="32964"/>
+        <a:off x="4234808" y="2418252"/>
+        <a:ext cx="39398" cy="39398"/>
       </dsp:txXfrm>
     </dsp:sp>
     <dsp:sp modelId="{5D387FF4-5017-4A49-A46C-326F4DD39F1E}">
@@ -11876,8 +13946,8 @@
       </dsp:nvSpPr>
       <dsp:spPr>
         <a:xfrm>
-          <a:off x="2134148" y="748371"/>
-          <a:ext cx="1321177" cy="1321177"/>
+          <a:off x="2542825" y="913388"/>
+          <a:ext cx="1575512" cy="1575512"/>
         </a:xfrm>
         <a:prstGeom prst="ellipse">
           <a:avLst/>
@@ -11918,12 +13988,12 @@
         </a:fontRef>
       </dsp:style>
       <dsp:txBody>
-        <a:bodyPr spcFirstLastPara="0" vert="horz" wrap="square" lIns="5715" tIns="5715" rIns="5715" bIns="5715" numCol="1" spcCol="1270" anchor="ctr" anchorCtr="0">
+        <a:bodyPr spcFirstLastPara="0" vert="horz" wrap="square" lIns="7620" tIns="7620" rIns="7620" bIns="7620" numCol="1" spcCol="1270" anchor="ctr" anchorCtr="0">
           <a:noAutofit/>
         </a:bodyPr>
         <a:lstStyle/>
         <a:p>
-          <a:pPr marL="0" lvl="0" indent="0" algn="ctr" defTabSz="400050">
+          <a:pPr marL="0" lvl="0" indent="0" algn="ctr" defTabSz="533400">
             <a:lnSpc>
               <a:spcPct val="90000"/>
             </a:lnSpc>
@@ -11936,15 +14006,15 @@
             <a:buNone/>
           </a:pPr>
           <a:r>
-            <a:rPr lang="it-IT" sz="900" kern="1200" dirty="0" err="1"/>
+            <a:rPr lang="it-IT" sz="1200" kern="1200" dirty="0" err="1"/>
             <a:t>prodottoScalare</a:t>
           </a:r>
-          <a:endParaRPr lang="it-IT" sz="900" kern="1200" dirty="0"/>
+          <a:endParaRPr lang="it-IT" sz="1200" kern="1200" dirty="0"/>
         </a:p>
       </dsp:txBody>
       <dsp:txXfrm>
-        <a:off x="2327630" y="941853"/>
-        <a:ext cx="934213" cy="934213"/>
+        <a:off x="2773553" y="1144116"/>
+        <a:ext cx="1114056" cy="1114056"/>
       </dsp:txXfrm>
     </dsp:sp>
   </dsp:spTree>
@@ -11952,6 +14022,1152 @@
 </file>
 
 <file path=ppt/diagrams/layout1.xml><?xml version="1.0" encoding="utf-8"?>
+<dgm:layoutDef xmlns:dgm="http://schemas.openxmlformats.org/drawingml/2006/diagram" xmlns:a="http://schemas.openxmlformats.org/drawingml/2006/main" uniqueId="urn:microsoft.com/office/officeart/2005/8/layout/orgChart1">
+  <dgm:title val=""/>
+  <dgm:desc val=""/>
+  <dgm:catLst>
+    <dgm:cat type="hierarchy" pri="1000"/>
+    <dgm:cat type="convert" pri="6000"/>
+  </dgm:catLst>
+  <dgm:sampData>
+    <dgm:dataModel>
+      <dgm:ptLst>
+        <dgm:pt modelId="0" type="doc"/>
+        <dgm:pt modelId="1">
+          <dgm:prSet phldr="1"/>
+        </dgm:pt>
+        <dgm:pt modelId="2" type="asst">
+          <dgm:prSet phldr="1"/>
+        </dgm:pt>
+        <dgm:pt modelId="3">
+          <dgm:prSet phldr="1"/>
+        </dgm:pt>
+        <dgm:pt modelId="4">
+          <dgm:prSet phldr="1"/>
+        </dgm:pt>
+        <dgm:pt modelId="5">
+          <dgm:prSet phldr="1"/>
+        </dgm:pt>
+      </dgm:ptLst>
+      <dgm:cxnLst>
+        <dgm:cxn modelId="5" srcId="0" destId="1" srcOrd="0" destOrd="0"/>
+        <dgm:cxn modelId="6" srcId="1" destId="2" srcOrd="0" destOrd="0"/>
+        <dgm:cxn modelId="7" srcId="1" destId="3" srcOrd="1" destOrd="0"/>
+        <dgm:cxn modelId="8" srcId="1" destId="4" srcOrd="2" destOrd="0"/>
+        <dgm:cxn modelId="9" srcId="1" destId="5" srcOrd="3" destOrd="0"/>
+      </dgm:cxnLst>
+      <dgm:bg/>
+      <dgm:whole/>
+    </dgm:dataModel>
+  </dgm:sampData>
+  <dgm:styleData>
+    <dgm:dataModel>
+      <dgm:ptLst>
+        <dgm:pt modelId="0" type="doc"/>
+        <dgm:pt modelId="1"/>
+        <dgm:pt modelId="12"/>
+        <dgm:pt modelId="13"/>
+      </dgm:ptLst>
+      <dgm:cxnLst>
+        <dgm:cxn modelId="2" srcId="0" destId="1" srcOrd="0" destOrd="0"/>
+        <dgm:cxn modelId="16" srcId="1" destId="12" srcOrd="1" destOrd="0"/>
+        <dgm:cxn modelId="17" srcId="1" destId="13" srcOrd="2" destOrd="0"/>
+      </dgm:cxnLst>
+      <dgm:bg/>
+      <dgm:whole/>
+    </dgm:dataModel>
+  </dgm:styleData>
+  <dgm:clrData>
+    <dgm:dataModel>
+      <dgm:ptLst>
+        <dgm:pt modelId="0" type="doc"/>
+        <dgm:pt modelId="1"/>
+        <dgm:pt modelId="11" type="asst"/>
+        <dgm:pt modelId="12"/>
+        <dgm:pt modelId="13"/>
+        <dgm:pt modelId="14"/>
+      </dgm:ptLst>
+      <dgm:cxnLst>
+        <dgm:cxn modelId="2" srcId="0" destId="1" srcOrd="0" destOrd="0"/>
+        <dgm:cxn modelId="15" srcId="1" destId="11" srcOrd="0" destOrd="0"/>
+        <dgm:cxn modelId="16" srcId="1" destId="12" srcOrd="1" destOrd="0"/>
+        <dgm:cxn modelId="17" srcId="1" destId="13" srcOrd="2" destOrd="0"/>
+        <dgm:cxn modelId="18" srcId="1" destId="14" srcOrd="2" destOrd="0"/>
+      </dgm:cxnLst>
+      <dgm:bg/>
+      <dgm:whole/>
+    </dgm:dataModel>
+  </dgm:clrData>
+  <dgm:layoutNode name="hierChild1">
+    <dgm:varLst>
+      <dgm:orgChart val="1"/>
+      <dgm:chPref val="1"/>
+      <dgm:dir/>
+      <dgm:animOne val="branch"/>
+      <dgm:animLvl val="lvl"/>
+      <dgm:resizeHandles/>
+    </dgm:varLst>
+    <dgm:choose name="Name0">
+      <dgm:if name="Name1" func="var" arg="dir" op="equ" val="norm">
+        <dgm:alg type="hierChild">
+          <dgm:param type="linDir" val="fromL"/>
+        </dgm:alg>
+      </dgm:if>
+      <dgm:else name="Name2">
+        <dgm:alg type="hierChild">
+          <dgm:param type="linDir" val="fromR"/>
+        </dgm:alg>
+      </dgm:else>
+    </dgm:choose>
+    <dgm:shape xmlns:r="http://schemas.openxmlformats.org/officeDocument/2006/relationships" r:blip="">
+      <dgm:adjLst/>
+    </dgm:shape>
+    <dgm:presOf/>
+    <dgm:constrLst>
+      <dgm:constr type="w" for="des" forName="rootComposite1" refType="w" fact="10"/>
+      <dgm:constr type="h" for="des" forName="rootComposite1" refType="w" refFor="des" refForName="rootComposite1" fact="0.5"/>
+      <dgm:constr type="w" for="des" forName="rootComposite" refType="w" fact="10"/>
+      <dgm:constr type="h" for="des" forName="rootComposite" refType="w" refFor="des" refForName="rootComposite1" fact="0.5"/>
+      <dgm:constr type="w" for="des" forName="rootComposite3" refType="w" fact="10"/>
+      <dgm:constr type="h" for="des" forName="rootComposite3" refType="w" refFor="des" refForName="rootComposite1" fact="0.5"/>
+      <dgm:constr type="primFontSz" for="des" ptType="node" op="equ"/>
+      <dgm:constr type="sp" for="des" op="equ"/>
+      <dgm:constr type="sp" for="des" forName="hierRoot1" refType="w" refFor="des" refForName="rootComposite1" fact="0.21"/>
+      <dgm:constr type="sp" for="des" forName="hierRoot2" refType="sp" refFor="des" refForName="hierRoot1"/>
+      <dgm:constr type="sp" for="des" forName="hierRoot3" refType="sp" refFor="des" refForName="hierRoot1"/>
+      <dgm:constr type="sibSp" refType="w" refFor="des" refForName="rootComposite1" fact="0.21"/>
+      <dgm:constr type="sibSp" for="des" forName="hierChild2" refType="sibSp"/>
+      <dgm:constr type="sibSp" for="des" forName="hierChild3" refType="sibSp"/>
+      <dgm:constr type="sibSp" for="des" forName="hierChild4" refType="sibSp"/>
+      <dgm:constr type="sibSp" for="des" forName="hierChild5" refType="sibSp"/>
+      <dgm:constr type="sibSp" for="des" forName="hierChild6" refType="sibSp"/>
+      <dgm:constr type="sibSp" for="des" forName="hierChild7" refType="sibSp"/>
+      <dgm:constr type="secSibSp" refType="w" refFor="des" refForName="rootComposite1" fact="0.21"/>
+      <dgm:constr type="secSibSp" for="des" forName="hierChild2" refType="secSibSp"/>
+      <dgm:constr type="secSibSp" for="des" forName="hierChild3" refType="secSibSp"/>
+      <dgm:constr type="secSibSp" for="des" forName="hierChild4" refType="secSibSp"/>
+      <dgm:constr type="secSibSp" for="des" forName="hierChild5" refType="secSibSp"/>
+      <dgm:constr type="secSibSp" for="des" forName="hierChild6" refType="secSibSp"/>
+      <dgm:constr type="secSibSp" for="des" forName="hierChild7" refType="secSibSp"/>
+    </dgm:constrLst>
+    <dgm:ruleLst/>
+    <dgm:forEach name="Name3" axis="ch">
+      <dgm:forEach name="Name4" axis="self" ptType="node">
+        <dgm:layoutNode name="hierRoot1">
+          <dgm:varLst>
+            <dgm:hierBranch val="init"/>
+          </dgm:varLst>
+          <dgm:choose name="Name5">
+            <dgm:if name="Name6" func="var" arg="hierBranch" op="equ" val="l">
+              <dgm:choose name="Name7">
+                <dgm:if name="Name8" axis="ch" ptType="asst" func="cnt" op="gte" val="1">
+                  <dgm:alg type="hierRoot">
+                    <dgm:param type="hierAlign" val="tR"/>
+                  </dgm:alg>
+                  <dgm:constrLst>
+                    <dgm:constr type="alignOff" val="0.65"/>
+                  </dgm:constrLst>
+                </dgm:if>
+                <dgm:else name="Name9">
+                  <dgm:alg type="hierRoot">
+                    <dgm:param type="hierAlign" val="tR"/>
+                  </dgm:alg>
+                  <dgm:constrLst>
+                    <dgm:constr type="alignOff" val="0.25"/>
+                  </dgm:constrLst>
+                </dgm:else>
+              </dgm:choose>
+            </dgm:if>
+            <dgm:if name="Name10" func="var" arg="hierBranch" op="equ" val="r">
+              <dgm:choose name="Name11">
+                <dgm:if name="Name12" axis="ch" ptType="asst" func="cnt" op="gte" val="1">
+                  <dgm:alg type="hierRoot">
+                    <dgm:param type="hierAlign" val="tL"/>
+                  </dgm:alg>
+                  <dgm:constrLst>
+                    <dgm:constr type="alignOff" val="0.65"/>
+                  </dgm:constrLst>
+                </dgm:if>
+                <dgm:else name="Name13">
+                  <dgm:alg type="hierRoot">
+                    <dgm:param type="hierAlign" val="tL"/>
+                  </dgm:alg>
+                  <dgm:constrLst>
+                    <dgm:constr type="alignOff" val="0.25"/>
+                  </dgm:constrLst>
+                </dgm:else>
+              </dgm:choose>
+            </dgm:if>
+            <dgm:if name="Name14" func="var" arg="hierBranch" op="equ" val="hang">
+              <dgm:alg type="hierRoot"/>
+              <dgm:constrLst>
+                <dgm:constr type="alignOff" val="0.65"/>
+              </dgm:constrLst>
+            </dgm:if>
+            <dgm:else name="Name15">
+              <dgm:alg type="hierRoot"/>
+              <dgm:constrLst>
+                <dgm:constr type="alignOff"/>
+                <dgm:constr type="bendDist" for="des" ptType="parTrans" refType="sp" fact="0.5"/>
+              </dgm:constrLst>
+            </dgm:else>
+          </dgm:choose>
+          <dgm:shape xmlns:r="http://schemas.openxmlformats.org/officeDocument/2006/relationships" r:blip="">
+            <dgm:adjLst/>
+          </dgm:shape>
+          <dgm:presOf/>
+          <dgm:ruleLst/>
+          <dgm:layoutNode name="rootComposite1">
+            <dgm:alg type="composite"/>
+            <dgm:shape xmlns:r="http://schemas.openxmlformats.org/officeDocument/2006/relationships" r:blip="">
+              <dgm:adjLst/>
+            </dgm:shape>
+            <dgm:presOf axis="self" ptType="node" cnt="1"/>
+            <dgm:choose name="Name16">
+              <dgm:if name="Name17" func="var" arg="hierBranch" op="equ" val="init">
+                <dgm:constrLst>
+                  <dgm:constr type="l" for="ch" forName="rootText1"/>
+                  <dgm:constr type="t" for="ch" forName="rootText1"/>
+                  <dgm:constr type="w" for="ch" forName="rootText1" refType="w"/>
+                  <dgm:constr type="h" for="ch" forName="rootText1" refType="h"/>
+                  <dgm:constr type="l" for="ch" forName="rootConnector1"/>
+                  <dgm:constr type="t" for="ch" forName="rootConnector1"/>
+                  <dgm:constr type="w" for="ch" forName="rootConnector1" refType="w" refFor="ch" refForName="rootText1" fact="0.2"/>
+                  <dgm:constr type="h" for="ch" forName="rootConnector1" refType="h" refFor="ch" refForName="rootText1"/>
+                </dgm:constrLst>
+              </dgm:if>
+              <dgm:if name="Name18" func="var" arg="hierBranch" op="equ" val="l">
+                <dgm:constrLst>
+                  <dgm:constr type="l" for="ch" forName="rootText1"/>
+                  <dgm:constr type="t" for="ch" forName="rootText1"/>
+                  <dgm:constr type="w" for="ch" forName="rootText1" refType="w"/>
+                  <dgm:constr type="h" for="ch" forName="rootText1" refType="h"/>
+                  <dgm:constr type="r" for="ch" forName="rootConnector1" refType="w"/>
+                  <dgm:constr type="t" for="ch" forName="rootConnector1"/>
+                  <dgm:constr type="w" for="ch" forName="rootConnector1" refType="w" refFor="ch" refForName="rootText1" fact="0.2"/>
+                  <dgm:constr type="h" for="ch" forName="rootConnector1" refType="h" refFor="ch" refForName="rootText1"/>
+                </dgm:constrLst>
+              </dgm:if>
+              <dgm:if name="Name19" func="var" arg="hierBranch" op="equ" val="r">
+                <dgm:constrLst>
+                  <dgm:constr type="l" for="ch" forName="rootText1"/>
+                  <dgm:constr type="t" for="ch" forName="rootText1"/>
+                  <dgm:constr type="w" for="ch" forName="rootText1" refType="w"/>
+                  <dgm:constr type="h" for="ch" forName="rootText1" refType="h"/>
+                  <dgm:constr type="l" for="ch" forName="rootConnector1"/>
+                  <dgm:constr type="t" for="ch" forName="rootConnector1"/>
+                  <dgm:constr type="w" for="ch" forName="rootConnector1" refType="w" refFor="ch" refForName="rootText1" fact="0.2"/>
+                  <dgm:constr type="h" for="ch" forName="rootConnector1" refType="h" refFor="ch" refForName="rootText1"/>
+                </dgm:constrLst>
+              </dgm:if>
+              <dgm:else name="Name20">
+                <dgm:constrLst>
+                  <dgm:constr type="l" for="ch" forName="rootText1"/>
+                  <dgm:constr type="t" for="ch" forName="rootText1"/>
+                  <dgm:constr type="w" for="ch" forName="rootText1" refType="w"/>
+                  <dgm:constr type="h" for="ch" forName="rootText1" refType="h"/>
+                  <dgm:constr type="r" for="ch" forName="rootConnector1" refType="w"/>
+                  <dgm:constr type="t" for="ch" forName="rootConnector1"/>
+                  <dgm:constr type="w" for="ch" forName="rootConnector1" refType="w" refFor="ch" refForName="rootText1" fact="0.2"/>
+                  <dgm:constr type="h" for="ch" forName="rootConnector1" refType="h" refFor="ch" refForName="rootText1"/>
+                </dgm:constrLst>
+              </dgm:else>
+            </dgm:choose>
+            <dgm:ruleLst/>
+            <dgm:layoutNode name="rootText1" styleLbl="node0">
+              <dgm:varLst>
+                <dgm:chPref val="3"/>
+              </dgm:varLst>
+              <dgm:alg type="tx"/>
+              <dgm:shape xmlns:r="http://schemas.openxmlformats.org/officeDocument/2006/relationships" type="rect" r:blip="">
+                <dgm:adjLst/>
+              </dgm:shape>
+              <dgm:presOf axis="self" ptType="node" cnt="1"/>
+              <dgm:constrLst>
+                <dgm:constr type="primFontSz" val="65"/>
+                <dgm:constr type="lMarg" refType="primFontSz" fact="0.05"/>
+                <dgm:constr type="rMarg" refType="primFontSz" fact="0.05"/>
+                <dgm:constr type="tMarg" refType="primFontSz" fact="0.05"/>
+                <dgm:constr type="bMarg" refType="primFontSz" fact="0.05"/>
+              </dgm:constrLst>
+              <dgm:ruleLst>
+                <dgm:rule type="primFontSz" val="5" fact="NaN" max="NaN"/>
+              </dgm:ruleLst>
+            </dgm:layoutNode>
+            <dgm:layoutNode name="rootConnector1" moveWith="rootText1">
+              <dgm:alg type="sp"/>
+              <dgm:shape xmlns:r="http://schemas.openxmlformats.org/officeDocument/2006/relationships" type="rect" r:blip="" hideGeom="1">
+                <dgm:adjLst/>
+              </dgm:shape>
+              <dgm:presOf axis="self" ptType="node" cnt="1"/>
+              <dgm:constrLst/>
+              <dgm:ruleLst/>
+            </dgm:layoutNode>
+          </dgm:layoutNode>
+          <dgm:layoutNode name="hierChild2">
+            <dgm:choose name="Name21">
+              <dgm:if name="Name22" func="var" arg="hierBranch" op="equ" val="l">
+                <dgm:alg type="hierChild">
+                  <dgm:param type="chAlign" val="r"/>
+                  <dgm:param type="linDir" val="fromT"/>
+                </dgm:alg>
+              </dgm:if>
+              <dgm:if name="Name23" func="var" arg="hierBranch" op="equ" val="r">
+                <dgm:alg type="hierChild">
+                  <dgm:param type="chAlign" val="l"/>
+                  <dgm:param type="linDir" val="fromT"/>
+                </dgm:alg>
+              </dgm:if>
+              <dgm:if name="Name24" func="var" arg="hierBranch" op="equ" val="hang">
+                <dgm:choose name="Name25">
+                  <dgm:if name="Name26" func="var" arg="dir" op="equ" val="norm">
+                    <dgm:alg type="hierChild">
+                      <dgm:param type="chAlign" val="l"/>
+                      <dgm:param type="linDir" val="fromL"/>
+                      <dgm:param type="secChAlign" val="t"/>
+                      <dgm:param type="secLinDir" val="fromT"/>
+                    </dgm:alg>
+                  </dgm:if>
+                  <dgm:else name="Name27">
+                    <dgm:alg type="hierChild">
+                      <dgm:param type="chAlign" val="l"/>
+                      <dgm:param type="linDir" val="fromR"/>
+                      <dgm:param type="secChAlign" val="t"/>
+                      <dgm:param type="secLinDir" val="fromT"/>
+                    </dgm:alg>
+                  </dgm:else>
+                </dgm:choose>
+              </dgm:if>
+              <dgm:else name="Name28">
+                <dgm:choose name="Name29">
+                  <dgm:if name="Name30" func="var" arg="dir" op="equ" val="norm">
+                    <dgm:alg type="hierChild"/>
+                  </dgm:if>
+                  <dgm:else name="Name31">
+                    <dgm:alg type="hierChild">
+                      <dgm:param type="linDir" val="fromR"/>
+                    </dgm:alg>
+                  </dgm:else>
+                </dgm:choose>
+              </dgm:else>
+            </dgm:choose>
+            <dgm:shape xmlns:r="http://schemas.openxmlformats.org/officeDocument/2006/relationships" r:blip="">
+              <dgm:adjLst/>
+            </dgm:shape>
+            <dgm:presOf/>
+            <dgm:constrLst/>
+            <dgm:ruleLst/>
+            <dgm:forEach name="rep2a" axis="ch" ptType="nonAsst">
+              <dgm:forEach name="Name32" axis="precedSib" ptType="parTrans" st="-1" cnt="1">
+                <dgm:choose name="Name33">
+                  <dgm:if name="Name34" func="var" arg="hierBranch" op="equ" val="std">
+                    <dgm:layoutNode name="Name35">
+                      <dgm:alg type="conn">
+                        <dgm:param type="connRout" val="bend"/>
+                        <dgm:param type="dim" val="1D"/>
+                        <dgm:param type="endSty" val="noArr"/>
+                        <dgm:param type="begPts" val="bCtr"/>
+                        <dgm:param type="endPts" val="tCtr"/>
+                        <dgm:param type="bendPt" val="end"/>
+                      </dgm:alg>
+                      <dgm:shape xmlns:r="http://schemas.openxmlformats.org/officeDocument/2006/relationships" type="conn" r:blip="" zOrderOff="-99999">
+                        <dgm:adjLst/>
+                      </dgm:shape>
+                      <dgm:presOf axis="self"/>
+                      <dgm:constrLst>
+                        <dgm:constr type="begPad"/>
+                        <dgm:constr type="endPad"/>
+                      </dgm:constrLst>
+                      <dgm:ruleLst/>
+                    </dgm:layoutNode>
+                  </dgm:if>
+                  <dgm:if name="Name36" func="var" arg="hierBranch" op="equ" val="init">
+                    <dgm:layoutNode name="Name37">
+                      <dgm:choose name="Name38">
+                        <dgm:if name="Name39" axis="self" func="depth" op="lte" val="2">
+                          <dgm:alg type="conn">
+                            <dgm:param type="connRout" val="bend"/>
+                            <dgm:param type="dim" val="1D"/>
+                            <dgm:param type="endSty" val="noArr"/>
+                            <dgm:param type="begPts" val="bCtr"/>
+                            <dgm:param type="endPts" val="tCtr"/>
+                            <dgm:param type="bendPt" val="end"/>
+                          </dgm:alg>
+                        </dgm:if>
+                        <dgm:else name="Name40">
+                          <dgm:choose name="Name41">
+                            <dgm:if name="Name42" axis="par des" func="maxDepth" op="lte" val="1">
+                              <dgm:choose name="Name43">
+                                <dgm:if name="Name44" axis="par ch" ptType="node asst" func="cnt" op="gte" val="1">
+                                  <dgm:alg type="conn">
+                                    <dgm:param type="connRout" val="bend"/>
+                                    <dgm:param type="dim" val="1D"/>
+                                    <dgm:param type="endSty" val="noArr"/>
+                                    <dgm:param type="begPts" val="bCtr"/>
+                                    <dgm:param type="endPts" val="midL midR"/>
+                                  </dgm:alg>
+                                </dgm:if>
+                                <dgm:else name="Name45">
+                                  <dgm:alg type="conn">
+                                    <dgm:param type="connRout" val="bend"/>
+                                    <dgm:param type="dim" val="1D"/>
+                                    <dgm:param type="endSty" val="noArr"/>
+                                    <dgm:param type="begPts" val="bCtr"/>
+                                    <dgm:param type="endPts" val="midL midR"/>
+                                    <dgm:param type="srcNode" val="rootConnector"/>
+                                  </dgm:alg>
+                                </dgm:else>
+                              </dgm:choose>
+                            </dgm:if>
+                            <dgm:else name="Name46">
+                              <dgm:alg type="conn">
+                                <dgm:param type="connRout" val="bend"/>
+                                <dgm:param type="dim" val="1D"/>
+                                <dgm:param type="endSty" val="noArr"/>
+                                <dgm:param type="begPts" val="bCtr"/>
+                                <dgm:param type="endPts" val="tCtr"/>
+                                <dgm:param type="bendPt" val="end"/>
+                              </dgm:alg>
+                            </dgm:else>
+                          </dgm:choose>
+                        </dgm:else>
+                      </dgm:choose>
+                      <dgm:shape xmlns:r="http://schemas.openxmlformats.org/officeDocument/2006/relationships" type="conn" r:blip="" zOrderOff="-99999">
+                        <dgm:adjLst/>
+                      </dgm:shape>
+                      <dgm:presOf axis="self"/>
+                      <dgm:constrLst>
+                        <dgm:constr type="begPad"/>
+                        <dgm:constr type="endPad"/>
+                      </dgm:constrLst>
+                      <dgm:ruleLst/>
+                    </dgm:layoutNode>
+                  </dgm:if>
+                  <dgm:if name="Name47" func="var" arg="hierBranch" op="equ" val="hang">
+                    <dgm:layoutNode name="Name48">
+                      <dgm:alg type="conn">
+                        <dgm:param type="connRout" val="bend"/>
+                        <dgm:param type="dim" val="1D"/>
+                        <dgm:param type="endSty" val="noArr"/>
+                        <dgm:param type="begPts" val="bCtr"/>
+                        <dgm:param type="endPts" val="midL midR"/>
+                      </dgm:alg>
+                      <dgm:shape xmlns:r="http://schemas.openxmlformats.org/officeDocument/2006/relationships" type="conn" r:blip="" zOrderOff="-99999">
+                        <dgm:adjLst/>
+                      </dgm:shape>
+                      <dgm:presOf axis="self"/>
+                      <dgm:constrLst>
+                        <dgm:constr type="begPad"/>
+                        <dgm:constr type="endPad"/>
+                      </dgm:constrLst>
+                      <dgm:ruleLst/>
+                    </dgm:layoutNode>
+                  </dgm:if>
+                  <dgm:else name="Name49">
+                    <dgm:layoutNode name="Name50">
+                      <dgm:choose name="Name51">
+                        <dgm:if name="Name52" axis="self" func="depth" op="lte" val="2">
+                          <dgm:choose name="Name53">
+                            <dgm:if name="Name54" axis="par ch" ptType="node asst" func="cnt" op="gte" val="1">
+                              <dgm:alg type="conn">
+                                <dgm:param type="connRout" val="bend"/>
+                                <dgm:param type="dim" val="1D"/>
+                                <dgm:param type="endSty" val="noArr"/>
+                                <dgm:param type="begPts" val="bCtr"/>
+                                <dgm:param type="endPts" val="midL midR"/>
+                              </dgm:alg>
+                            </dgm:if>
+                            <dgm:else name="Name55">
+                              <dgm:alg type="conn">
+                                <dgm:param type="connRout" val="bend"/>
+                                <dgm:param type="dim" val="1D"/>
+                                <dgm:param type="endSty" val="noArr"/>
+                                <dgm:param type="begPts" val="bCtr"/>
+                                <dgm:param type="endPts" val="midL midR"/>
+                                <dgm:param type="srcNode" val="rootConnector1"/>
+                              </dgm:alg>
+                            </dgm:else>
+                          </dgm:choose>
+                        </dgm:if>
+                        <dgm:else name="Name56">
+                          <dgm:choose name="Name57">
+                            <dgm:if name="Name58" axis="par ch" ptType="node asst" func="cnt" op="gte" val="1">
+                              <dgm:alg type="conn">
+                                <dgm:param type="connRout" val="bend"/>
+                                <dgm:param type="dim" val="1D"/>
+                                <dgm:param type="endSty" val="noArr"/>
+                                <dgm:param type="begPts" val="bCtr"/>
+                                <dgm:param type="endPts" val="midL midR"/>
+                              </dgm:alg>
+                            </dgm:if>
+                            <dgm:else name="Name59">
+                              <dgm:alg type="conn">
+                                <dgm:param type="connRout" val="bend"/>
+                                <dgm:param type="dim" val="1D"/>
+                                <dgm:param type="endSty" val="noArr"/>
+                                <dgm:param type="begPts" val="bCtr"/>
+                                <dgm:param type="endPts" val="midL midR"/>
+                                <dgm:param type="srcNode" val="rootConnector"/>
+                              </dgm:alg>
+                            </dgm:else>
+                          </dgm:choose>
+                        </dgm:else>
+                      </dgm:choose>
+                      <dgm:shape xmlns:r="http://schemas.openxmlformats.org/officeDocument/2006/relationships" type="conn" r:blip="" zOrderOff="-99999">
+                        <dgm:adjLst/>
+                      </dgm:shape>
+                      <dgm:presOf axis="self"/>
+                      <dgm:constrLst>
+                        <dgm:constr type="begPad"/>
+                        <dgm:constr type="endPad"/>
+                      </dgm:constrLst>
+                      <dgm:ruleLst/>
+                    </dgm:layoutNode>
+                  </dgm:else>
+                </dgm:choose>
+              </dgm:forEach>
+              <dgm:layoutNode name="hierRoot2">
+                <dgm:varLst>
+                  <dgm:hierBranch val="init"/>
+                </dgm:varLst>
+                <dgm:choose name="Name60">
+                  <dgm:if name="Name61" func="var" arg="hierBranch" op="equ" val="l">
+                    <dgm:choose name="Name62">
+                      <dgm:if name="Name63" axis="ch" ptType="asst" func="cnt" op="gte" val="1">
+                        <dgm:alg type="hierRoot">
+                          <dgm:param type="hierAlign" val="tR"/>
+                        </dgm:alg>
+                        <dgm:shape xmlns:r="http://schemas.openxmlformats.org/officeDocument/2006/relationships" r:blip="">
+                          <dgm:adjLst/>
+                        </dgm:shape>
+                        <dgm:presOf/>
+                        <dgm:constrLst>
+                          <dgm:constr type="alignOff" val="0.65"/>
+                        </dgm:constrLst>
+                      </dgm:if>
+                      <dgm:else name="Name64">
+                        <dgm:alg type="hierRoot">
+                          <dgm:param type="hierAlign" val="tR"/>
+                        </dgm:alg>
+                        <dgm:shape xmlns:r="http://schemas.openxmlformats.org/officeDocument/2006/relationships" r:blip="">
+                          <dgm:adjLst/>
+                        </dgm:shape>
+                        <dgm:presOf/>
+                        <dgm:constrLst>
+                          <dgm:constr type="alignOff" val="0.25"/>
+                        </dgm:constrLst>
+                      </dgm:else>
+                    </dgm:choose>
+                  </dgm:if>
+                  <dgm:if name="Name65" func="var" arg="hierBranch" op="equ" val="r">
+                    <dgm:choose name="Name66">
+                      <dgm:if name="Name67" axis="ch" ptType="asst" func="cnt" op="gte" val="1">
+                        <dgm:alg type="hierRoot">
+                          <dgm:param type="hierAlign" val="tL"/>
+                        </dgm:alg>
+                        <dgm:shape xmlns:r="http://schemas.openxmlformats.org/officeDocument/2006/relationships" r:blip="">
+                          <dgm:adjLst/>
+                        </dgm:shape>
+                        <dgm:presOf/>
+                        <dgm:constrLst>
+                          <dgm:constr type="alignOff" val="0.65"/>
+                        </dgm:constrLst>
+                      </dgm:if>
+                      <dgm:else name="Name68">
+                        <dgm:alg type="hierRoot">
+                          <dgm:param type="hierAlign" val="tL"/>
+                        </dgm:alg>
+                        <dgm:shape xmlns:r="http://schemas.openxmlformats.org/officeDocument/2006/relationships" r:blip="">
+                          <dgm:adjLst/>
+                        </dgm:shape>
+                        <dgm:presOf/>
+                        <dgm:constrLst>
+                          <dgm:constr type="alignOff" val="0.25"/>
+                        </dgm:constrLst>
+                      </dgm:else>
+                    </dgm:choose>
+                  </dgm:if>
+                  <dgm:if name="Name69" func="var" arg="hierBranch" op="equ" val="std">
+                    <dgm:alg type="hierRoot"/>
+                    <dgm:shape xmlns:r="http://schemas.openxmlformats.org/officeDocument/2006/relationships" r:blip="">
+                      <dgm:adjLst/>
+                    </dgm:shape>
+                    <dgm:presOf/>
+                    <dgm:constrLst>
+                      <dgm:constr type="alignOff"/>
+                      <dgm:constr type="bendDist" for="des" ptType="parTrans" refType="sp" fact="0.5"/>
+                    </dgm:constrLst>
+                  </dgm:if>
+                  <dgm:if name="Name70" func="var" arg="hierBranch" op="equ" val="init">
+                    <dgm:choose name="Name71">
+                      <dgm:if name="Name72" axis="des" func="maxDepth" op="lte" val="1">
+                        <dgm:choose name="Name73">
+                          <dgm:if name="Name74" axis="ch" ptType="asst" func="cnt" op="gte" val="1">
+                            <dgm:alg type="hierRoot">
+                              <dgm:param type="hierAlign" val="tL"/>
+                            </dgm:alg>
+                            <dgm:shape xmlns:r="http://schemas.openxmlformats.org/officeDocument/2006/relationships" r:blip="">
+                              <dgm:adjLst/>
+                            </dgm:shape>
+                            <dgm:presOf/>
+                            <dgm:constrLst>
+                              <dgm:constr type="alignOff" val="0.65"/>
+                            </dgm:constrLst>
+                          </dgm:if>
+                          <dgm:else name="Name75">
+                            <dgm:alg type="hierRoot">
+                              <dgm:param type="hierAlign" val="tL"/>
+                            </dgm:alg>
+                            <dgm:shape xmlns:r="http://schemas.openxmlformats.org/officeDocument/2006/relationships" r:blip="">
+                              <dgm:adjLst/>
+                            </dgm:shape>
+                            <dgm:presOf/>
+                            <dgm:constrLst>
+                              <dgm:constr type="alignOff" val="0.25"/>
+                            </dgm:constrLst>
+                          </dgm:else>
+                        </dgm:choose>
+                      </dgm:if>
+                      <dgm:else name="Name76">
+                        <dgm:alg type="hierRoot"/>
+                        <dgm:shape xmlns:r="http://schemas.openxmlformats.org/officeDocument/2006/relationships" r:blip="">
+                          <dgm:adjLst/>
+                        </dgm:shape>
+                        <dgm:presOf/>
+                        <dgm:constrLst>
+                          <dgm:constr type="alignOff"/>
+                          <dgm:constr type="bendDist" for="des" ptType="parTrans" refType="sp" fact="0.5"/>
+                        </dgm:constrLst>
+                      </dgm:else>
+                    </dgm:choose>
+                  </dgm:if>
+                  <dgm:else name="Name77">
+                    <dgm:alg type="hierRoot"/>
+                    <dgm:shape xmlns:r="http://schemas.openxmlformats.org/officeDocument/2006/relationships" r:blip="">
+                      <dgm:adjLst/>
+                    </dgm:shape>
+                    <dgm:presOf/>
+                    <dgm:constrLst>
+                      <dgm:constr type="alignOff" val="0.65"/>
+                    </dgm:constrLst>
+                  </dgm:else>
+                </dgm:choose>
+                <dgm:ruleLst/>
+                <dgm:layoutNode name="rootComposite">
+                  <dgm:alg type="composite"/>
+                  <dgm:shape xmlns:r="http://schemas.openxmlformats.org/officeDocument/2006/relationships" r:blip="">
+                    <dgm:adjLst/>
+                  </dgm:shape>
+                  <dgm:presOf axis="self" ptType="node" cnt="1"/>
+                  <dgm:choose name="Name78">
+                    <dgm:if name="Name79" func="var" arg="hierBranch" op="equ" val="init">
+                      <dgm:constrLst>
+                        <dgm:constr type="l" for="ch" forName="rootText"/>
+                        <dgm:constr type="t" for="ch" forName="rootText"/>
+                        <dgm:constr type="w" for="ch" forName="rootText" refType="w"/>
+                        <dgm:constr type="h" for="ch" forName="rootText" refType="h"/>
+                        <dgm:constr type="l" for="ch" forName="rootConnector"/>
+                        <dgm:constr type="t" for="ch" forName="rootConnector"/>
+                        <dgm:constr type="w" for="ch" forName="rootConnector" refType="w" refFor="ch" refForName="rootText" fact="0.2"/>
+                        <dgm:constr type="h" for="ch" forName="rootConnector" refType="h" refFor="ch" refForName="rootText"/>
+                      </dgm:constrLst>
+                    </dgm:if>
+                    <dgm:if name="Name80" func="var" arg="hierBranch" op="equ" val="l">
+                      <dgm:constrLst>
+                        <dgm:constr type="l" for="ch" forName="rootText"/>
+                        <dgm:constr type="t" for="ch" forName="rootText"/>
+                        <dgm:constr type="w" for="ch" forName="rootText" refType="w"/>
+                        <dgm:constr type="h" for="ch" forName="rootText" refType="h"/>
+                        <dgm:constr type="r" for="ch" forName="rootConnector" refType="w"/>
+                        <dgm:constr type="t" for="ch" forName="rootConnector"/>
+                        <dgm:constr type="w" for="ch" forName="rootConnector" refType="w" refFor="ch" refForName="rootText" fact="0.2"/>
+                        <dgm:constr type="h" for="ch" forName="rootConnector" refType="h" refFor="ch" refForName="rootText"/>
+                      </dgm:constrLst>
+                    </dgm:if>
+                    <dgm:if name="Name81" func="var" arg="hierBranch" op="equ" val="r">
+                      <dgm:constrLst>
+                        <dgm:constr type="l" for="ch" forName="rootText"/>
+                        <dgm:constr type="t" for="ch" forName="rootText"/>
+                        <dgm:constr type="w" for="ch" forName="rootText" refType="w"/>
+                        <dgm:constr type="h" for="ch" forName="rootText" refType="h"/>
+                        <dgm:constr type="l" for="ch" forName="rootConnector"/>
+                        <dgm:constr type="t" for="ch" forName="rootConnector"/>
+                        <dgm:constr type="w" for="ch" forName="rootConnector" refType="w" refFor="ch" refForName="rootText" fact="0.2"/>
+                        <dgm:constr type="h" for="ch" forName="rootConnector" refType="h" refFor="ch" refForName="rootText"/>
+                      </dgm:constrLst>
+                    </dgm:if>
+                    <dgm:else name="Name82">
+                      <dgm:constrLst>
+                        <dgm:constr type="l" for="ch" forName="rootText"/>
+                        <dgm:constr type="t" for="ch" forName="rootText"/>
+                        <dgm:constr type="w" for="ch" forName="rootText" refType="w"/>
+                        <dgm:constr type="h" for="ch" forName="rootText" refType="h"/>
+                        <dgm:constr type="r" for="ch" forName="rootConnector" refType="w"/>
+                        <dgm:constr type="t" for="ch" forName="rootConnector"/>
+                        <dgm:constr type="w" for="ch" forName="rootConnector" refType="w" refFor="ch" refForName="rootText" fact="0.2"/>
+                        <dgm:constr type="h" for="ch" forName="rootConnector" refType="h" refFor="ch" refForName="rootText"/>
+                      </dgm:constrLst>
+                    </dgm:else>
+                  </dgm:choose>
+                  <dgm:ruleLst/>
+                  <dgm:layoutNode name="rootText">
+                    <dgm:varLst>
+                      <dgm:chPref val="3"/>
+                    </dgm:varLst>
+                    <dgm:alg type="tx"/>
+                    <dgm:shape xmlns:r="http://schemas.openxmlformats.org/officeDocument/2006/relationships" type="rect" r:blip="">
+                      <dgm:adjLst/>
+                    </dgm:shape>
+                    <dgm:presOf axis="self" ptType="node" cnt="1"/>
+                    <dgm:constrLst>
+                      <dgm:constr type="primFontSz" val="65"/>
+                      <dgm:constr type="lMarg" refType="primFontSz" fact="0.05"/>
+                      <dgm:constr type="rMarg" refType="primFontSz" fact="0.05"/>
+                      <dgm:constr type="tMarg" refType="primFontSz" fact="0.05"/>
+                      <dgm:constr type="bMarg" refType="primFontSz" fact="0.05"/>
+                    </dgm:constrLst>
+                    <dgm:ruleLst>
+                      <dgm:rule type="primFontSz" val="5" fact="NaN" max="NaN"/>
+                    </dgm:ruleLst>
+                  </dgm:layoutNode>
+                  <dgm:layoutNode name="rootConnector" moveWith="rootText">
+                    <dgm:alg type="sp"/>
+                    <dgm:shape xmlns:r="http://schemas.openxmlformats.org/officeDocument/2006/relationships" type="rect" r:blip="" hideGeom="1">
+                      <dgm:adjLst/>
+                    </dgm:shape>
+                    <dgm:presOf axis="self" ptType="node" cnt="1"/>
+                    <dgm:constrLst/>
+                    <dgm:ruleLst/>
+                  </dgm:layoutNode>
+                </dgm:layoutNode>
+                <dgm:layoutNode name="hierChild4">
+                  <dgm:choose name="Name83">
+                    <dgm:if name="Name84" func="var" arg="hierBranch" op="equ" val="l">
+                      <dgm:alg type="hierChild">
+                        <dgm:param type="chAlign" val="r"/>
+                        <dgm:param type="linDir" val="fromT"/>
+                      </dgm:alg>
+                    </dgm:if>
+                    <dgm:if name="Name85" func="var" arg="hierBranch" op="equ" val="r">
+                      <dgm:alg type="hierChild">
+                        <dgm:param type="chAlign" val="l"/>
+                        <dgm:param type="linDir" val="fromT"/>
+                      </dgm:alg>
+                    </dgm:if>
+                    <dgm:if name="Name86" func="var" arg="hierBranch" op="equ" val="hang">
+                      <dgm:choose name="Name87">
+                        <dgm:if name="Name88" func="var" arg="dir" op="equ" val="norm">
+                          <dgm:alg type="hierChild">
+                            <dgm:param type="chAlign" val="l"/>
+                            <dgm:param type="linDir" val="fromL"/>
+                            <dgm:param type="secChAlign" val="t"/>
+                            <dgm:param type="secLinDir" val="fromT"/>
+                          </dgm:alg>
+                        </dgm:if>
+                        <dgm:else name="Name89">
+                          <dgm:alg type="hierChild">
+                            <dgm:param type="chAlign" val="l"/>
+                            <dgm:param type="linDir" val="fromR"/>
+                            <dgm:param type="secChAlign" val="t"/>
+                            <dgm:param type="secLinDir" val="fromT"/>
+                          </dgm:alg>
+                        </dgm:else>
+                      </dgm:choose>
+                    </dgm:if>
+                    <dgm:if name="Name90" func="var" arg="hierBranch" op="equ" val="std">
+                      <dgm:choose name="Name91">
+                        <dgm:if name="Name92" func="var" arg="dir" op="equ" val="norm">
+                          <dgm:alg type="hierChild"/>
+                        </dgm:if>
+                        <dgm:else name="Name93">
+                          <dgm:alg type="hierChild">
+                            <dgm:param type="linDir" val="fromR"/>
+                          </dgm:alg>
+                        </dgm:else>
+                      </dgm:choose>
+                    </dgm:if>
+                    <dgm:if name="Name94" func="var" arg="hierBranch" op="equ" val="init">
+                      <dgm:choose name="Name95">
+                        <dgm:if name="Name96" axis="des" func="maxDepth" op="lte" val="1">
+                          <dgm:alg type="hierChild">
+                            <dgm:param type="chAlign" val="l"/>
+                            <dgm:param type="linDir" val="fromT"/>
+                          </dgm:alg>
+                        </dgm:if>
+                        <dgm:else name="Name97">
+                          <dgm:choose name="Name98">
+                            <dgm:if name="Name99" func="var" arg="dir" op="equ" val="norm">
+                              <dgm:alg type="hierChild"/>
+                            </dgm:if>
+                            <dgm:else name="Name100">
+                              <dgm:alg type="hierChild">
+                                <dgm:param type="linDir" val="fromR"/>
+                              </dgm:alg>
+                            </dgm:else>
+                          </dgm:choose>
+                        </dgm:else>
+                      </dgm:choose>
+                    </dgm:if>
+                    <dgm:else name="Name101"/>
+                  </dgm:choose>
+                  <dgm:shape xmlns:r="http://schemas.openxmlformats.org/officeDocument/2006/relationships" r:blip="">
+                    <dgm:adjLst/>
+                  </dgm:shape>
+                  <dgm:presOf/>
+                  <dgm:constrLst/>
+                  <dgm:ruleLst/>
+                  <dgm:forEach name="Name102" ref="rep2a"/>
+                </dgm:layoutNode>
+                <dgm:layoutNode name="hierChild5">
+                  <dgm:choose name="Name103">
+                    <dgm:if name="Name104" func="var" arg="dir" op="equ" val="norm">
+                      <dgm:alg type="hierChild">
+                        <dgm:param type="chAlign" val="l"/>
+                        <dgm:param type="linDir" val="fromL"/>
+                        <dgm:param type="secChAlign" val="t"/>
+                        <dgm:param type="secLinDir" val="fromT"/>
+                      </dgm:alg>
+                    </dgm:if>
+                    <dgm:else name="Name105">
+                      <dgm:alg type="hierChild">
+                        <dgm:param type="chAlign" val="l"/>
+                        <dgm:param type="linDir" val="fromR"/>
+                        <dgm:param type="secChAlign" val="t"/>
+                        <dgm:param type="secLinDir" val="fromT"/>
+                      </dgm:alg>
+                    </dgm:else>
+                  </dgm:choose>
+                  <dgm:shape xmlns:r="http://schemas.openxmlformats.org/officeDocument/2006/relationships" r:blip="">
+                    <dgm:adjLst/>
+                  </dgm:shape>
+                  <dgm:presOf/>
+                  <dgm:constrLst/>
+                  <dgm:ruleLst/>
+                  <dgm:forEach name="Name106" ref="rep2b"/>
+                </dgm:layoutNode>
+              </dgm:layoutNode>
+            </dgm:forEach>
+          </dgm:layoutNode>
+          <dgm:layoutNode name="hierChild3">
+            <dgm:choose name="Name107">
+              <dgm:if name="Name108" func="var" arg="dir" op="equ" val="norm">
+                <dgm:alg type="hierChild">
+                  <dgm:param type="chAlign" val="l"/>
+                  <dgm:param type="linDir" val="fromL"/>
+                  <dgm:param type="secChAlign" val="t"/>
+                  <dgm:param type="secLinDir" val="fromT"/>
+                </dgm:alg>
+              </dgm:if>
+              <dgm:else name="Name109">
+                <dgm:alg type="hierChild">
+                  <dgm:param type="chAlign" val="l"/>
+                  <dgm:param type="linDir" val="fromR"/>
+                  <dgm:param type="secChAlign" val="t"/>
+                  <dgm:param type="secLinDir" val="fromT"/>
+                </dgm:alg>
+              </dgm:else>
+            </dgm:choose>
+            <dgm:shape xmlns:r="http://schemas.openxmlformats.org/officeDocument/2006/relationships" r:blip="">
+              <dgm:adjLst/>
+            </dgm:shape>
+            <dgm:presOf/>
+            <dgm:constrLst/>
+            <dgm:ruleLst/>
+            <dgm:forEach name="rep2b" axis="ch" ptType="asst">
+              <dgm:forEach name="Name110" axis="precedSib" ptType="parTrans" st="-1" cnt="1">
+                <dgm:layoutNode name="Name111">
+                  <dgm:alg type="conn">
+                    <dgm:param type="connRout" val="bend"/>
+                    <dgm:param type="dim" val="1D"/>
+                    <dgm:param type="endSty" val="noArr"/>
+                    <dgm:param type="begPts" val="bCtr"/>
+                    <dgm:param type="endPts" val="midL midR"/>
+                  </dgm:alg>
+                  <dgm:shape xmlns:r="http://schemas.openxmlformats.org/officeDocument/2006/relationships" type="conn" r:blip="" zOrderOff="-99999">
+                    <dgm:adjLst/>
+                  </dgm:shape>
+                  <dgm:presOf axis="self"/>
+                  <dgm:constrLst>
+                    <dgm:constr type="begPad"/>
+                    <dgm:constr type="endPad"/>
+                  </dgm:constrLst>
+                  <dgm:ruleLst/>
+                </dgm:layoutNode>
+              </dgm:forEach>
+              <dgm:layoutNode name="hierRoot3">
+                <dgm:varLst>
+                  <dgm:hierBranch val="init"/>
+                </dgm:varLst>
+                <dgm:choose name="Name112">
+                  <dgm:if name="Name113" func="var" arg="hierBranch" op="equ" val="l">
+                    <dgm:alg type="hierRoot">
+                      <dgm:param type="hierAlign" val="tR"/>
+                    </dgm:alg>
+                    <dgm:shape xmlns:r="http://schemas.openxmlformats.org/officeDocument/2006/relationships" r:blip="">
+                      <dgm:adjLst/>
+                    </dgm:shape>
+                    <dgm:presOf/>
+                    <dgm:constrLst>
+                      <dgm:constr type="alignOff" val="0.65"/>
+                    </dgm:constrLst>
+                  </dgm:if>
+                  <dgm:if name="Name114" func="var" arg="hierBranch" op="equ" val="r">
+                    <dgm:alg type="hierRoot">
+                      <dgm:param type="hierAlign" val="tL"/>
+                    </dgm:alg>
+                    <dgm:shape xmlns:r="http://schemas.openxmlformats.org/officeDocument/2006/relationships" r:blip="">
+                      <dgm:adjLst/>
+                    </dgm:shape>
+                    <dgm:presOf/>
+                    <dgm:constrLst>
+                      <dgm:constr type="alignOff" val="0.65"/>
+                    </dgm:constrLst>
+                  </dgm:if>
+                  <dgm:if name="Name115" func="var" arg="hierBranch" op="equ" val="hang">
+                    <dgm:alg type="hierRoot"/>
+                    <dgm:shape xmlns:r="http://schemas.openxmlformats.org/officeDocument/2006/relationships" r:blip="">
+                      <dgm:adjLst/>
+                    </dgm:shape>
+                    <dgm:presOf/>
+                    <dgm:constrLst>
+                      <dgm:constr type="alignOff" val="0.65"/>
+                    </dgm:constrLst>
+                  </dgm:if>
+                  <dgm:if name="Name116" func="var" arg="hierBranch" op="equ" val="std">
+                    <dgm:alg type="hierRoot"/>
+                    <dgm:shape xmlns:r="http://schemas.openxmlformats.org/officeDocument/2006/relationships" r:blip="">
+                      <dgm:adjLst/>
+                    </dgm:shape>
+                    <dgm:presOf/>
+                    <dgm:constrLst>
+                      <dgm:constr type="alignOff"/>
+                      <dgm:constr type="bendDist" for="des" ptType="parTrans" refType="sp" fact="0.5"/>
+                    </dgm:constrLst>
+                  </dgm:if>
+                  <dgm:if name="Name117" func="var" arg="hierBranch" op="equ" val="init">
+                    <dgm:choose name="Name118">
+                      <dgm:if name="Name119" axis="des" func="maxDepth" op="lte" val="1">
+                        <dgm:alg type="hierRoot">
+                          <dgm:param type="hierAlign" val="tL"/>
+                        </dgm:alg>
+                        <dgm:shape xmlns:r="http://schemas.openxmlformats.org/officeDocument/2006/relationships" r:blip="">
+                          <dgm:adjLst/>
+                        </dgm:shape>
+                        <dgm:presOf/>
+                        <dgm:constrLst>
+                          <dgm:constr type="alignOff" val="0.65"/>
+                        </dgm:constrLst>
+                      </dgm:if>
+                      <dgm:else name="Name120">
+                        <dgm:alg type="hierRoot"/>
+                        <dgm:shape xmlns:r="http://schemas.openxmlformats.org/officeDocument/2006/relationships" r:blip="">
+                          <dgm:adjLst/>
+                        </dgm:shape>
+                        <dgm:presOf/>
+                        <dgm:constrLst>
+                          <dgm:constr type="alignOff"/>
+                          <dgm:constr type="bendDist" for="des" ptType="parTrans" refType="sp" fact="0.5"/>
+                        </dgm:constrLst>
+                      </dgm:else>
+                    </dgm:choose>
+                  </dgm:if>
+                  <dgm:else name="Name121"/>
+                </dgm:choose>
+                <dgm:ruleLst/>
+                <dgm:layoutNode name="rootComposite3">
+                  <dgm:alg type="composite"/>
+                  <dgm:shape xmlns:r="http://schemas.openxmlformats.org/officeDocument/2006/relationships" r:blip="">
+                    <dgm:adjLst/>
+                  </dgm:shape>
+                  <dgm:presOf axis="self" ptType="node" cnt="1"/>
+                  <dgm:choose name="Name122">
+                    <dgm:if name="Name123" func="var" arg="hierBranch" op="equ" val="init">
+                      <dgm:constrLst>
+                        <dgm:constr type="l" for="ch" forName="rootText3"/>
+                        <dgm:constr type="t" for="ch" forName="rootText3"/>
+                        <dgm:constr type="w" for="ch" forName="rootText3" refType="w"/>
+                        <dgm:constr type="h" for="ch" forName="rootText3" refType="h"/>
+                        <dgm:constr type="l" for="ch" forName="rootConnector3"/>
+                        <dgm:constr type="t" for="ch" forName="rootConnector3"/>
+                        <dgm:constr type="w" for="ch" forName="rootConnector3" refType="w" refFor="ch" refForName="rootText3" fact="0.2"/>
+                        <dgm:constr type="h" for="ch" forName="rootConnector3" refType="h" refFor="ch" refForName="rootText3"/>
+                      </dgm:constrLst>
+                    </dgm:if>
+                    <dgm:if name="Name124" func="var" arg="hierBranch" op="equ" val="l">
+                      <dgm:constrLst>
+                        <dgm:constr type="l" for="ch" forName="rootText3"/>
+                        <dgm:constr type="t" for="ch" forName="rootText3"/>
+                        <dgm:constr type="w" for="ch" forName="rootText3" refType="w"/>
+                        <dgm:constr type="h" for="ch" forName="rootText3" refType="h"/>
+                        <dgm:constr type="r" for="ch" forName="rootConnector3" refType="w"/>
+                        <dgm:constr type="t" for="ch" forName="rootConnector3"/>
+                        <dgm:constr type="w" for="ch" forName="rootConnector3" refType="w" refFor="ch" refForName="rootText3" fact="0.2"/>
+                        <dgm:constr type="h" for="ch" forName="rootConnector3" refType="h" refFor="ch" refForName="rootText3"/>
+                      </dgm:constrLst>
+                    </dgm:if>
+                    <dgm:if name="Name125" func="var" arg="hierBranch" op="equ" val="r">
+                      <dgm:constrLst>
+                        <dgm:constr type="l" for="ch" forName="rootText3"/>
+                        <dgm:constr type="t" for="ch" forName="rootText3"/>
+                        <dgm:constr type="w" for="ch" forName="rootText3" refType="w"/>
+                        <dgm:constr type="h" for="ch" forName="rootText3" refType="h"/>
+                        <dgm:constr type="l" for="ch" forName="rootConnector3"/>
+                        <dgm:constr type="t" for="ch" forName="rootConnector3"/>
+                        <dgm:constr type="w" for="ch" forName="rootConnector3" refType="w" refFor="ch" refForName="rootText3" fact="0.2"/>
+                        <dgm:constr type="h" for="ch" forName="rootConnector3" refType="h" refFor="ch" refForName="rootText3"/>
+                      </dgm:constrLst>
+                    </dgm:if>
+                    <dgm:else name="Name126">
+                      <dgm:constrLst>
+                        <dgm:constr type="l" for="ch" forName="rootText3"/>
+                        <dgm:constr type="t" for="ch" forName="rootText3"/>
+                        <dgm:constr type="w" for="ch" forName="rootText3" refType="w"/>
+                        <dgm:constr type="h" for="ch" forName="rootText3" refType="h"/>
+                        <dgm:constr type="r" for="ch" forName="rootConnector3" refType="w"/>
+                        <dgm:constr type="t" for="ch" forName="rootConnector3"/>
+                        <dgm:constr type="w" for="ch" forName="rootConnector3" refType="w" refFor="ch" refForName="rootText3" fact="0.2"/>
+                        <dgm:constr type="h" for="ch" forName="rootConnector3" refType="h" refFor="ch" refForName="rootText3"/>
+                      </dgm:constrLst>
+                    </dgm:else>
+                  </dgm:choose>
+                  <dgm:ruleLst/>
+                  <dgm:layoutNode name="rootText3">
+                    <dgm:varLst>
+                      <dgm:chPref val="3"/>
+                    </dgm:varLst>
+                    <dgm:alg type="tx"/>
+                    <dgm:shape xmlns:r="http://schemas.openxmlformats.org/officeDocument/2006/relationships" type="rect" r:blip="">
+                      <dgm:adjLst/>
+                    </dgm:shape>
+                    <dgm:presOf axis="self" ptType="node" cnt="1"/>
+                    <dgm:constrLst>
+                      <dgm:constr type="primFontSz" val="65"/>
+                      <dgm:constr type="lMarg" refType="primFontSz" fact="0.05"/>
+                      <dgm:constr type="rMarg" refType="primFontSz" fact="0.05"/>
+                      <dgm:constr type="tMarg" refType="primFontSz" fact="0.05"/>
+                      <dgm:constr type="bMarg" refType="primFontSz" fact="0.05"/>
+                    </dgm:constrLst>
+                    <dgm:ruleLst>
+                      <dgm:rule type="primFontSz" val="5" fact="NaN" max="NaN"/>
+                    </dgm:ruleLst>
+                  </dgm:layoutNode>
+                  <dgm:layoutNode name="rootConnector3" moveWith="rootText1">
+                    <dgm:alg type="sp"/>
+                    <dgm:shape xmlns:r="http://schemas.openxmlformats.org/officeDocument/2006/relationships" type="rect" r:blip="" hideGeom="1">
+                      <dgm:adjLst/>
+                    </dgm:shape>
+                    <dgm:presOf axis="self" ptType="node" cnt="1"/>
+                    <dgm:constrLst/>
+                    <dgm:ruleLst/>
+                  </dgm:layoutNode>
+                </dgm:layoutNode>
+                <dgm:layoutNode name="hierChild6">
+                  <dgm:choose name="Name127">
+                    <dgm:if name="Name128" func="var" arg="hierBranch" op="equ" val="l">
+                      <dgm:alg type="hierChild">
+                        <dgm:param type="chAlign" val="r"/>
+                        <dgm:param type="linDir" val="fromT"/>
+                      </dgm:alg>
+                    </dgm:if>
+                    <dgm:if name="Name129" func="var" arg="hierBranch" op="equ" val="r">
+                      <dgm:alg type="hierChild">
+                        <dgm:param type="chAlign" val="l"/>
+                        <dgm:param type="linDir" val="fromT"/>
+                      </dgm:alg>
+                    </dgm:if>
+                    <dgm:if name="Name130" func="var" arg="hierBranch" op="equ" val="hang">
+                      <dgm:choose name="Name131">
+                        <dgm:if name="Name132" func="var" arg="dir" op="equ" val="norm">
+                          <dgm:alg type="hierChild">
+                            <dgm:param type="chAlign" val="l"/>
+                            <dgm:param type="linDir" val="fromL"/>
+                            <dgm:param type="secChAlign" val="t"/>
+                            <dgm:param type="secLinDir" val="fromT"/>
+                          </dgm:alg>
+                        </dgm:if>
+                        <dgm:else name="Name133">
+                          <dgm:alg type="hierChild">
+                            <dgm:param type="chAlign" val="l"/>
+                            <dgm:param type="linDir" val="fromR"/>
+                            <dgm:param type="secChAlign" val="t"/>
+                            <dgm:param type="secLinDir" val="fromT"/>
+                          </dgm:alg>
+                        </dgm:else>
+                      </dgm:choose>
+                    </dgm:if>
+                    <dgm:if name="Name134" func="var" arg="hierBranch" op="equ" val="std">
+                      <dgm:choose name="Name135">
+                        <dgm:if name="Name136" func="var" arg="dir" op="equ" val="norm">
+                          <dgm:alg type="hierChild"/>
+                        </dgm:if>
+                        <dgm:else name="Name137">
+                          <dgm:alg type="hierChild">
+                            <dgm:param type="linDir" val="fromR"/>
+                          </dgm:alg>
+                        </dgm:else>
+                      </dgm:choose>
+                    </dgm:if>
+                    <dgm:if name="Name138" func="var" arg="hierBranch" op="equ" val="init">
+                      <dgm:choose name="Name139">
+                        <dgm:if name="Name140" axis="des" func="maxDepth" op="lte" val="1">
+                          <dgm:alg type="hierChild">
+                            <dgm:param type="chAlign" val="l"/>
+                            <dgm:param type="linDir" val="fromT"/>
+                          </dgm:alg>
+                        </dgm:if>
+                        <dgm:else name="Name141">
+                          <dgm:alg type="hierChild"/>
+                        </dgm:else>
+                      </dgm:choose>
+                    </dgm:if>
+                    <dgm:else name="Name142"/>
+                  </dgm:choose>
+                  <dgm:shape xmlns:r="http://schemas.openxmlformats.org/officeDocument/2006/relationships" r:blip="">
+                    <dgm:adjLst/>
+                  </dgm:shape>
+                  <dgm:presOf/>
+                  <dgm:constrLst/>
+                  <dgm:ruleLst/>
+                  <dgm:forEach name="Name143" ref="rep2a"/>
+                </dgm:layoutNode>
+                <dgm:layoutNode name="hierChild7">
+                  <dgm:choose name="Name144">
+                    <dgm:if name="Name145" func="var" arg="dir" op="equ" val="norm">
+                      <dgm:alg type="hierChild">
+                        <dgm:param type="chAlign" val="l"/>
+                        <dgm:param type="linDir" val="fromL"/>
+                        <dgm:param type="secChAlign" val="t"/>
+                        <dgm:param type="secLinDir" val="fromT"/>
+                      </dgm:alg>
+                    </dgm:if>
+                    <dgm:else name="Name146">
+                      <dgm:alg type="hierChild">
+                        <dgm:param type="chAlign" val="l"/>
+                        <dgm:param type="linDir" val="fromR"/>
+                        <dgm:param type="secChAlign" val="t"/>
+                        <dgm:param type="secLinDir" val="fromT"/>
+                      </dgm:alg>
+                    </dgm:else>
+                  </dgm:choose>
+                  <dgm:shape xmlns:r="http://schemas.openxmlformats.org/officeDocument/2006/relationships" r:blip="">
+                    <dgm:adjLst/>
+                  </dgm:shape>
+                  <dgm:presOf/>
+                  <dgm:constrLst/>
+                  <dgm:ruleLst/>
+                  <dgm:forEach name="Name147" ref="rep2b"/>
+                </dgm:layoutNode>
+              </dgm:layoutNode>
+            </dgm:forEach>
+          </dgm:layoutNode>
+        </dgm:layoutNode>
+      </dgm:forEach>
+    </dgm:forEach>
+  </dgm:layoutNode>
+</dgm:layoutDef>
+</file>
+
+<file path=ppt/diagrams/layout2.xml><?xml version="1.0" encoding="utf-8"?>
 <dgm:layoutDef xmlns:dgm="http://schemas.openxmlformats.org/drawingml/2006/diagram" xmlns:a="http://schemas.openxmlformats.org/drawingml/2006/main" uniqueId="urn:microsoft.com/office/officeart/2005/8/layout/radial1">
   <dgm:title val=""/>
   <dgm:desc val=""/>
@@ -12180,6 +15396,1040 @@
 </file>
 
 <file path=ppt/diagrams/quickStyle1.xml><?xml version="1.0" encoding="utf-8"?>
+<dgm:styleDef xmlns:dgm="http://schemas.openxmlformats.org/drawingml/2006/diagram" xmlns:a="http://schemas.openxmlformats.org/drawingml/2006/main" uniqueId="urn:microsoft.com/office/officeart/2005/8/quickstyle/simple1">
+  <dgm:title val=""/>
+  <dgm:desc val=""/>
+  <dgm:catLst>
+    <dgm:cat type="simple" pri="10100"/>
+  </dgm:catLst>
+  <dgm:scene3d>
+    <a:camera prst="orthographicFront"/>
+    <a:lightRig rig="threePt" dir="t"/>
+  </dgm:scene3d>
+  <dgm:styleLbl name="node0">
+    <dgm:scene3d>
+      <a:camera prst="orthographicFront"/>
+      <a:lightRig rig="threePt" dir="t"/>
+    </dgm:scene3d>
+    <dgm:sp3d/>
+    <dgm:txPr/>
+    <dgm:style>
+      <a:lnRef idx="2">
+        <a:scrgbClr r="0" g="0" b="0"/>
+      </a:lnRef>
+      <a:fillRef idx="1">
+        <a:scrgbClr r="0" g="0" b="0"/>
+      </a:fillRef>
+      <a:effectRef idx="0">
+        <a:scrgbClr r="0" g="0" b="0"/>
+      </a:effectRef>
+      <a:fontRef idx="minor">
+        <a:schemeClr val="lt1"/>
+      </a:fontRef>
+    </dgm:style>
+  </dgm:styleLbl>
+  <dgm:styleLbl name="lnNode1">
+    <dgm:scene3d>
+      <a:camera prst="orthographicFront"/>
+      <a:lightRig rig="threePt" dir="t"/>
+    </dgm:scene3d>
+    <dgm:sp3d/>
+    <dgm:txPr/>
+    <dgm:style>
+      <a:lnRef idx="2">
+        <a:scrgbClr r="0" g="0" b="0"/>
+      </a:lnRef>
+      <a:fillRef idx="1">
+        <a:scrgbClr r="0" g="0" b="0"/>
+      </a:fillRef>
+      <a:effectRef idx="0">
+        <a:scrgbClr r="0" g="0" b="0"/>
+      </a:effectRef>
+      <a:fontRef idx="minor">
+        <a:schemeClr val="lt1"/>
+      </a:fontRef>
+    </dgm:style>
+  </dgm:styleLbl>
+  <dgm:styleLbl name="vennNode1">
+    <dgm:scene3d>
+      <a:camera prst="orthographicFront"/>
+      <a:lightRig rig="threePt" dir="t"/>
+    </dgm:scene3d>
+    <dgm:sp3d/>
+    <dgm:txPr/>
+    <dgm:style>
+      <a:lnRef idx="2">
+        <a:scrgbClr r="0" g="0" b="0"/>
+      </a:lnRef>
+      <a:fillRef idx="1">
+        <a:scrgbClr r="0" g="0" b="0"/>
+      </a:fillRef>
+      <a:effectRef idx="0">
+        <a:scrgbClr r="0" g="0" b="0"/>
+      </a:effectRef>
+      <a:fontRef idx="minor">
+        <a:schemeClr val="tx1"/>
+      </a:fontRef>
+    </dgm:style>
+  </dgm:styleLbl>
+  <dgm:styleLbl name="alignNode1">
+    <dgm:scene3d>
+      <a:camera prst="orthographicFront"/>
+      <a:lightRig rig="threePt" dir="t"/>
+    </dgm:scene3d>
+    <dgm:sp3d/>
+    <dgm:txPr/>
+    <dgm:style>
+      <a:lnRef idx="2">
+        <a:scrgbClr r="0" g="0" b="0"/>
+      </a:lnRef>
+      <a:fillRef idx="1">
+        <a:scrgbClr r="0" g="0" b="0"/>
+      </a:fillRef>
+      <a:effectRef idx="0">
+        <a:scrgbClr r="0" g="0" b="0"/>
+      </a:effectRef>
+      <a:fontRef idx="minor">
+        <a:schemeClr val="lt1"/>
+      </a:fontRef>
+    </dgm:style>
+  </dgm:styleLbl>
+  <dgm:styleLbl name="node1">
+    <dgm:scene3d>
+      <a:camera prst="orthographicFront"/>
+      <a:lightRig rig="threePt" dir="t"/>
+    </dgm:scene3d>
+    <dgm:sp3d/>
+    <dgm:txPr/>
+    <dgm:style>
+      <a:lnRef idx="2">
+        <a:scrgbClr r="0" g="0" b="0"/>
+      </a:lnRef>
+      <a:fillRef idx="1">
+        <a:scrgbClr r="0" g="0" b="0"/>
+      </a:fillRef>
+      <a:effectRef idx="0">
+        <a:scrgbClr r="0" g="0" b="0"/>
+      </a:effectRef>
+      <a:fontRef idx="minor">
+        <a:schemeClr val="lt1"/>
+      </a:fontRef>
+    </dgm:style>
+  </dgm:styleLbl>
+  <dgm:styleLbl name="node2">
+    <dgm:scene3d>
+      <a:camera prst="orthographicFront"/>
+      <a:lightRig rig="threePt" dir="t"/>
+    </dgm:scene3d>
+    <dgm:sp3d/>
+    <dgm:txPr/>
+    <dgm:style>
+      <a:lnRef idx="2">
+        <a:scrgbClr r="0" g="0" b="0"/>
+      </a:lnRef>
+      <a:fillRef idx="1">
+        <a:scrgbClr r="0" g="0" b="0"/>
+      </a:fillRef>
+      <a:effectRef idx="0">
+        <a:scrgbClr r="0" g="0" b="0"/>
+      </a:effectRef>
+      <a:fontRef idx="minor">
+        <a:schemeClr val="lt1"/>
+      </a:fontRef>
+    </dgm:style>
+  </dgm:styleLbl>
+  <dgm:styleLbl name="node3">
+    <dgm:scene3d>
+      <a:camera prst="orthographicFront"/>
+      <a:lightRig rig="threePt" dir="t"/>
+    </dgm:scene3d>
+    <dgm:sp3d/>
+    <dgm:txPr/>
+    <dgm:style>
+      <a:lnRef idx="2">
+        <a:scrgbClr r="0" g="0" b="0"/>
+      </a:lnRef>
+      <a:fillRef idx="1">
+        <a:scrgbClr r="0" g="0" b="0"/>
+      </a:fillRef>
+      <a:effectRef idx="0">
+        <a:scrgbClr r="0" g="0" b="0"/>
+      </a:effectRef>
+      <a:fontRef idx="minor">
+        <a:schemeClr val="lt1"/>
+      </a:fontRef>
+    </dgm:style>
+  </dgm:styleLbl>
+  <dgm:styleLbl name="node4">
+    <dgm:scene3d>
+      <a:camera prst="orthographicFront"/>
+      <a:lightRig rig="threePt" dir="t"/>
+    </dgm:scene3d>
+    <dgm:sp3d/>
+    <dgm:txPr/>
+    <dgm:style>
+      <a:lnRef idx="2">
+        <a:scrgbClr r="0" g="0" b="0"/>
+      </a:lnRef>
+      <a:fillRef idx="1">
+        <a:scrgbClr r="0" g="0" b="0"/>
+      </a:fillRef>
+      <a:effectRef idx="0">
+        <a:scrgbClr r="0" g="0" b="0"/>
+      </a:effectRef>
+      <a:fontRef idx="minor">
+        <a:schemeClr val="lt1"/>
+      </a:fontRef>
+    </dgm:style>
+  </dgm:styleLbl>
+  <dgm:styleLbl name="fgImgPlace1">
+    <dgm:scene3d>
+      <a:camera prst="orthographicFront"/>
+      <a:lightRig rig="threePt" dir="t"/>
+    </dgm:scene3d>
+    <dgm:sp3d/>
+    <dgm:txPr/>
+    <dgm:style>
+      <a:lnRef idx="2">
+        <a:scrgbClr r="0" g="0" b="0"/>
+      </a:lnRef>
+      <a:fillRef idx="1">
+        <a:scrgbClr r="0" g="0" b="0"/>
+      </a:fillRef>
+      <a:effectRef idx="0">
+        <a:scrgbClr r="0" g="0" b="0"/>
+      </a:effectRef>
+      <a:fontRef idx="minor"/>
+    </dgm:style>
+  </dgm:styleLbl>
+  <dgm:styleLbl name="alignImgPlace1">
+    <dgm:scene3d>
+      <a:camera prst="orthographicFront"/>
+      <a:lightRig rig="threePt" dir="t"/>
+    </dgm:scene3d>
+    <dgm:sp3d/>
+    <dgm:txPr/>
+    <dgm:style>
+      <a:lnRef idx="2">
+        <a:scrgbClr r="0" g="0" b="0"/>
+      </a:lnRef>
+      <a:fillRef idx="1">
+        <a:scrgbClr r="0" g="0" b="0"/>
+      </a:fillRef>
+      <a:effectRef idx="0">
+        <a:scrgbClr r="0" g="0" b="0"/>
+      </a:effectRef>
+      <a:fontRef idx="minor"/>
+    </dgm:style>
+  </dgm:styleLbl>
+  <dgm:styleLbl name="bgImgPlace1">
+    <dgm:scene3d>
+      <a:camera prst="orthographicFront"/>
+      <a:lightRig rig="threePt" dir="t"/>
+    </dgm:scene3d>
+    <dgm:sp3d/>
+    <dgm:txPr/>
+    <dgm:style>
+      <a:lnRef idx="2">
+        <a:scrgbClr r="0" g="0" b="0"/>
+      </a:lnRef>
+      <a:fillRef idx="1">
+        <a:scrgbClr r="0" g="0" b="0"/>
+      </a:fillRef>
+      <a:effectRef idx="0">
+        <a:scrgbClr r="0" g="0" b="0"/>
+      </a:effectRef>
+      <a:fontRef idx="minor"/>
+    </dgm:style>
+  </dgm:styleLbl>
+  <dgm:styleLbl name="sibTrans2D1">
+    <dgm:scene3d>
+      <a:camera prst="orthographicFront"/>
+      <a:lightRig rig="threePt" dir="t"/>
+    </dgm:scene3d>
+    <dgm:sp3d/>
+    <dgm:txPr/>
+    <dgm:style>
+      <a:lnRef idx="0">
+        <a:scrgbClr r="0" g="0" b="0"/>
+      </a:lnRef>
+      <a:fillRef idx="1">
+        <a:scrgbClr r="0" g="0" b="0"/>
+      </a:fillRef>
+      <a:effectRef idx="0">
+        <a:scrgbClr r="0" g="0" b="0"/>
+      </a:effectRef>
+      <a:fontRef idx="minor">
+        <a:schemeClr val="lt1"/>
+      </a:fontRef>
+    </dgm:style>
+  </dgm:styleLbl>
+  <dgm:styleLbl name="fgSibTrans2D1">
+    <dgm:scene3d>
+      <a:camera prst="orthographicFront"/>
+      <a:lightRig rig="threePt" dir="t"/>
+    </dgm:scene3d>
+    <dgm:sp3d/>
+    <dgm:txPr/>
+    <dgm:style>
+      <a:lnRef idx="0">
+        <a:scrgbClr r="0" g="0" b="0"/>
+      </a:lnRef>
+      <a:fillRef idx="1">
+        <a:scrgbClr r="0" g="0" b="0"/>
+      </a:fillRef>
+      <a:effectRef idx="0">
+        <a:scrgbClr r="0" g="0" b="0"/>
+      </a:effectRef>
+      <a:fontRef idx="minor">
+        <a:schemeClr val="lt1"/>
+      </a:fontRef>
+    </dgm:style>
+  </dgm:styleLbl>
+  <dgm:styleLbl name="bgSibTrans2D1">
+    <dgm:scene3d>
+      <a:camera prst="orthographicFront"/>
+      <a:lightRig rig="threePt" dir="t"/>
+    </dgm:scene3d>
+    <dgm:sp3d/>
+    <dgm:txPr/>
+    <dgm:style>
+      <a:lnRef idx="0">
+        <a:scrgbClr r="0" g="0" b="0"/>
+      </a:lnRef>
+      <a:fillRef idx="1">
+        <a:scrgbClr r="0" g="0" b="0"/>
+      </a:fillRef>
+      <a:effectRef idx="0">
+        <a:scrgbClr r="0" g="0" b="0"/>
+      </a:effectRef>
+      <a:fontRef idx="minor">
+        <a:schemeClr val="lt1"/>
+      </a:fontRef>
+    </dgm:style>
+  </dgm:styleLbl>
+  <dgm:styleLbl name="sibTrans1D1">
+    <dgm:scene3d>
+      <a:camera prst="orthographicFront"/>
+      <a:lightRig rig="threePt" dir="t"/>
+    </dgm:scene3d>
+    <dgm:sp3d/>
+    <dgm:txPr/>
+    <dgm:style>
+      <a:lnRef idx="1">
+        <a:scrgbClr r="0" g="0" b="0"/>
+      </a:lnRef>
+      <a:fillRef idx="0">
+        <a:scrgbClr r="0" g="0" b="0"/>
+      </a:fillRef>
+      <a:effectRef idx="0">
+        <a:scrgbClr r="0" g="0" b="0"/>
+      </a:effectRef>
+      <a:fontRef idx="minor"/>
+    </dgm:style>
+  </dgm:styleLbl>
+  <dgm:styleLbl name="callout">
+    <dgm:scene3d>
+      <a:camera prst="orthographicFront"/>
+      <a:lightRig rig="threePt" dir="t"/>
+    </dgm:scene3d>
+    <dgm:sp3d/>
+    <dgm:txPr/>
+    <dgm:style>
+      <a:lnRef idx="2">
+        <a:scrgbClr r="0" g="0" b="0"/>
+      </a:lnRef>
+      <a:fillRef idx="1">
+        <a:scrgbClr r="0" g="0" b="0"/>
+      </a:fillRef>
+      <a:effectRef idx="0">
+        <a:scrgbClr r="0" g="0" b="0"/>
+      </a:effectRef>
+      <a:fontRef idx="minor"/>
+    </dgm:style>
+  </dgm:styleLbl>
+  <dgm:styleLbl name="asst0">
+    <dgm:scene3d>
+      <a:camera prst="orthographicFront"/>
+      <a:lightRig rig="threePt" dir="t"/>
+    </dgm:scene3d>
+    <dgm:sp3d/>
+    <dgm:txPr/>
+    <dgm:style>
+      <a:lnRef idx="2">
+        <a:scrgbClr r="0" g="0" b="0"/>
+      </a:lnRef>
+      <a:fillRef idx="1">
+        <a:scrgbClr r="0" g="0" b="0"/>
+      </a:fillRef>
+      <a:effectRef idx="0">
+        <a:scrgbClr r="0" g="0" b="0"/>
+      </a:effectRef>
+      <a:fontRef idx="minor">
+        <a:schemeClr val="lt1"/>
+      </a:fontRef>
+    </dgm:style>
+  </dgm:styleLbl>
+  <dgm:styleLbl name="asst1">
+    <dgm:scene3d>
+      <a:camera prst="orthographicFront"/>
+      <a:lightRig rig="threePt" dir="t"/>
+    </dgm:scene3d>
+    <dgm:sp3d/>
+    <dgm:txPr/>
+    <dgm:style>
+      <a:lnRef idx="2">
+        <a:scrgbClr r="0" g="0" b="0"/>
+      </a:lnRef>
+      <a:fillRef idx="1">
+        <a:scrgbClr r="0" g="0" b="0"/>
+      </a:fillRef>
+      <a:effectRef idx="0">
+        <a:scrgbClr r="0" g="0" b="0"/>
+      </a:effectRef>
+      <a:fontRef idx="minor">
+        <a:schemeClr val="lt1"/>
+      </a:fontRef>
+    </dgm:style>
+  </dgm:styleLbl>
+  <dgm:styleLbl name="asst2">
+    <dgm:scene3d>
+      <a:camera prst="orthographicFront"/>
+      <a:lightRig rig="threePt" dir="t"/>
+    </dgm:scene3d>
+    <dgm:sp3d/>
+    <dgm:txPr/>
+    <dgm:style>
+      <a:lnRef idx="2">
+        <a:scrgbClr r="0" g="0" b="0"/>
+      </a:lnRef>
+      <a:fillRef idx="1">
+        <a:scrgbClr r="0" g="0" b="0"/>
+      </a:fillRef>
+      <a:effectRef idx="0">
+        <a:scrgbClr r="0" g="0" b="0"/>
+      </a:effectRef>
+      <a:fontRef idx="minor">
+        <a:schemeClr val="lt1"/>
+      </a:fontRef>
+    </dgm:style>
+  </dgm:styleLbl>
+  <dgm:styleLbl name="asst3">
+    <dgm:scene3d>
+      <a:camera prst="orthographicFront"/>
+      <a:lightRig rig="threePt" dir="t"/>
+    </dgm:scene3d>
+    <dgm:sp3d/>
+    <dgm:txPr/>
+    <dgm:style>
+      <a:lnRef idx="2">
+        <a:scrgbClr r="0" g="0" b="0"/>
+      </a:lnRef>
+      <a:fillRef idx="1">
+        <a:scrgbClr r="0" g="0" b="0"/>
+      </a:fillRef>
+      <a:effectRef idx="0">
+        <a:scrgbClr r="0" g="0" b="0"/>
+      </a:effectRef>
+      <a:fontRef idx="minor">
+        <a:schemeClr val="lt1"/>
+      </a:fontRef>
+    </dgm:style>
+  </dgm:styleLbl>
+  <dgm:styleLbl name="asst4">
+    <dgm:scene3d>
+      <a:camera prst="orthographicFront"/>
+      <a:lightRig rig="threePt" dir="t"/>
+    </dgm:scene3d>
+    <dgm:sp3d/>
+    <dgm:txPr/>
+    <dgm:style>
+      <a:lnRef idx="2">
+        <a:scrgbClr r="0" g="0" b="0"/>
+      </a:lnRef>
+      <a:fillRef idx="1">
+        <a:scrgbClr r="0" g="0" b="0"/>
+      </a:fillRef>
+      <a:effectRef idx="0">
+        <a:scrgbClr r="0" g="0" b="0"/>
+      </a:effectRef>
+      <a:fontRef idx="minor">
+        <a:schemeClr val="lt1"/>
+      </a:fontRef>
+    </dgm:style>
+  </dgm:styleLbl>
+  <dgm:styleLbl name="parChTrans2D1">
+    <dgm:scene3d>
+      <a:camera prst="orthographicFront"/>
+      <a:lightRig rig="threePt" dir="t"/>
+    </dgm:scene3d>
+    <dgm:sp3d/>
+    <dgm:txPr/>
+    <dgm:style>
+      <a:lnRef idx="2">
+        <a:scrgbClr r="0" g="0" b="0"/>
+      </a:lnRef>
+      <a:fillRef idx="1">
+        <a:scrgbClr r="0" g="0" b="0"/>
+      </a:fillRef>
+      <a:effectRef idx="0">
+        <a:scrgbClr r="0" g="0" b="0"/>
+      </a:effectRef>
+      <a:fontRef idx="minor">
+        <a:schemeClr val="lt1"/>
+      </a:fontRef>
+    </dgm:style>
+  </dgm:styleLbl>
+  <dgm:styleLbl name="parChTrans2D2">
+    <dgm:scene3d>
+      <a:camera prst="orthographicFront"/>
+      <a:lightRig rig="threePt" dir="t"/>
+    </dgm:scene3d>
+    <dgm:sp3d/>
+    <dgm:txPr/>
+    <dgm:style>
+      <a:lnRef idx="2">
+        <a:scrgbClr r="0" g="0" b="0"/>
+      </a:lnRef>
+      <a:fillRef idx="1">
+        <a:scrgbClr r="0" g="0" b="0"/>
+      </a:fillRef>
+      <a:effectRef idx="0">
+        <a:scrgbClr r="0" g="0" b="0"/>
+      </a:effectRef>
+      <a:fontRef idx="minor">
+        <a:schemeClr val="lt1"/>
+      </a:fontRef>
+    </dgm:style>
+  </dgm:styleLbl>
+  <dgm:styleLbl name="parChTrans2D3">
+    <dgm:scene3d>
+      <a:camera prst="orthographicFront"/>
+      <a:lightRig rig="threePt" dir="t"/>
+    </dgm:scene3d>
+    <dgm:sp3d/>
+    <dgm:txPr/>
+    <dgm:style>
+      <a:lnRef idx="2">
+        <a:scrgbClr r="0" g="0" b="0"/>
+      </a:lnRef>
+      <a:fillRef idx="1">
+        <a:scrgbClr r="0" g="0" b="0"/>
+      </a:fillRef>
+      <a:effectRef idx="0">
+        <a:scrgbClr r="0" g="0" b="0"/>
+      </a:effectRef>
+      <a:fontRef idx="minor">
+        <a:schemeClr val="lt1"/>
+      </a:fontRef>
+    </dgm:style>
+  </dgm:styleLbl>
+  <dgm:styleLbl name="parChTrans2D4">
+    <dgm:scene3d>
+      <a:camera prst="orthographicFront"/>
+      <a:lightRig rig="threePt" dir="t"/>
+    </dgm:scene3d>
+    <dgm:sp3d/>
+    <dgm:txPr/>
+    <dgm:style>
+      <a:lnRef idx="2">
+        <a:scrgbClr r="0" g="0" b="0"/>
+      </a:lnRef>
+      <a:fillRef idx="1">
+        <a:scrgbClr r="0" g="0" b="0"/>
+      </a:fillRef>
+      <a:effectRef idx="0">
+        <a:scrgbClr r="0" g="0" b="0"/>
+      </a:effectRef>
+      <a:fontRef idx="minor">
+        <a:schemeClr val="lt1"/>
+      </a:fontRef>
+    </dgm:style>
+  </dgm:styleLbl>
+  <dgm:styleLbl name="parChTrans1D1">
+    <dgm:scene3d>
+      <a:camera prst="orthographicFront"/>
+      <a:lightRig rig="threePt" dir="t"/>
+    </dgm:scene3d>
+    <dgm:sp3d/>
+    <dgm:txPr/>
+    <dgm:style>
+      <a:lnRef idx="2">
+        <a:scrgbClr r="0" g="0" b="0"/>
+      </a:lnRef>
+      <a:fillRef idx="0">
+        <a:scrgbClr r="0" g="0" b="0"/>
+      </a:fillRef>
+      <a:effectRef idx="0">
+        <a:scrgbClr r="0" g="0" b="0"/>
+      </a:effectRef>
+      <a:fontRef idx="minor"/>
+    </dgm:style>
+  </dgm:styleLbl>
+  <dgm:styleLbl name="parChTrans1D2">
+    <dgm:scene3d>
+      <a:camera prst="orthographicFront"/>
+      <a:lightRig rig="threePt" dir="t"/>
+    </dgm:scene3d>
+    <dgm:sp3d/>
+    <dgm:txPr/>
+    <dgm:style>
+      <a:lnRef idx="2">
+        <a:scrgbClr r="0" g="0" b="0"/>
+      </a:lnRef>
+      <a:fillRef idx="0">
+        <a:scrgbClr r="0" g="0" b="0"/>
+      </a:fillRef>
+      <a:effectRef idx="0">
+        <a:scrgbClr r="0" g="0" b="0"/>
+      </a:effectRef>
+      <a:fontRef idx="minor"/>
+    </dgm:style>
+  </dgm:styleLbl>
+  <dgm:styleLbl name="parChTrans1D3">
+    <dgm:scene3d>
+      <a:camera prst="orthographicFront"/>
+      <a:lightRig rig="threePt" dir="t"/>
+    </dgm:scene3d>
+    <dgm:sp3d/>
+    <dgm:txPr/>
+    <dgm:style>
+      <a:lnRef idx="2">
+        <a:scrgbClr r="0" g="0" b="0"/>
+      </a:lnRef>
+      <a:fillRef idx="0">
+        <a:scrgbClr r="0" g="0" b="0"/>
+      </a:fillRef>
+      <a:effectRef idx="0">
+        <a:scrgbClr r="0" g="0" b="0"/>
+      </a:effectRef>
+      <a:fontRef idx="minor"/>
+    </dgm:style>
+  </dgm:styleLbl>
+  <dgm:styleLbl name="parChTrans1D4">
+    <dgm:scene3d>
+      <a:camera prst="orthographicFront"/>
+      <a:lightRig rig="threePt" dir="t"/>
+    </dgm:scene3d>
+    <dgm:sp3d/>
+    <dgm:txPr/>
+    <dgm:style>
+      <a:lnRef idx="2">
+        <a:scrgbClr r="0" g="0" b="0"/>
+      </a:lnRef>
+      <a:fillRef idx="0">
+        <a:scrgbClr r="0" g="0" b="0"/>
+      </a:fillRef>
+      <a:effectRef idx="0">
+        <a:scrgbClr r="0" g="0" b="0"/>
+      </a:effectRef>
+      <a:fontRef idx="minor"/>
+    </dgm:style>
+  </dgm:styleLbl>
+  <dgm:styleLbl name="fgAcc1">
+    <dgm:scene3d>
+      <a:camera prst="orthographicFront"/>
+      <a:lightRig rig="threePt" dir="t"/>
+    </dgm:scene3d>
+    <dgm:sp3d/>
+    <dgm:txPr/>
+    <dgm:style>
+      <a:lnRef idx="2">
+        <a:scrgbClr r="0" g="0" b="0"/>
+      </a:lnRef>
+      <a:fillRef idx="1">
+        <a:scrgbClr r="0" g="0" b="0"/>
+      </a:fillRef>
+      <a:effectRef idx="0">
+        <a:scrgbClr r="0" g="0" b="0"/>
+      </a:effectRef>
+      <a:fontRef idx="minor"/>
+    </dgm:style>
+  </dgm:styleLbl>
+  <dgm:styleLbl name="conFgAcc1">
+    <dgm:scene3d>
+      <a:camera prst="orthographicFront"/>
+      <a:lightRig rig="threePt" dir="t"/>
+    </dgm:scene3d>
+    <dgm:sp3d/>
+    <dgm:txPr/>
+    <dgm:style>
+      <a:lnRef idx="2">
+        <a:scrgbClr r="0" g="0" b="0"/>
+      </a:lnRef>
+      <a:fillRef idx="1">
+        <a:scrgbClr r="0" g="0" b="0"/>
+      </a:fillRef>
+      <a:effectRef idx="0">
+        <a:scrgbClr r="0" g="0" b="0"/>
+      </a:effectRef>
+      <a:fontRef idx="minor"/>
+    </dgm:style>
+  </dgm:styleLbl>
+  <dgm:styleLbl name="alignAcc1">
+    <dgm:scene3d>
+      <a:camera prst="orthographicFront"/>
+      <a:lightRig rig="threePt" dir="t"/>
+    </dgm:scene3d>
+    <dgm:sp3d/>
+    <dgm:txPr/>
+    <dgm:style>
+      <a:lnRef idx="2">
+        <a:scrgbClr r="0" g="0" b="0"/>
+      </a:lnRef>
+      <a:fillRef idx="1">
+        <a:scrgbClr r="0" g="0" b="0"/>
+      </a:fillRef>
+      <a:effectRef idx="0">
+        <a:scrgbClr r="0" g="0" b="0"/>
+      </a:effectRef>
+      <a:fontRef idx="minor"/>
+    </dgm:style>
+  </dgm:styleLbl>
+  <dgm:styleLbl name="trAlignAcc1">
+    <dgm:scene3d>
+      <a:camera prst="orthographicFront"/>
+      <a:lightRig rig="threePt" dir="t"/>
+    </dgm:scene3d>
+    <dgm:sp3d/>
+    <dgm:txPr/>
+    <dgm:style>
+      <a:lnRef idx="1">
+        <a:scrgbClr r="0" g="0" b="0"/>
+      </a:lnRef>
+      <a:fillRef idx="1">
+        <a:scrgbClr r="0" g="0" b="0"/>
+      </a:fillRef>
+      <a:effectRef idx="0">
+        <a:scrgbClr r="0" g="0" b="0"/>
+      </a:effectRef>
+      <a:fontRef idx="minor"/>
+    </dgm:style>
+  </dgm:styleLbl>
+  <dgm:styleLbl name="bgAcc1">
+    <dgm:scene3d>
+      <a:camera prst="orthographicFront"/>
+      <a:lightRig rig="threePt" dir="t"/>
+    </dgm:scene3d>
+    <dgm:sp3d/>
+    <dgm:txPr/>
+    <dgm:style>
+      <a:lnRef idx="2">
+        <a:scrgbClr r="0" g="0" b="0"/>
+      </a:lnRef>
+      <a:fillRef idx="1">
+        <a:scrgbClr r="0" g="0" b="0"/>
+      </a:fillRef>
+      <a:effectRef idx="0">
+        <a:scrgbClr r="0" g="0" b="0"/>
+      </a:effectRef>
+      <a:fontRef idx="minor"/>
+    </dgm:style>
+  </dgm:styleLbl>
+  <dgm:styleLbl name="solidFgAcc1">
+    <dgm:scene3d>
+      <a:camera prst="orthographicFront"/>
+      <a:lightRig rig="threePt" dir="t"/>
+    </dgm:scene3d>
+    <dgm:sp3d/>
+    <dgm:txPr/>
+    <dgm:style>
+      <a:lnRef idx="2">
+        <a:scrgbClr r="0" g="0" b="0"/>
+      </a:lnRef>
+      <a:fillRef idx="1">
+        <a:scrgbClr r="0" g="0" b="0"/>
+      </a:fillRef>
+      <a:effectRef idx="0">
+        <a:scrgbClr r="0" g="0" b="0"/>
+      </a:effectRef>
+      <a:fontRef idx="minor"/>
+    </dgm:style>
+  </dgm:styleLbl>
+  <dgm:styleLbl name="solidAlignAcc1">
+    <dgm:scene3d>
+      <a:camera prst="orthographicFront"/>
+      <a:lightRig rig="threePt" dir="t"/>
+    </dgm:scene3d>
+    <dgm:sp3d/>
+    <dgm:txPr/>
+    <dgm:style>
+      <a:lnRef idx="2">
+        <a:scrgbClr r="0" g="0" b="0"/>
+      </a:lnRef>
+      <a:fillRef idx="1">
+        <a:scrgbClr r="0" g="0" b="0"/>
+      </a:fillRef>
+      <a:effectRef idx="0">
+        <a:scrgbClr r="0" g="0" b="0"/>
+      </a:effectRef>
+      <a:fontRef idx="minor"/>
+    </dgm:style>
+  </dgm:styleLbl>
+  <dgm:styleLbl name="solidBgAcc1">
+    <dgm:scene3d>
+      <a:camera prst="orthographicFront"/>
+      <a:lightRig rig="threePt" dir="t"/>
+    </dgm:scene3d>
+    <dgm:sp3d/>
+    <dgm:txPr/>
+    <dgm:style>
+      <a:lnRef idx="2">
+        <a:scrgbClr r="0" g="0" b="0"/>
+      </a:lnRef>
+      <a:fillRef idx="1">
+        <a:scrgbClr r="0" g="0" b="0"/>
+      </a:fillRef>
+      <a:effectRef idx="0">
+        <a:scrgbClr r="0" g="0" b="0"/>
+      </a:effectRef>
+      <a:fontRef idx="minor"/>
+    </dgm:style>
+  </dgm:styleLbl>
+  <dgm:styleLbl name="fgAccFollowNode1">
+    <dgm:scene3d>
+      <a:camera prst="orthographicFront"/>
+      <a:lightRig rig="threePt" dir="t"/>
+    </dgm:scene3d>
+    <dgm:sp3d/>
+    <dgm:txPr/>
+    <dgm:style>
+      <a:lnRef idx="2">
+        <a:scrgbClr r="0" g="0" b="0"/>
+      </a:lnRef>
+      <a:fillRef idx="1">
+        <a:scrgbClr r="0" g="0" b="0"/>
+      </a:fillRef>
+      <a:effectRef idx="0">
+        <a:scrgbClr r="0" g="0" b="0"/>
+      </a:effectRef>
+      <a:fontRef idx="minor"/>
+    </dgm:style>
+  </dgm:styleLbl>
+  <dgm:styleLbl name="alignAccFollowNode1">
+    <dgm:scene3d>
+      <a:camera prst="orthographicFront"/>
+      <a:lightRig rig="threePt" dir="t"/>
+    </dgm:scene3d>
+    <dgm:sp3d/>
+    <dgm:txPr/>
+    <dgm:style>
+      <a:lnRef idx="2">
+        <a:scrgbClr r="0" g="0" b="0"/>
+      </a:lnRef>
+      <a:fillRef idx="1">
+        <a:scrgbClr r="0" g="0" b="0"/>
+      </a:fillRef>
+      <a:effectRef idx="0">
+        <a:scrgbClr r="0" g="0" b="0"/>
+      </a:effectRef>
+      <a:fontRef idx="minor"/>
+    </dgm:style>
+  </dgm:styleLbl>
+  <dgm:styleLbl name="bgAccFollowNode1">
+    <dgm:scene3d>
+      <a:camera prst="orthographicFront"/>
+      <a:lightRig rig="threePt" dir="t"/>
+    </dgm:scene3d>
+    <dgm:sp3d/>
+    <dgm:txPr/>
+    <dgm:style>
+      <a:lnRef idx="2">
+        <a:scrgbClr r="0" g="0" b="0"/>
+      </a:lnRef>
+      <a:fillRef idx="1">
+        <a:scrgbClr r="0" g="0" b="0"/>
+      </a:fillRef>
+      <a:effectRef idx="0">
+        <a:scrgbClr r="0" g="0" b="0"/>
+      </a:effectRef>
+      <a:fontRef idx="minor"/>
+    </dgm:style>
+  </dgm:styleLbl>
+  <dgm:styleLbl name="fgAcc0">
+    <dgm:scene3d>
+      <a:camera prst="orthographicFront"/>
+      <a:lightRig rig="threePt" dir="t"/>
+    </dgm:scene3d>
+    <dgm:sp3d/>
+    <dgm:txPr/>
+    <dgm:style>
+      <a:lnRef idx="2">
+        <a:scrgbClr r="0" g="0" b="0"/>
+      </a:lnRef>
+      <a:fillRef idx="1">
+        <a:scrgbClr r="0" g="0" b="0"/>
+      </a:fillRef>
+      <a:effectRef idx="0">
+        <a:scrgbClr r="0" g="0" b="0"/>
+      </a:effectRef>
+      <a:fontRef idx="minor"/>
+    </dgm:style>
+  </dgm:styleLbl>
+  <dgm:styleLbl name="fgAcc2">
+    <dgm:scene3d>
+      <a:camera prst="orthographicFront"/>
+      <a:lightRig rig="threePt" dir="t"/>
+    </dgm:scene3d>
+    <dgm:sp3d/>
+    <dgm:txPr/>
+    <dgm:style>
+      <a:lnRef idx="2">
+        <a:scrgbClr r="0" g="0" b="0"/>
+      </a:lnRef>
+      <a:fillRef idx="1">
+        <a:scrgbClr r="0" g="0" b="0"/>
+      </a:fillRef>
+      <a:effectRef idx="0">
+        <a:scrgbClr r="0" g="0" b="0"/>
+      </a:effectRef>
+      <a:fontRef idx="minor"/>
+    </dgm:style>
+  </dgm:styleLbl>
+  <dgm:styleLbl name="fgAcc3">
+    <dgm:scene3d>
+      <a:camera prst="orthographicFront"/>
+      <a:lightRig rig="threePt" dir="t"/>
+    </dgm:scene3d>
+    <dgm:sp3d/>
+    <dgm:txPr/>
+    <dgm:style>
+      <a:lnRef idx="2">
+        <a:scrgbClr r="0" g="0" b="0"/>
+      </a:lnRef>
+      <a:fillRef idx="1">
+        <a:scrgbClr r="0" g="0" b="0"/>
+      </a:fillRef>
+      <a:effectRef idx="0">
+        <a:scrgbClr r="0" g="0" b="0"/>
+      </a:effectRef>
+      <a:fontRef idx="minor"/>
+    </dgm:style>
+  </dgm:styleLbl>
+  <dgm:styleLbl name="fgAcc4">
+    <dgm:scene3d>
+      <a:camera prst="orthographicFront"/>
+      <a:lightRig rig="threePt" dir="t"/>
+    </dgm:scene3d>
+    <dgm:sp3d/>
+    <dgm:txPr/>
+    <dgm:style>
+      <a:lnRef idx="2">
+        <a:scrgbClr r="0" g="0" b="0"/>
+      </a:lnRef>
+      <a:fillRef idx="1">
+        <a:scrgbClr r="0" g="0" b="0"/>
+      </a:fillRef>
+      <a:effectRef idx="0">
+        <a:scrgbClr r="0" g="0" b="0"/>
+      </a:effectRef>
+      <a:fontRef idx="minor"/>
+    </dgm:style>
+  </dgm:styleLbl>
+  <dgm:styleLbl name="bgShp">
+    <dgm:scene3d>
+      <a:camera prst="orthographicFront"/>
+      <a:lightRig rig="threePt" dir="t"/>
+    </dgm:scene3d>
+    <dgm:sp3d/>
+    <dgm:txPr/>
+    <dgm:style>
+      <a:lnRef idx="0">
+        <a:scrgbClr r="0" g="0" b="0"/>
+      </a:lnRef>
+      <a:fillRef idx="1">
+        <a:scrgbClr r="0" g="0" b="0"/>
+      </a:fillRef>
+      <a:effectRef idx="0">
+        <a:scrgbClr r="0" g="0" b="0"/>
+      </a:effectRef>
+      <a:fontRef idx="minor"/>
+    </dgm:style>
+  </dgm:styleLbl>
+  <dgm:styleLbl name="dkBgShp">
+    <dgm:scene3d>
+      <a:camera prst="orthographicFront"/>
+      <a:lightRig rig="threePt" dir="t"/>
+    </dgm:scene3d>
+    <dgm:sp3d/>
+    <dgm:txPr/>
+    <dgm:style>
+      <a:lnRef idx="0">
+        <a:scrgbClr r="0" g="0" b="0"/>
+      </a:lnRef>
+      <a:fillRef idx="1">
+        <a:scrgbClr r="0" g="0" b="0"/>
+      </a:fillRef>
+      <a:effectRef idx="0">
+        <a:scrgbClr r="0" g="0" b="0"/>
+      </a:effectRef>
+      <a:fontRef idx="minor"/>
+    </dgm:style>
+  </dgm:styleLbl>
+  <dgm:styleLbl name="trBgShp">
+    <dgm:scene3d>
+      <a:camera prst="orthographicFront"/>
+      <a:lightRig rig="threePt" dir="t"/>
+    </dgm:scene3d>
+    <dgm:sp3d/>
+    <dgm:txPr/>
+    <dgm:style>
+      <a:lnRef idx="0">
+        <a:scrgbClr r="0" g="0" b="0"/>
+      </a:lnRef>
+      <a:fillRef idx="1">
+        <a:scrgbClr r="0" g="0" b="0"/>
+      </a:fillRef>
+      <a:effectRef idx="0">
+        <a:scrgbClr r="0" g="0" b="0"/>
+      </a:effectRef>
+      <a:fontRef idx="minor"/>
+    </dgm:style>
+  </dgm:styleLbl>
+  <dgm:styleLbl name="fgShp">
+    <dgm:scene3d>
+      <a:camera prst="orthographicFront"/>
+      <a:lightRig rig="threePt" dir="t"/>
+    </dgm:scene3d>
+    <dgm:sp3d/>
+    <dgm:txPr/>
+    <dgm:style>
+      <a:lnRef idx="2">
+        <a:scrgbClr r="0" g="0" b="0"/>
+      </a:lnRef>
+      <a:fillRef idx="1">
+        <a:scrgbClr r="0" g="0" b="0"/>
+      </a:fillRef>
+      <a:effectRef idx="0">
+        <a:scrgbClr r="0" g="0" b="0"/>
+      </a:effectRef>
+      <a:fontRef idx="minor"/>
+    </dgm:style>
+  </dgm:styleLbl>
+  <dgm:styleLbl name="revTx">
+    <dgm:scene3d>
+      <a:camera prst="orthographicFront"/>
+      <a:lightRig rig="threePt" dir="t"/>
+    </dgm:scene3d>
+    <dgm:sp3d/>
+    <dgm:txPr/>
+    <dgm:style>
+      <a:lnRef idx="0">
+        <a:scrgbClr r="0" g="0" b="0"/>
+      </a:lnRef>
+      <a:fillRef idx="0">
+        <a:scrgbClr r="0" g="0" b="0"/>
+      </a:fillRef>
+      <a:effectRef idx="0">
+        <a:scrgbClr r="0" g="0" b="0"/>
+      </a:effectRef>
+      <a:fontRef idx="minor"/>
+    </dgm:style>
+  </dgm:styleLbl>
+</dgm:styleDef>
+</file>
+
+<file path=ppt/diagrams/quickStyle2.xml><?xml version="1.0" encoding="utf-8"?>
 <dgm:styleDef xmlns:dgm="http://schemas.openxmlformats.org/drawingml/2006/diagram" xmlns:a="http://schemas.openxmlformats.org/drawingml/2006/main" uniqueId="urn:microsoft.com/office/officeart/2005/8/quickstyle/simple1">
   <dgm:title val=""/>
   <dgm:desc val=""/>
@@ -13520,7 +17770,7 @@
           <a:p>
             <a:fld id="{12241623-A064-4BED-B073-BA4D61433402}" type="datetime1">
               <a:rPr lang="en-US" smtClean="0"/>
-              <a:t>6/8/2023</a:t>
+              <a:t>6/12/2023</a:t>
             </a:fld>
             <a:endParaRPr lang="en-US" dirty="0"/>
           </a:p>
@@ -14331,7 +18581,7 @@
           <a:p>
             <a:fld id="{6F86ED0C-1DA7-41F0-94CF-6218B1FEDFF1}" type="datetime1">
               <a:rPr lang="en-US" smtClean="0"/>
-              <a:t>6/8/2023</a:t>
+              <a:t>6/12/2023</a:t>
             </a:fld>
             <a:endParaRPr lang="en-US" dirty="0"/>
           </a:p>
@@ -14530,7 +18780,7 @@
           <a:p>
             <a:fld id="{EECF02AB-6034-4B88-BC5A-7C17CB0EF809}" type="datetime1">
               <a:rPr lang="en-US" smtClean="0"/>
-              <a:t>6/8/2023</a:t>
+              <a:t>6/12/2023</a:t>
             </a:fld>
             <a:endParaRPr lang="en-US" dirty="0"/>
           </a:p>
@@ -14765,7 +19015,7 @@
           <a:p>
             <a:fld id="{22F3E5F3-28EE-488F-BD53-B744C06C3DEC}" type="datetime1">
               <a:rPr lang="en-US" smtClean="0"/>
-              <a:t>6/8/2023</a:t>
+              <a:t>6/12/2023</a:t>
             </a:fld>
             <a:endParaRPr lang="en-US" dirty="0"/>
           </a:p>
@@ -17458,7 +21708,7 @@
           <a:p>
             <a:fld id="{E72EB70D-CD01-44DA-83B3-8FEB3383D307}" type="datetime1">
               <a:rPr lang="en-US" smtClean="0"/>
-              <a:t>6/8/2023</a:t>
+              <a:t>6/12/2023</a:t>
             </a:fld>
             <a:endParaRPr lang="en-US" dirty="0"/>
           </a:p>
@@ -17654,7 +21904,7 @@
           <a:p>
             <a:fld id="{D0158CFD-9357-46BE-A189-D637A67C8730}" type="datetime1">
               <a:rPr lang="en-US" smtClean="0"/>
-              <a:t>6/8/2023</a:t>
+              <a:t>6/12/2023</a:t>
             </a:fld>
             <a:endParaRPr lang="en-US" dirty="0"/>
           </a:p>
@@ -18043,7 +22293,7 @@
           <a:p>
             <a:fld id="{7B4742EE-B331-4632-BD10-A82FED6B6FC0}" type="datetime1">
               <a:rPr lang="en-US" smtClean="0"/>
-              <a:t>6/8/2023</a:t>
+              <a:t>6/12/2023</a:t>
             </a:fld>
             <a:endParaRPr lang="en-US" dirty="0"/>
           </a:p>
@@ -18209,7 +22459,7 @@
           <a:p>
             <a:fld id="{451BA835-D13F-49F4-8F11-5D576AC65FAD}" type="datetime1">
               <a:rPr lang="en-US" smtClean="0"/>
-              <a:t>6/8/2023</a:t>
+              <a:t>6/12/2023</a:t>
             </a:fld>
             <a:endParaRPr lang="en-US" dirty="0"/>
           </a:p>
@@ -18332,7 +22582,7 @@
           <a:p>
             <a:fld id="{ADBD1799-ACB5-4CB2-86A2-5C574F1C8706}" type="datetime1">
               <a:rPr lang="en-US" smtClean="0"/>
-              <a:t>6/8/2023</a:t>
+              <a:t>6/12/2023</a:t>
             </a:fld>
             <a:endParaRPr lang="en-US" dirty="0"/>
           </a:p>
@@ -18642,7 +22892,7 @@
           <a:p>
             <a:fld id="{ED5DD0D6-7A82-473E-879B-C6ECD6CCCFEC}" type="datetime1">
               <a:rPr lang="en-US" smtClean="0"/>
-              <a:t>6/8/2023</a:t>
+              <a:t>6/12/2023</a:t>
             </a:fld>
             <a:endParaRPr lang="en-US" dirty="0"/>
           </a:p>
@@ -18942,7 +23192,7 @@
           <a:p>
             <a:fld id="{D4605E03-BC17-41A7-854C-DFAB672737DC}" type="datetime1">
               <a:rPr lang="en-US" smtClean="0"/>
-              <a:t>6/8/2023</a:t>
+              <a:t>6/12/2023</a:t>
             </a:fld>
             <a:endParaRPr lang="en-US" dirty="0"/>
           </a:p>
@@ -19194,7 +23444,7 @@
           <a:p>
             <a:fld id="{C4408324-A84C-4A45-93B6-78D079CCE772}" type="datetime1">
               <a:rPr lang="en-US" smtClean="0"/>
-              <a:t>6/8/2023</a:t>
+              <a:t>6/12/2023</a:t>
             </a:fld>
             <a:endParaRPr lang="en-US" dirty="0"/>
           </a:p>
@@ -19791,8 +24041,8 @@
         </p:nvSpPr>
         <p:spPr>
           <a:xfrm>
-            <a:off x="106397" y="723114"/>
-            <a:ext cx="6333471" cy="856304"/>
+            <a:off x="-191317" y="344365"/>
+            <a:ext cx="7201876" cy="1375850"/>
           </a:xfrm>
         </p:spPr>
         <p:txBody>
@@ -19803,14 +24053,14 @@
           <a:p>
             <a:pPr algn="ctr"/>
             <a:r>
-              <a:rPr lang="it-IT" sz="4000" dirty="0" err="1">
+              <a:rPr lang="it-IT" sz="7200" dirty="0" err="1">
                 <a:solidFill>
                   <a:schemeClr val="accent1"/>
                 </a:solidFill>
               </a:rPr>
               <a:t>LSSolver</a:t>
             </a:r>
-            <a:endParaRPr lang="it-IT" sz="4000" dirty="0">
+            <a:endParaRPr lang="it-IT" sz="7200" dirty="0">
               <a:solidFill>
                 <a:schemeClr val="accent1"/>
               </a:solidFill>
@@ -19836,8 +24086,8 @@
         </p:nvSpPr>
         <p:spPr>
           <a:xfrm>
-            <a:off x="618677" y="2098964"/>
-            <a:ext cx="5618839" cy="3959471"/>
+            <a:off x="297873" y="1789482"/>
+            <a:ext cx="6255607" cy="4405505"/>
           </a:xfrm>
         </p:spPr>
         <p:txBody>
@@ -19846,42 +24096,39 @@
           </a:bodyPr>
           <a:lstStyle/>
           <a:p>
+            <a:pPr algn="ctr"/>
             <a:r>
-              <a:rPr lang="it-IT" b="1" dirty="0"/>
+              <a:rPr lang="it-IT" sz="3200" b="1" dirty="0">
+                <a:solidFill>
+                  <a:srgbClr val="FF0000"/>
+                </a:solidFill>
+              </a:rPr>
               <a:t>Metodi del Calcolo Scientifico</a:t>
             </a:r>
           </a:p>
           <a:p>
+            <a:pPr algn="ctr"/>
             <a:r>
-              <a:rPr lang="it-IT" sz="2000" dirty="0"/>
+              <a:rPr lang="it-IT" dirty="0"/>
               <a:t>A.A. 2022/2023 - Progetto 1 bis</a:t>
             </a:r>
           </a:p>
           <a:p>
+            <a:pPr algn="ctr"/>
             <a:endParaRPr lang="it-IT" sz="2000" dirty="0"/>
           </a:p>
           <a:p>
-            <a:r>
-              <a:rPr lang="it-IT" sz="2000" dirty="0" err="1"/>
-              <a:t>Grabiele</a:t>
-            </a:r>
+            <a:pPr algn="ctr"/>
             <a:r>
               <a:rPr lang="it-IT" sz="2000" dirty="0"/>
-              <a:t> Lecchi – 852134</a:t>
+              <a:t>Gabriele Lecchi – 852134</a:t>
             </a:r>
           </a:p>
           <a:p>
+            <a:pPr algn="ctr"/>
             <a:r>
               <a:rPr lang="it-IT" sz="2000" dirty="0"/>
-              <a:t>Lorenzo </a:t>
-            </a:r>
-            <a:r>
-              <a:rPr lang="it-IT" sz="2000" dirty="0" err="1"/>
-              <a:t>Tiita</a:t>
-            </a:r>
-            <a:r>
-              <a:rPr lang="it-IT" sz="2000" dirty="0"/>
-              <a:t> - 852107</a:t>
+              <a:t>Lorenzo Titta - 852107</a:t>
             </a:r>
           </a:p>
         </p:txBody>
@@ -20637,19 +24884,21 @@
           </a:xfrm>
         </p:spPr>
         <p:txBody>
-          <a:bodyPr/>
+          <a:bodyPr>
+            <a:normAutofit/>
+          </a:bodyPr>
           <a:lstStyle/>
           <a:p>
             <a:pPr algn="ctr"/>
             <a:r>
-              <a:rPr lang="it-IT" dirty="0">
+              <a:rPr lang="it-IT" sz="5400" dirty="0">
                 <a:solidFill>
                   <a:schemeClr val="accent1"/>
                 </a:solidFill>
               </a:rPr>
               <a:t>Risultati Gradiente</a:t>
             </a:r>
-            <a:endParaRPr lang="it-IT" dirty="0"/>
+            <a:endParaRPr lang="it-IT" sz="5400" dirty="0"/>
           </a:p>
         </p:txBody>
       </p:sp>
@@ -21726,24 +25975,26 @@
         </p:nvSpPr>
         <p:spPr>
           <a:xfrm>
-            <a:off x="1604286" y="-83128"/>
-            <a:ext cx="8769350" cy="1344612"/>
+            <a:off x="1184564" y="-285189"/>
+            <a:ext cx="9431527" cy="1510866"/>
           </a:xfrm>
         </p:spPr>
         <p:txBody>
-          <a:bodyPr/>
+          <a:bodyPr>
+            <a:normAutofit fontScale="90000"/>
+          </a:bodyPr>
           <a:lstStyle/>
           <a:p>
             <a:pPr algn="ctr"/>
             <a:r>
-              <a:rPr lang="it-IT" dirty="0">
+              <a:rPr lang="it-IT" sz="6000" dirty="0">
                 <a:solidFill>
                   <a:schemeClr val="accent1"/>
                 </a:solidFill>
               </a:rPr>
               <a:t>Risultati Gradiente Coniugato</a:t>
             </a:r>
-            <a:endParaRPr lang="it-IT" dirty="0"/>
+            <a:endParaRPr lang="it-IT" sz="6000" dirty="0"/>
           </a:p>
         </p:txBody>
       </p:sp>
@@ -21857,7 +26108,7 @@
           <p:nvPr>
             <p:extLst>
               <p:ext uri="{D42A27DB-BD31-4B8C-83A1-F6EECF244321}">
-                <p14:modId xmlns:p14="http://schemas.microsoft.com/office/powerpoint/2010/main" val="3726253928"/>
+                <p14:modId xmlns:p14="http://schemas.microsoft.com/office/powerpoint/2010/main" val="209629765"/>
               </p:ext>
             </p:extLst>
           </p:nvPr>
@@ -22852,7 +27103,7 @@
                   <a:schemeClr val="tx1"/>
                 </a:solidFill>
               </a:rPr>
-              <a:t>Ringraziamo per l’attenzione</a:t>
+              <a:t>Ringrazio per l’attenzione</a:t>
             </a:r>
           </a:p>
         </p:txBody>
@@ -22910,15 +27161,23 @@
           <a:p>
             <a:pPr algn="ctr"/>
             <a:r>
+              <a:rPr lang="it-IT" sz="5400" dirty="0">
+                <a:solidFill>
+                  <a:schemeClr val="accent1"/>
+                </a:solidFill>
+              </a:rPr>
+              <a:t>Metodo</a:t>
+            </a:r>
+            <a:r>
               <a:rPr lang="it-IT" dirty="0">
                 <a:solidFill>
                   <a:schemeClr val="accent1"/>
                 </a:solidFill>
               </a:rPr>
-              <a:t>Metodo </a:t>
+              <a:t> </a:t>
             </a:r>
             <a:r>
-              <a:rPr lang="it-IT" dirty="0" err="1">
+              <a:rPr lang="it-IT" sz="5400" dirty="0" err="1">
                 <a:solidFill>
                   <a:schemeClr val="accent1"/>
                 </a:solidFill>
@@ -22933,50 +27192,112 @@
           </a:p>
         </p:txBody>
       </p:sp>
+      <p:sp>
+        <p:nvSpPr>
+          <p:cNvPr id="3" name="Segnaposto contenuto 2">
+            <a:extLst>
+              <a:ext uri="{FF2B5EF4-FFF2-40B4-BE49-F238E27FC236}">
+                <a16:creationId xmlns:a16="http://schemas.microsoft.com/office/drawing/2014/main" id="{569A2D80-26A2-515F-7C69-11DC0E178845}"/>
+              </a:ext>
+            </a:extLst>
+          </p:cNvPr>
+          <p:cNvSpPr>
+            <a:spLocks noGrp="1"/>
+          </p:cNvSpPr>
+          <p:nvPr>
+            <p:ph idx="1"/>
+          </p:nvPr>
+        </p:nvSpPr>
+        <p:spPr/>
+        <p:txBody>
+          <a:bodyPr/>
+          <a:lstStyle/>
+          <a:p>
+            <a:r>
+              <a:rPr lang="it-IT" dirty="0"/>
+              <a:t>Il metodo di </a:t>
+            </a:r>
+            <a:r>
+              <a:rPr lang="it-IT" dirty="0" err="1"/>
+              <a:t>Jacobi</a:t>
+            </a:r>
+            <a:r>
+              <a:rPr lang="it-IT" dirty="0"/>
+              <a:t> è un metodo iterativo stazionario per la risoluzione di sistemi lineari. Converge verso la soluzione esatta del sistema lineare, utilizzando valori che vengono calcolati progressivamente.</a:t>
+            </a:r>
+          </a:p>
+          <a:p>
+            <a:endParaRPr lang="it-IT" sz="1800" i="1" kern="100" dirty="0">
+              <a:effectLst/>
+              <a:latin typeface="Cambria Math" panose="02040503050406030204" pitchFamily="18" charset="0"/>
+              <a:ea typeface="Century Gothic" panose="020B0502020202020204" pitchFamily="34" charset="0"/>
+              <a:cs typeface="Times New Roman" panose="02020603050405020304" pitchFamily="18" charset="0"/>
+            </a:endParaRPr>
+          </a:p>
+          <a:p>
+            <a:endParaRPr lang="it-IT" dirty="0"/>
+          </a:p>
+        </p:txBody>
+      </p:sp>
+      <p:pic>
+        <p:nvPicPr>
+          <p:cNvPr id="5" name="Immagine 4">
+            <a:extLst>
+              <a:ext uri="{FF2B5EF4-FFF2-40B4-BE49-F238E27FC236}">
+                <a16:creationId xmlns:a16="http://schemas.microsoft.com/office/drawing/2014/main" id="{100C650A-8985-5460-5870-8B4B9431368D}"/>
+              </a:ext>
+            </a:extLst>
+          </p:cNvPr>
+          <p:cNvPicPr>
+            <a:picLocks noChangeAspect="1"/>
+          </p:cNvPicPr>
+          <p:nvPr/>
+        </p:nvPicPr>
+        <p:blipFill>
+          <a:blip r:embed="rId2"/>
+          <a:stretch>
+            <a:fillRect/>
+          </a:stretch>
+        </p:blipFill>
+        <p:spPr>
+          <a:xfrm>
+            <a:off x="1068699" y="4070003"/>
+            <a:ext cx="4692891" cy="2292468"/>
+          </a:xfrm>
+          <a:prstGeom prst="rect">
+            <a:avLst/>
+          </a:prstGeom>
+        </p:spPr>
+      </p:pic>
       <mc:AlternateContent xmlns:mc="http://schemas.openxmlformats.org/markup-compatibility/2006">
         <mc:Choice xmlns:a14="http://schemas.microsoft.com/office/drawing/2010/main" Requires="a14">
           <p:sp>
             <p:nvSpPr>
-              <p:cNvPr id="3" name="Segnaposto contenuto 2">
+              <p:cNvPr id="6" name="CasellaDiTesto 5">
                 <a:extLst>
                   <a:ext uri="{FF2B5EF4-FFF2-40B4-BE49-F238E27FC236}">
-                    <a16:creationId xmlns:a16="http://schemas.microsoft.com/office/drawing/2014/main" id="{569A2D80-26A2-515F-7C69-11DC0E178845}"/>
+                    <a16:creationId xmlns:a16="http://schemas.microsoft.com/office/drawing/2014/main" id="{0F5DCC59-3D1F-4AD3-02DE-CAF05DDECAD8}"/>
                   </a:ext>
                 </a:extLst>
               </p:cNvPr>
-              <p:cNvSpPr>
-                <a:spLocks noGrp="1"/>
-              </p:cNvSpPr>
-              <p:nvPr>
-                <p:ph idx="1"/>
-              </p:nvPr>
+              <p:cNvSpPr txBox="1"/>
+              <p:nvPr/>
             </p:nvSpPr>
-            <p:spPr/>
+            <p:spPr>
+              <a:xfrm>
+                <a:off x="6255328" y="4686733"/>
+                <a:ext cx="3581400" cy="1059008"/>
+              </a:xfrm>
+              <a:prstGeom prst="rect">
+                <a:avLst/>
+              </a:prstGeom>
+              <a:noFill/>
+            </p:spPr>
             <p:txBody>
-              <a:bodyPr/>
+              <a:bodyPr wrap="square" rtlCol="0">
+                <a:spAutoFit/>
+              </a:bodyPr>
               <a:lstStyle/>
-              <a:p>
-                <a:r>
-                  <a:rPr lang="it-IT" dirty="0"/>
-                  <a:t>Il metodo di </a:t>
-                </a:r>
-                <a:r>
-                  <a:rPr lang="it-IT" dirty="0" err="1"/>
-                  <a:t>Jacobi</a:t>
-                </a:r>
-                <a:r>
-                  <a:rPr lang="it-IT" dirty="0"/>
-                  <a:t> è un metodo iterativo per la risoluzione di sistemi lineari. Converge verso la soluzione esatta del sistema lineare.</a:t>
-                </a:r>
-              </a:p>
-              <a:p>
-                <a:endParaRPr lang="it-IT" sz="1800" i="1" kern="100" dirty="0">
-                  <a:effectLst/>
-                  <a:latin typeface="Cambria Math" panose="02040503050406030204" pitchFamily="18" charset="0"/>
-                  <a:ea typeface="Century Gothic" panose="020B0502020202020204" pitchFamily="34" charset="0"/>
-                  <a:cs typeface="Times New Roman" panose="02020603050405020304" pitchFamily="18" charset="0"/>
-                </a:endParaRPr>
-              </a:p>
               <a:p>
                 <a14:m>
                   <m:oMathPara xmlns:m="http://schemas.openxmlformats.org/officeDocument/2006/math">
@@ -23339,25 +27660,30 @@
         <mc:Fallback>
           <p:sp>
             <p:nvSpPr>
-              <p:cNvPr id="3" name="Segnaposto contenuto 2">
+              <p:cNvPr id="6" name="CasellaDiTesto 5">
                 <a:extLst>
                   <a:ext uri="{FF2B5EF4-FFF2-40B4-BE49-F238E27FC236}">
-                    <a16:creationId xmlns:a16="http://schemas.microsoft.com/office/drawing/2014/main" id="{569A2D80-26A2-515F-7C69-11DC0E178845}"/>
+                    <a16:creationId xmlns:a16="http://schemas.microsoft.com/office/drawing/2014/main" id="{0F5DCC59-3D1F-4AD3-02DE-CAF05DDECAD8}"/>
                   </a:ext>
                 </a:extLst>
               </p:cNvPr>
-              <p:cNvSpPr>
-                <a:spLocks noGrp="1" noRot="1" noChangeAspect="1" noMove="1" noResize="1" noEditPoints="1" noAdjustHandles="1" noChangeArrowheads="1" noChangeShapeType="1" noTextEdit="1"/>
+              <p:cNvSpPr txBox="1">
+                <a:spLocks noRot="1" noChangeAspect="1" noMove="1" noResize="1" noEditPoints="1" noAdjustHandles="1" noChangeArrowheads="1" noChangeShapeType="1" noTextEdit="1"/>
               </p:cNvSpPr>
-              <p:nvPr>
-                <p:ph idx="1"/>
-              </p:nvPr>
+              <p:nvPr/>
             </p:nvSpPr>
             <p:spPr>
+              <a:xfrm>
+                <a:off x="6255328" y="4686733"/>
+                <a:ext cx="3581400" cy="1059008"/>
+              </a:xfrm>
+              <a:prstGeom prst="rect">
+                <a:avLst/>
+              </a:prstGeom>
               <a:blipFill>
-                <a:blip r:embed="rId2"/>
+                <a:blip r:embed="rId3"/>
                 <a:stretch>
-                  <a:fillRect l="-347"/>
+                  <a:fillRect/>
                 </a:stretch>
               </a:blipFill>
             </p:spPr>
@@ -23424,12 +27750,14 @@
         </p:nvSpPr>
         <p:spPr/>
         <p:txBody>
-          <a:bodyPr/>
+          <a:bodyPr>
+            <a:normAutofit/>
+          </a:bodyPr>
           <a:lstStyle/>
           <a:p>
             <a:pPr algn="ctr"/>
             <a:r>
-              <a:rPr lang="it-IT" dirty="0">
+              <a:rPr lang="it-IT" sz="5400" dirty="0">
                 <a:solidFill>
                   <a:schemeClr val="accent1"/>
                 </a:solidFill>
@@ -23437,14 +27765,14 @@
               <a:t>Metodo Gauss-</a:t>
             </a:r>
             <a:r>
-              <a:rPr lang="it-IT" dirty="0" err="1">
+              <a:rPr lang="it-IT" sz="5400" dirty="0" err="1">
                 <a:solidFill>
                   <a:schemeClr val="accent1"/>
                 </a:solidFill>
               </a:rPr>
               <a:t>Seidel</a:t>
             </a:r>
-            <a:endParaRPr lang="it-IT" dirty="0">
+            <a:endParaRPr lang="it-IT" sz="5400" dirty="0">
               <a:solidFill>
                 <a:schemeClr val="accent1"/>
               </a:solidFill>
@@ -23452,50 +27780,90 @@
           </a:p>
         </p:txBody>
       </p:sp>
+      <p:sp>
+        <p:nvSpPr>
+          <p:cNvPr id="3" name="Segnaposto contenuto 2">
+            <a:extLst>
+              <a:ext uri="{FF2B5EF4-FFF2-40B4-BE49-F238E27FC236}">
+                <a16:creationId xmlns:a16="http://schemas.microsoft.com/office/drawing/2014/main" id="{569A2D80-26A2-515F-7C69-11DC0E178845}"/>
+              </a:ext>
+            </a:extLst>
+          </p:cNvPr>
+          <p:cNvSpPr>
+            <a:spLocks noGrp="1"/>
+          </p:cNvSpPr>
+          <p:nvPr>
+            <p:ph idx="1"/>
+          </p:nvPr>
+        </p:nvSpPr>
+        <p:spPr>
+          <a:xfrm>
+            <a:off x="1920240" y="2312276"/>
+            <a:ext cx="8770571" cy="3922269"/>
+          </a:xfrm>
+        </p:spPr>
+        <p:txBody>
+          <a:bodyPr/>
+          <a:lstStyle/>
+          <a:p>
+            <a:r>
+              <a:rPr lang="it-IT" dirty="0"/>
+              <a:t>Il metodo di Gauss-</a:t>
+            </a:r>
+            <a:r>
+              <a:rPr lang="it-IT" dirty="0" err="1"/>
+              <a:t>Seidel</a:t>
+            </a:r>
+            <a:r>
+              <a:rPr lang="it-IT" dirty="0"/>
+              <a:t> è un metodo iterativo stazionario simile a quello di </a:t>
+            </a:r>
+            <a:r>
+              <a:rPr lang="it-IT" dirty="0" err="1"/>
+              <a:t>Jacobi</a:t>
+            </a:r>
+            <a:r>
+              <a:rPr lang="it-IT" dirty="0"/>
+              <a:t>, con la differenza che per il calcolo della soluzione vengono utilizzate le entrate del vettore x già calcolate durante iterazione attuale.</a:t>
+            </a:r>
+          </a:p>
+          <a:p>
+            <a:endParaRPr lang="it-IT" dirty="0"/>
+          </a:p>
+          <a:p>
+            <a:endParaRPr lang="it-IT" dirty="0"/>
+          </a:p>
+        </p:txBody>
+      </p:sp>
       <mc:AlternateContent xmlns:mc="http://schemas.openxmlformats.org/markup-compatibility/2006">
         <mc:Choice xmlns:a14="http://schemas.microsoft.com/office/drawing/2010/main" Requires="a14">
           <p:sp>
             <p:nvSpPr>
-              <p:cNvPr id="3" name="Segnaposto contenuto 2">
+              <p:cNvPr id="4" name="CasellaDiTesto 3">
                 <a:extLst>
                   <a:ext uri="{FF2B5EF4-FFF2-40B4-BE49-F238E27FC236}">
-                    <a16:creationId xmlns:a16="http://schemas.microsoft.com/office/drawing/2014/main" id="{569A2D80-26A2-515F-7C69-11DC0E178845}"/>
+                    <a16:creationId xmlns:a16="http://schemas.microsoft.com/office/drawing/2014/main" id="{4890340E-A9FE-815A-A6EE-3608C7B8B298}"/>
                   </a:ext>
                 </a:extLst>
               </p:cNvPr>
-              <p:cNvSpPr>
-                <a:spLocks noGrp="1"/>
-              </p:cNvSpPr>
-              <p:nvPr>
-                <p:ph idx="1"/>
-              </p:nvPr>
+              <p:cNvSpPr txBox="1"/>
+              <p:nvPr/>
             </p:nvSpPr>
             <p:spPr>
               <a:xfrm>
-                <a:off x="1920240" y="2312276"/>
-                <a:ext cx="8770571" cy="3922269"/>
+                <a:off x="5680364" y="4647483"/>
+                <a:ext cx="5791200" cy="1059008"/>
               </a:xfrm>
+              <a:prstGeom prst="rect">
+                <a:avLst/>
+              </a:prstGeom>
+              <a:noFill/>
             </p:spPr>
             <p:txBody>
-              <a:bodyPr/>
+              <a:bodyPr wrap="square" rtlCol="0">
+                <a:spAutoFit/>
+              </a:bodyPr>
               <a:lstStyle/>
-              <a:p>
-                <a:r>
-                  <a:rPr lang="it-IT" dirty="0"/>
-                  <a:t>Il metodo di Gauss-</a:t>
-                </a:r>
-                <a:r>
-                  <a:rPr lang="it-IT" dirty="0" err="1"/>
-                  <a:t>Seidel</a:t>
-                </a:r>
-                <a:r>
-                  <a:rPr lang="it-IT" dirty="0"/>
-                  <a:t> è un metodo iterativo simile a quello precedentemente esposto, con la differenza che per il calcolo della soluzione vengono utilizzate le entrate del vettore x calcolate nell’iterazione attuale.</a:t>
-                </a:r>
-              </a:p>
-              <a:p>
-                <a:endParaRPr lang="it-IT" dirty="0"/>
-              </a:p>
               <a:p>
                 <a14:m>
                   <m:oMathPara xmlns:m="http://schemas.openxmlformats.org/officeDocument/2006/math">
@@ -24020,29 +28388,30 @@
         <mc:Fallback>
           <p:sp>
             <p:nvSpPr>
-              <p:cNvPr id="3" name="Segnaposto contenuto 2">
+              <p:cNvPr id="4" name="CasellaDiTesto 3">
                 <a:extLst>
                   <a:ext uri="{FF2B5EF4-FFF2-40B4-BE49-F238E27FC236}">
-                    <a16:creationId xmlns:a16="http://schemas.microsoft.com/office/drawing/2014/main" id="{569A2D80-26A2-515F-7C69-11DC0E178845}"/>
+                    <a16:creationId xmlns:a16="http://schemas.microsoft.com/office/drawing/2014/main" id="{4890340E-A9FE-815A-A6EE-3608C7B8B298}"/>
                   </a:ext>
                 </a:extLst>
               </p:cNvPr>
-              <p:cNvSpPr>
-                <a:spLocks noGrp="1" noRot="1" noChangeAspect="1" noMove="1" noResize="1" noEditPoints="1" noAdjustHandles="1" noChangeArrowheads="1" noChangeShapeType="1" noTextEdit="1"/>
+              <p:cNvSpPr txBox="1">
+                <a:spLocks noRot="1" noChangeAspect="1" noMove="1" noResize="1" noEditPoints="1" noAdjustHandles="1" noChangeArrowheads="1" noChangeShapeType="1" noTextEdit="1"/>
               </p:cNvSpPr>
-              <p:nvPr>
-                <p:ph idx="1"/>
-              </p:nvPr>
+              <p:nvPr/>
             </p:nvSpPr>
             <p:spPr>
               <a:xfrm>
-                <a:off x="1920240" y="2312276"/>
-                <a:ext cx="8770571" cy="3922269"/>
+                <a:off x="5680364" y="4647483"/>
+                <a:ext cx="5791200" cy="1059008"/>
               </a:xfrm>
+              <a:prstGeom prst="rect">
+                <a:avLst/>
+              </a:prstGeom>
               <a:blipFill>
                 <a:blip r:embed="rId2"/>
                 <a:stretch>
-                  <a:fillRect l="-347"/>
+                  <a:fillRect/>
                 </a:stretch>
               </a:blipFill>
             </p:spPr>
@@ -24061,6 +28430,36 @@
           </p:sp>
         </mc:Fallback>
       </mc:AlternateContent>
+      <p:pic>
+        <p:nvPicPr>
+          <p:cNvPr id="6" name="Immagine 5">
+            <a:extLst>
+              <a:ext uri="{FF2B5EF4-FFF2-40B4-BE49-F238E27FC236}">
+                <a16:creationId xmlns:a16="http://schemas.microsoft.com/office/drawing/2014/main" id="{CC156701-5D2A-6D3D-81B5-A0B8D6C8592A}"/>
+              </a:ext>
+            </a:extLst>
+          </p:cNvPr>
+          <p:cNvPicPr>
+            <a:picLocks noChangeAspect="1"/>
+          </p:cNvPicPr>
+          <p:nvPr/>
+        </p:nvPicPr>
+        <p:blipFill>
+          <a:blip r:embed="rId3"/>
+          <a:stretch>
+            <a:fillRect/>
+          </a:stretch>
+        </p:blipFill>
+        <p:spPr>
+          <a:xfrm>
+            <a:off x="911269" y="3802421"/>
+            <a:ext cx="4769095" cy="2883048"/>
+          </a:xfrm>
+          <a:prstGeom prst="rect">
+            <a:avLst/>
+          </a:prstGeom>
+        </p:spPr>
+      </p:pic>
     </p:spTree>
     <p:extLst>
       <p:ext uri="{BB962C8B-B14F-4D97-AF65-F5344CB8AC3E}">
@@ -24109,12 +28508,14 @@
         </p:nvSpPr>
         <p:spPr/>
         <p:txBody>
-          <a:bodyPr/>
+          <a:bodyPr>
+            <a:normAutofit/>
+          </a:bodyPr>
           <a:lstStyle/>
           <a:p>
             <a:pPr algn="ctr"/>
             <a:r>
-              <a:rPr lang="it-IT" dirty="0">
+              <a:rPr lang="it-IT" sz="5400" dirty="0">
                 <a:solidFill>
                   <a:schemeClr val="accent1"/>
                 </a:solidFill>
@@ -24154,11 +28555,10 @@
           <a:p>
             <a:r>
               <a:rPr lang="it-IT" dirty="0"/>
-              <a:t>Questo è un metodo iterativo utilizzabile per la risoluzione di sistemi lineari che sfrutta la discesa del gradiente per determinare la miglior direzione su cui muoversi per arrivare alla soluzione ottimale.</a:t>
+              <a:t>Quello del Gradiente è un metodo iterativo non stazionario utilizzabile per la risoluzione di sistemi lineari che sfrutta la discesa del gradiente per determinare la miglior direzione su cui muoversi per arrivare alla soluzione ottimale.</a:t>
             </a:r>
           </a:p>
           <a:p>
-            <a:pPr/>
             <a:endParaRPr lang="it-IT" sz="1800" kern="100" dirty="0">
               <a:effectLst/>
               <a:latin typeface="Century Gothic" panose="020B0502020202020204" pitchFamily="34" charset="0"/>
@@ -24167,7 +28567,6 @@
             </a:endParaRPr>
           </a:p>
           <a:p>
-            <a:pPr/>
             <a:endParaRPr lang="it-IT" sz="1800" i="1" kern="100" dirty="0">
               <a:effectLst/>
               <a:latin typeface="Cambria Math" panose="02040503050406030204" pitchFamily="18" charset="0"/>
@@ -24176,7 +28575,6 @@
             </a:endParaRPr>
           </a:p>
           <a:p>
-            <a:pPr/>
             <a:endParaRPr lang="it-IT" sz="1800" kern="100" dirty="0">
               <a:effectLst/>
               <a:latin typeface="Century Gothic" panose="020B0502020202020204" pitchFamily="34" charset="0"/>
@@ -24213,7 +28611,7 @@
             </p:nvSpPr>
             <p:spPr>
               <a:xfrm>
-                <a:off x="2805545" y="4821382"/>
+                <a:off x="9081653" y="5365275"/>
                 <a:ext cx="2092036" cy="380810"/>
               </a:xfrm>
               <a:prstGeom prst="rect">
@@ -24227,6 +28625,7 @@
               </a:bodyPr>
               <a:lstStyle/>
               <a:p>
+                <a:pPr/>
                 <a14:m>
                   <m:oMathPara xmlns:m="http://schemas.openxmlformats.org/officeDocument/2006/math">
                     <m:oMathParaPr>
@@ -24389,7 +28788,7 @@
             </p:nvSpPr>
             <p:spPr>
               <a:xfrm>
-                <a:off x="2805545" y="4821382"/>
+                <a:off x="9081653" y="5365275"/>
                 <a:ext cx="2092036" cy="380810"/>
               </a:xfrm>
               <a:prstGeom prst="rect">
@@ -24433,7 +28832,7 @@
             </p:nvSpPr>
             <p:spPr>
               <a:xfrm>
-                <a:off x="6428509" y="4314974"/>
+                <a:off x="7467600" y="4184482"/>
                 <a:ext cx="2092036" cy="387927"/>
               </a:xfrm>
               <a:prstGeom prst="rect">
@@ -24447,6 +28846,7 @@
               </a:bodyPr>
               <a:lstStyle/>
               <a:p>
+                <a:pPr/>
                 <a14:m>
                   <m:oMathPara xmlns:m="http://schemas.openxmlformats.org/officeDocument/2006/math">
                     <m:oMathParaPr>
@@ -24696,7 +29096,7 @@
             </p:nvSpPr>
             <p:spPr>
               <a:xfrm>
-                <a:off x="6428509" y="4314974"/>
+                <a:off x="7467600" y="4184482"/>
                 <a:ext cx="2092036" cy="387927"/>
               </a:xfrm>
               <a:prstGeom prst="rect">
@@ -24740,7 +29140,7 @@
             </p:nvSpPr>
             <p:spPr>
               <a:xfrm>
-                <a:off x="5926281" y="5119065"/>
+                <a:off x="5985162" y="5181221"/>
                 <a:ext cx="3096491" cy="714298"/>
               </a:xfrm>
               <a:prstGeom prst="rect">
@@ -24754,6 +29154,7 @@
               </a:bodyPr>
               <a:lstStyle/>
               <a:p>
+                <a:pPr/>
                 <a14:m>
                   <m:oMathPara xmlns:m="http://schemas.openxmlformats.org/officeDocument/2006/math">
                     <m:oMathParaPr>
@@ -25128,7 +29529,7 @@
             </p:nvSpPr>
             <p:spPr>
               <a:xfrm>
-                <a:off x="5926281" y="5119065"/>
+                <a:off x="5985162" y="5181221"/>
                 <a:ext cx="3096491" cy="714298"/>
               </a:xfrm>
               <a:prstGeom prst="rect">
@@ -25156,6 +29557,114 @@
           </p:sp>
         </mc:Fallback>
       </mc:AlternateContent>
+      <p:pic>
+        <p:nvPicPr>
+          <p:cNvPr id="5" name="Immagine 4">
+            <a:extLst>
+              <a:ext uri="{FF2B5EF4-FFF2-40B4-BE49-F238E27FC236}">
+                <a16:creationId xmlns:a16="http://schemas.microsoft.com/office/drawing/2014/main" id="{9EF5CFB7-1CB6-E6E4-200A-4C734DCC693C}"/>
+              </a:ext>
+            </a:extLst>
+          </p:cNvPr>
+          <p:cNvPicPr>
+            <a:picLocks noChangeAspect="1"/>
+          </p:cNvPicPr>
+          <p:nvPr/>
+        </p:nvPicPr>
+        <p:blipFill>
+          <a:blip r:embed="rId5"/>
+          <a:stretch>
+            <a:fillRect/>
+          </a:stretch>
+        </p:blipFill>
+        <p:spPr>
+          <a:xfrm>
+            <a:off x="1570081" y="4514332"/>
+            <a:ext cx="3911801" cy="1701887"/>
+          </a:xfrm>
+          <a:prstGeom prst="rect">
+            <a:avLst/>
+          </a:prstGeom>
+        </p:spPr>
+      </p:pic>
+      <p:cxnSp>
+        <p:nvCxnSpPr>
+          <p:cNvPr id="10" name="Connettore 2 9">
+            <a:extLst>
+              <a:ext uri="{FF2B5EF4-FFF2-40B4-BE49-F238E27FC236}">
+                <a16:creationId xmlns:a16="http://schemas.microsoft.com/office/drawing/2014/main" id="{38E86235-AAA7-06D0-5368-0E2C313D28D1}"/>
+              </a:ext>
+            </a:extLst>
+          </p:cNvPr>
+          <p:cNvCxnSpPr/>
+          <p:nvPr/>
+        </p:nvCxnSpPr>
+        <p:spPr>
+          <a:xfrm flipH="1">
+            <a:off x="8063345" y="4572409"/>
+            <a:ext cx="1170710" cy="498103"/>
+          </a:xfrm>
+          <a:prstGeom prst="straightConnector1">
+            <a:avLst/>
+          </a:prstGeom>
+          <a:ln>
+            <a:tailEnd type="triangle"/>
+          </a:ln>
+        </p:spPr>
+        <p:style>
+          <a:lnRef idx="1">
+            <a:schemeClr val="accent1"/>
+          </a:lnRef>
+          <a:fillRef idx="0">
+            <a:schemeClr val="accent1"/>
+          </a:fillRef>
+          <a:effectRef idx="0">
+            <a:schemeClr val="accent1"/>
+          </a:effectRef>
+          <a:fontRef idx="minor">
+            <a:schemeClr val="tx1"/>
+          </a:fontRef>
+        </p:style>
+      </p:cxnSp>
+      <p:cxnSp>
+        <p:nvCxnSpPr>
+          <p:cNvPr id="12" name="Connettore 2 11">
+            <a:extLst>
+              <a:ext uri="{FF2B5EF4-FFF2-40B4-BE49-F238E27FC236}">
+                <a16:creationId xmlns:a16="http://schemas.microsoft.com/office/drawing/2014/main" id="{9CCF2CA1-C034-8B65-3749-BFDA05500C0F}"/>
+              </a:ext>
+            </a:extLst>
+          </p:cNvPr>
+          <p:cNvCxnSpPr/>
+          <p:nvPr/>
+        </p:nvCxnSpPr>
+        <p:spPr>
+          <a:xfrm>
+            <a:off x="9559636" y="4572409"/>
+            <a:ext cx="787259" cy="608812"/>
+          </a:xfrm>
+          <a:prstGeom prst="straightConnector1">
+            <a:avLst/>
+          </a:prstGeom>
+          <a:ln>
+            <a:tailEnd type="triangle"/>
+          </a:ln>
+        </p:spPr>
+        <p:style>
+          <a:lnRef idx="1">
+            <a:schemeClr val="accent1"/>
+          </a:lnRef>
+          <a:fillRef idx="0">
+            <a:schemeClr val="accent1"/>
+          </a:fillRef>
+          <a:effectRef idx="0">
+            <a:schemeClr val="accent1"/>
+          </a:effectRef>
+          <a:fontRef idx="minor">
+            <a:schemeClr val="tx1"/>
+          </a:fontRef>
+        </p:style>
+      </p:cxnSp>
     </p:spTree>
     <p:extLst>
       <p:ext uri="{BB962C8B-B14F-4D97-AF65-F5344CB8AC3E}">
@@ -25202,14 +29711,21 @@
             <p:ph type="title"/>
           </p:nvPr>
         </p:nvSpPr>
-        <p:spPr/>
+        <p:spPr>
+          <a:xfrm>
+            <a:off x="1496983" y="7799"/>
+            <a:ext cx="9478538" cy="2085362"/>
+          </a:xfrm>
+        </p:spPr>
         <p:txBody>
-          <a:bodyPr/>
+          <a:bodyPr>
+            <a:normAutofit fontScale="90000"/>
+          </a:bodyPr>
           <a:lstStyle/>
           <a:p>
             <a:pPr algn="ctr"/>
             <a:r>
-              <a:rPr lang="it-IT" dirty="0">
+              <a:rPr lang="it-IT" sz="6000" dirty="0">
                 <a:solidFill>
                   <a:schemeClr val="accent1"/>
                 </a:solidFill>
@@ -25247,22 +29763,24 @@
             <a:r>
               <a:rPr lang="it-IT" sz="1800" dirty="0">
                 <a:effectLst/>
-                <a:latin typeface="Century Gothic" panose="020B0502020202020204" pitchFamily="34" charset="0"/>
+                <a:latin typeface="Meiryo (Corpo)"/>
                 <a:ea typeface="Century Gothic" panose="020B0502020202020204" pitchFamily="34" charset="0"/>
                 <a:cs typeface="Century Gothic" panose="020B0502020202020204" pitchFamily="34" charset="0"/>
               </a:rPr>
-              <a:t>un miglioramento del metodo del Gradiente in quanto si rimedia all’effetto di “convergenza a zig-zag"</a:t>
+              <a:t>un miglioramento del metodo del Gradiente in quanto si rimedia all’effetto della “convergenza a zig-zag"</a:t>
             </a:r>
             <a:r>
               <a:rPr lang="it-IT" sz="1800" dirty="0">
                 <a:effectLst/>
-                <a:latin typeface="Century Gothic" panose="020B0502020202020204" pitchFamily="34" charset="0"/>
+                <a:latin typeface="Meiryo (Corpo)"/>
                 <a:ea typeface="Century Gothic" panose="020B0502020202020204" pitchFamily="34" charset="0"/>
                 <a:cs typeface="Times New Roman" panose="02020603050405020304" pitchFamily="18" charset="0"/>
               </a:rPr>
               <a:t>.</a:t>
             </a:r>
-            <a:endParaRPr lang="it-IT" dirty="0"/>
+            <a:endParaRPr lang="it-IT" dirty="0">
+              <a:latin typeface="Meiryo (Corpo)"/>
+            </a:endParaRPr>
           </a:p>
         </p:txBody>
       </p:sp>
@@ -25282,7 +29800,7 @@
             </p:nvSpPr>
             <p:spPr>
               <a:xfrm>
-                <a:off x="2230583" y="4138028"/>
+                <a:off x="6165274" y="4297356"/>
                 <a:ext cx="2971800" cy="664926"/>
               </a:xfrm>
               <a:prstGeom prst="rect">
@@ -25296,6 +29814,7 @@
               </a:bodyPr>
               <a:lstStyle/>
               <a:p>
+                <a:pPr/>
                 <a14:m>
                   <m:oMathPara xmlns:m="http://schemas.openxmlformats.org/officeDocument/2006/math">
                     <m:oMathParaPr>
@@ -25557,7 +30076,7 @@
             </p:nvSpPr>
             <p:spPr>
               <a:xfrm>
-                <a:off x="2230583" y="4138028"/>
+                <a:off x="6165274" y="4297356"/>
                 <a:ext cx="2971800" cy="664926"/>
               </a:xfrm>
               <a:prstGeom prst="rect">
@@ -25601,7 +30120,7 @@
             </p:nvSpPr>
             <p:spPr>
               <a:xfrm>
-                <a:off x="2230583" y="5054128"/>
+                <a:off x="5798128" y="5825746"/>
                 <a:ext cx="2971800" cy="714298"/>
               </a:xfrm>
               <a:prstGeom prst="rect">
@@ -25615,6 +30134,7 @@
               </a:bodyPr>
               <a:lstStyle/>
               <a:p>
+                <a:pPr/>
                 <a14:m>
                   <m:oMathPara xmlns:m="http://schemas.openxmlformats.org/officeDocument/2006/math">
                     <m:oMathParaPr>
@@ -25624,87 +30144,119 @@
                       <m:sSup>
                         <m:sSupPr>
                           <m:ctrlPr>
-                            <a:rPr lang="it-IT" i="1"/>
+                            <a:rPr lang="it-IT" i="1">
+                              <a:latin typeface="Cambria Math" panose="02040503050406030204" pitchFamily="18" charset="0"/>
+                            </a:rPr>
                           </m:ctrlPr>
                         </m:sSupPr>
                         <m:e>
                           <m:r>
-                            <a:rPr lang="it-IT" i="1"/>
+                            <a:rPr lang="it-IT" i="1">
+                              <a:latin typeface="Cambria Math" panose="02040503050406030204" pitchFamily="18" charset="0"/>
+                            </a:rPr>
                             <m:t>𝛼</m:t>
                           </m:r>
                         </m:e>
                         <m:sup>
                           <m:r>
-                            <a:rPr lang="it-IT" i="1"/>
+                            <a:rPr lang="it-IT" i="1">
+                              <a:latin typeface="Cambria Math" panose="02040503050406030204" pitchFamily="18" charset="0"/>
+                            </a:rPr>
                             <m:t>(</m:t>
                           </m:r>
                           <m:r>
-                            <a:rPr lang="it-IT" i="1"/>
+                            <a:rPr lang="it-IT" i="1">
+                              <a:latin typeface="Cambria Math" panose="02040503050406030204" pitchFamily="18" charset="0"/>
+                            </a:rPr>
                             <m:t>𝑘</m:t>
                           </m:r>
                           <m:r>
-                            <a:rPr lang="it-IT" i="1"/>
+                            <a:rPr lang="it-IT" i="1">
+                              <a:latin typeface="Cambria Math" panose="02040503050406030204" pitchFamily="18" charset="0"/>
+                            </a:rPr>
                             <m:t>)</m:t>
                           </m:r>
                         </m:sup>
                       </m:sSup>
                       <m:r>
-                        <a:rPr lang="it-IT" i="1"/>
+                        <a:rPr lang="it-IT" i="1">
+                          <a:latin typeface="Cambria Math" panose="02040503050406030204" pitchFamily="18" charset="0"/>
+                        </a:rPr>
                         <m:t>= </m:t>
                       </m:r>
                       <m:f>
                         <m:fPr>
                           <m:ctrlPr>
-                            <a:rPr lang="it-IT" i="1"/>
+                            <a:rPr lang="it-IT" i="1">
+                              <a:latin typeface="Cambria Math" panose="02040503050406030204" pitchFamily="18" charset="0"/>
+                            </a:rPr>
                           </m:ctrlPr>
                         </m:fPr>
                         <m:num>
                           <m:sSup>
                             <m:sSupPr>
                               <m:ctrlPr>
-                                <a:rPr lang="it-IT" i="1"/>
+                                <a:rPr lang="it-IT" i="1">
+                                  <a:latin typeface="Cambria Math" panose="02040503050406030204" pitchFamily="18" charset="0"/>
+                                </a:rPr>
                               </m:ctrlPr>
                             </m:sSupPr>
                             <m:e>
                               <m:sSup>
                                 <m:sSupPr>
                                   <m:ctrlPr>
-                                    <a:rPr lang="it-IT" i="1"/>
+                                    <a:rPr lang="it-IT" i="1">
+                                      <a:latin typeface="Cambria Math" panose="02040503050406030204" pitchFamily="18" charset="0"/>
+                                    </a:rPr>
                                   </m:ctrlPr>
                                 </m:sSupPr>
                                 <m:e>
                                   <m:r>
-                                    <a:rPr lang="it-IT" i="1"/>
+                                    <a:rPr lang="it-IT" i="1">
+                                      <a:latin typeface="Cambria Math" panose="02040503050406030204" pitchFamily="18" charset="0"/>
+                                    </a:rPr>
                                     <m:t>(</m:t>
                                   </m:r>
                                   <m:r>
-                                    <a:rPr lang="it-IT" i="1"/>
+                                    <a:rPr lang="it-IT" i="1">
+                                      <a:latin typeface="Cambria Math" panose="02040503050406030204" pitchFamily="18" charset="0"/>
+                                    </a:rPr>
                                     <m:t>𝑃</m:t>
                                   </m:r>
                                 </m:e>
                                 <m:sup>
                                   <m:r>
-                                    <a:rPr lang="it-IT" i="1"/>
+                                    <a:rPr lang="it-IT" i="1">
+                                      <a:latin typeface="Cambria Math" panose="02040503050406030204" pitchFamily="18" charset="0"/>
+                                    </a:rPr>
                                     <m:t>(</m:t>
                                   </m:r>
                                   <m:r>
-                                    <a:rPr lang="it-IT" i="1"/>
+                                    <a:rPr lang="it-IT" i="1">
+                                      <a:latin typeface="Cambria Math" panose="02040503050406030204" pitchFamily="18" charset="0"/>
+                                    </a:rPr>
                                     <m:t>𝑘</m:t>
                                   </m:r>
                                   <m:r>
-                                    <a:rPr lang="it-IT" i="1"/>
+                                    <a:rPr lang="it-IT" i="1">
+                                      <a:latin typeface="Cambria Math" panose="02040503050406030204" pitchFamily="18" charset="0"/>
+                                    </a:rPr>
                                     <m:t>)</m:t>
                                   </m:r>
                                 </m:sup>
                               </m:sSup>
                               <m:r>
-                                <a:rPr lang="it-IT" i="1"/>
+                                <a:rPr lang="it-IT" i="1">
+                                  <a:latin typeface="Cambria Math" panose="02040503050406030204" pitchFamily="18" charset="0"/>
+                                </a:rPr>
                                 <m:t>)</m:t>
                               </m:r>
                             </m:e>
                             <m:sup>
                               <m:r>
-                                <a:rPr lang="it-IT" i="1"/>
+                                <a:rPr lang="it-IT" i="1">
+                                  <a:latin typeface="Cambria Math" panose="02040503050406030204" pitchFamily="18" charset="0"/>
+                                </a:rPr>
                                 <m:t>𝑇</m:t>
                               </m:r>
                             </m:sup>
@@ -25712,26 +30264,36 @@
                           <m:sSup>
                             <m:sSupPr>
                               <m:ctrlPr>
-                                <a:rPr lang="it-IT" i="1"/>
+                                <a:rPr lang="it-IT" i="1">
+                                  <a:latin typeface="Cambria Math" panose="02040503050406030204" pitchFamily="18" charset="0"/>
+                                </a:rPr>
                               </m:ctrlPr>
                             </m:sSupPr>
                             <m:e>
                               <m:r>
-                                <a:rPr lang="it-IT" i="1"/>
+                                <a:rPr lang="it-IT" i="1">
+                                  <a:latin typeface="Cambria Math" panose="02040503050406030204" pitchFamily="18" charset="0"/>
+                                </a:rPr>
                                 <m:t>𝑟</m:t>
                               </m:r>
                             </m:e>
                             <m:sup>
                               <m:r>
-                                <a:rPr lang="it-IT" i="1"/>
+                                <a:rPr lang="it-IT" i="1">
+                                  <a:latin typeface="Cambria Math" panose="02040503050406030204" pitchFamily="18" charset="0"/>
+                                </a:rPr>
                                 <m:t>(</m:t>
                               </m:r>
                               <m:r>
-                                <a:rPr lang="it-IT" i="1"/>
+                                <a:rPr lang="it-IT" i="1">
+                                  <a:latin typeface="Cambria Math" panose="02040503050406030204" pitchFamily="18" charset="0"/>
+                                </a:rPr>
                                 <m:t>𝑘</m:t>
                               </m:r>
                               <m:r>
-                                <a:rPr lang="it-IT" i="1"/>
+                                <a:rPr lang="it-IT" i="1">
+                                  <a:latin typeface="Cambria Math" panose="02040503050406030204" pitchFamily="18" charset="0"/>
+                                </a:rPr>
                                 <m:t>)</m:t>
                               </m:r>
                             </m:sup>
@@ -25741,49 +30303,67 @@
                           <m:sSup>
                             <m:sSupPr>
                               <m:ctrlPr>
-                                <a:rPr lang="it-IT" i="1"/>
+                                <a:rPr lang="it-IT" i="1">
+                                  <a:latin typeface="Cambria Math" panose="02040503050406030204" pitchFamily="18" charset="0"/>
+                                </a:rPr>
                               </m:ctrlPr>
                             </m:sSupPr>
                             <m:e>
                               <m:sSup>
                                 <m:sSupPr>
                                   <m:ctrlPr>
-                                    <a:rPr lang="it-IT" i="1"/>
+                                    <a:rPr lang="it-IT" i="1">
+                                      <a:latin typeface="Cambria Math" panose="02040503050406030204" pitchFamily="18" charset="0"/>
+                                    </a:rPr>
                                   </m:ctrlPr>
                                 </m:sSupPr>
                                 <m:e>
                                   <m:r>
-                                    <a:rPr lang="it-IT" i="1"/>
+                                    <a:rPr lang="it-IT" i="1">
+                                      <a:latin typeface="Cambria Math" panose="02040503050406030204" pitchFamily="18" charset="0"/>
+                                    </a:rPr>
                                     <m:t>(</m:t>
                                   </m:r>
                                   <m:r>
-                                    <a:rPr lang="it-IT" i="1"/>
+                                    <a:rPr lang="it-IT" i="1">
+                                      <a:latin typeface="Cambria Math" panose="02040503050406030204" pitchFamily="18" charset="0"/>
+                                    </a:rPr>
                                     <m:t>𝑃</m:t>
                                   </m:r>
                                 </m:e>
                                 <m:sup>
                                   <m:r>
-                                    <a:rPr lang="it-IT" i="1"/>
+                                    <a:rPr lang="it-IT" i="1">
+                                      <a:latin typeface="Cambria Math" panose="02040503050406030204" pitchFamily="18" charset="0"/>
+                                    </a:rPr>
                                     <m:t>(</m:t>
                                   </m:r>
                                   <m:r>
-                                    <a:rPr lang="it-IT" i="1"/>
+                                    <a:rPr lang="it-IT" i="1">
+                                      <a:latin typeface="Cambria Math" panose="02040503050406030204" pitchFamily="18" charset="0"/>
+                                    </a:rPr>
                                     <m:t>𝑘</m:t>
                                   </m:r>
                                   <m:r>
-                                    <a:rPr lang="it-IT" i="1"/>
+                                    <a:rPr lang="it-IT" i="1">
+                                      <a:latin typeface="Cambria Math" panose="02040503050406030204" pitchFamily="18" charset="0"/>
+                                    </a:rPr>
                                     <m:t>)</m:t>
                                   </m:r>
                                 </m:sup>
                               </m:sSup>
                               <m:r>
-                                <a:rPr lang="it-IT" i="1"/>
+                                <a:rPr lang="it-IT" i="1">
+                                  <a:latin typeface="Cambria Math" panose="02040503050406030204" pitchFamily="18" charset="0"/>
+                                </a:rPr>
                                 <m:t>)</m:t>
                               </m:r>
                             </m:e>
                             <m:sup>
                               <m:r>
-                                <a:rPr lang="it-IT" i="1"/>
+                                <a:rPr lang="it-IT" i="1">
+                                  <a:latin typeface="Cambria Math" panose="02040503050406030204" pitchFamily="18" charset="0"/>
+                                </a:rPr>
                                 <m:t>𝑇</m:t>
                               </m:r>
                             </m:sup>
@@ -25791,26 +30371,36 @@
                           <m:sSup>
                             <m:sSupPr>
                               <m:ctrlPr>
-                                <a:rPr lang="it-IT" i="1"/>
+                                <a:rPr lang="it-IT" i="1">
+                                  <a:latin typeface="Cambria Math" panose="02040503050406030204" pitchFamily="18" charset="0"/>
+                                </a:rPr>
                               </m:ctrlPr>
                             </m:sSupPr>
                             <m:e>
                               <m:r>
-                                <a:rPr lang="it-IT" i="1"/>
+                                <a:rPr lang="it-IT" i="1">
+                                  <a:latin typeface="Cambria Math" panose="02040503050406030204" pitchFamily="18" charset="0"/>
+                                </a:rPr>
                                 <m:t>𝐴𝑃</m:t>
                               </m:r>
                             </m:e>
                             <m:sup>
                               <m:r>
-                                <a:rPr lang="it-IT" i="1"/>
+                                <a:rPr lang="it-IT" i="1">
+                                  <a:latin typeface="Cambria Math" panose="02040503050406030204" pitchFamily="18" charset="0"/>
+                                </a:rPr>
                                 <m:t>(</m:t>
                               </m:r>
                               <m:r>
-                                <a:rPr lang="it-IT" i="1"/>
+                                <a:rPr lang="it-IT" i="1">
+                                  <a:latin typeface="Cambria Math" panose="02040503050406030204" pitchFamily="18" charset="0"/>
+                                </a:rPr>
                                 <m:t>𝑘</m:t>
                               </m:r>
                               <m:r>
-                                <a:rPr lang="it-IT" i="1"/>
+                                <a:rPr lang="it-IT" i="1">
+                                  <a:latin typeface="Cambria Math" panose="02040503050406030204" pitchFamily="18" charset="0"/>
+                                </a:rPr>
                                 <m:t>)</m:t>
                               </m:r>
                             </m:sup>
@@ -25842,7 +30432,7 @@
             </p:nvSpPr>
             <p:spPr>
               <a:xfrm>
-                <a:off x="2230583" y="5054128"/>
+                <a:off x="5798128" y="5825746"/>
                 <a:ext cx="2971800" cy="714298"/>
               </a:xfrm>
               <a:prstGeom prst="rect">
@@ -25886,7 +30476,7 @@
             </p:nvSpPr>
             <p:spPr>
               <a:xfrm>
-                <a:off x="6305525" y="4138028"/>
+                <a:off x="8420100" y="5929919"/>
                 <a:ext cx="2971800" cy="387927"/>
               </a:xfrm>
               <a:prstGeom prst="rect">
@@ -25900,6 +30490,7 @@
               </a:bodyPr>
               <a:lstStyle/>
               <a:p>
+                <a:pPr/>
                 <a14:m>
                   <m:oMathPara xmlns:m="http://schemas.openxmlformats.org/officeDocument/2006/math">
                     <m:oMathParaPr>
@@ -25909,74 +30500,102 @@
                       <m:sSup>
                         <m:sSupPr>
                           <m:ctrlPr>
-                            <a:rPr lang="it-IT" i="1"/>
+                            <a:rPr lang="it-IT" i="1">
+                              <a:latin typeface="Cambria Math" panose="02040503050406030204" pitchFamily="18" charset="0"/>
+                            </a:rPr>
                           </m:ctrlPr>
                         </m:sSupPr>
                         <m:e>
                           <m:r>
-                            <a:rPr lang="it-IT" i="1"/>
+                            <a:rPr lang="it-IT" i="1">
+                              <a:latin typeface="Cambria Math" panose="02040503050406030204" pitchFamily="18" charset="0"/>
+                            </a:rPr>
                             <m:t>𝑃</m:t>
                           </m:r>
                         </m:e>
                         <m:sup>
                           <m:r>
-                            <a:rPr lang="it-IT" i="1"/>
+                            <a:rPr lang="it-IT" i="1">
+                              <a:latin typeface="Cambria Math" panose="02040503050406030204" pitchFamily="18" charset="0"/>
+                            </a:rPr>
                             <m:t>(</m:t>
                           </m:r>
                           <m:r>
-                            <a:rPr lang="it-IT" i="1"/>
+                            <a:rPr lang="it-IT" i="1">
+                              <a:latin typeface="Cambria Math" panose="02040503050406030204" pitchFamily="18" charset="0"/>
+                            </a:rPr>
                             <m:t>𝑘</m:t>
                           </m:r>
                           <m:r>
-                            <a:rPr lang="it-IT" i="1"/>
+                            <a:rPr lang="it-IT" i="1">
+                              <a:latin typeface="Cambria Math" panose="02040503050406030204" pitchFamily="18" charset="0"/>
+                            </a:rPr>
                             <m:t>+1)</m:t>
                           </m:r>
                         </m:sup>
                       </m:sSup>
                       <m:r>
-                        <a:rPr lang="it-IT" i="1"/>
+                        <a:rPr lang="it-IT" i="1">
+                          <a:latin typeface="Cambria Math" panose="02040503050406030204" pitchFamily="18" charset="0"/>
+                        </a:rPr>
                         <m:t>= </m:t>
                       </m:r>
                       <m:sSup>
                         <m:sSupPr>
                           <m:ctrlPr>
-                            <a:rPr lang="it-IT" i="1"/>
+                            <a:rPr lang="it-IT" i="1">
+                              <a:latin typeface="Cambria Math" panose="02040503050406030204" pitchFamily="18" charset="0"/>
+                            </a:rPr>
                           </m:ctrlPr>
                         </m:sSupPr>
                         <m:e>
                           <m:r>
-                            <a:rPr lang="it-IT" i="1"/>
+                            <a:rPr lang="it-IT" i="1">
+                              <a:latin typeface="Cambria Math" panose="02040503050406030204" pitchFamily="18" charset="0"/>
+                            </a:rPr>
                             <m:t>𝑟</m:t>
                           </m:r>
                         </m:e>
                         <m:sup>
                           <m:r>
-                            <a:rPr lang="it-IT" i="1"/>
+                            <a:rPr lang="it-IT" i="1">
+                              <a:latin typeface="Cambria Math" panose="02040503050406030204" pitchFamily="18" charset="0"/>
+                            </a:rPr>
                             <m:t>(</m:t>
                           </m:r>
                           <m:r>
-                            <a:rPr lang="it-IT" i="1"/>
+                            <a:rPr lang="it-IT" i="1">
+                              <a:latin typeface="Cambria Math" panose="02040503050406030204" pitchFamily="18" charset="0"/>
+                            </a:rPr>
                             <m:t>𝑘</m:t>
                           </m:r>
                           <m:r>
-                            <a:rPr lang="it-IT" i="1"/>
+                            <a:rPr lang="it-IT" i="1">
+                              <a:latin typeface="Cambria Math" panose="02040503050406030204" pitchFamily="18" charset="0"/>
+                            </a:rPr>
                             <m:t>+1)</m:t>
                           </m:r>
                         </m:sup>
                       </m:sSup>
                       <m:r>
-                        <a:rPr lang="it-IT" i="1"/>
+                        <a:rPr lang="it-IT" i="1">
+                          <a:latin typeface="Cambria Math" panose="02040503050406030204" pitchFamily="18" charset="0"/>
+                        </a:rPr>
                         <m:t>− </m:t>
                       </m:r>
                       <m:sSup>
                         <m:sSupPr>
                           <m:ctrlPr>
-                            <a:rPr lang="it-IT" i="1"/>
+                            <a:rPr lang="it-IT" i="1">
+                              <a:latin typeface="Cambria Math" panose="02040503050406030204" pitchFamily="18" charset="0"/>
+                            </a:rPr>
                           </m:ctrlPr>
                         </m:sSupPr>
                         <m:e>
                           <m:r>
-                            <a:rPr lang="it-IT" i="1"/>
+                            <a:rPr lang="it-IT" i="1">
+                              <a:latin typeface="Cambria Math" panose="02040503050406030204" pitchFamily="18" charset="0"/>
+                            </a:rPr>
                             <m:t>𝛽</m:t>
                           </m:r>
                         </m:e>
@@ -25984,12 +30603,16 @@
                           <m:d>
                             <m:dPr>
                               <m:ctrlPr>
-                                <a:rPr lang="it-IT" i="1"/>
+                                <a:rPr lang="it-IT" i="1">
+                                  <a:latin typeface="Cambria Math" panose="02040503050406030204" pitchFamily="18" charset="0"/>
+                                </a:rPr>
                               </m:ctrlPr>
                             </m:dPr>
                             <m:e>
                               <m:r>
-                                <a:rPr lang="it-IT" i="1"/>
+                                <a:rPr lang="it-IT" i="1">
+                                  <a:latin typeface="Cambria Math" panose="02040503050406030204" pitchFamily="18" charset="0"/>
+                                </a:rPr>
                                 <m:t>𝑘</m:t>
                               </m:r>
                             </m:e>
@@ -25999,26 +30622,36 @@
                       <m:sSup>
                         <m:sSupPr>
                           <m:ctrlPr>
-                            <a:rPr lang="it-IT" i="1"/>
+                            <a:rPr lang="it-IT" i="1">
+                              <a:latin typeface="Cambria Math" panose="02040503050406030204" pitchFamily="18" charset="0"/>
+                            </a:rPr>
                           </m:ctrlPr>
                         </m:sSupPr>
                         <m:e>
                           <m:r>
-                            <a:rPr lang="it-IT" i="1"/>
+                            <a:rPr lang="it-IT" i="1">
+                              <a:latin typeface="Cambria Math" panose="02040503050406030204" pitchFamily="18" charset="0"/>
+                            </a:rPr>
                             <m:t>𝑃</m:t>
                           </m:r>
                         </m:e>
                         <m:sup>
                           <m:r>
-                            <a:rPr lang="it-IT" i="1"/>
+                            <a:rPr lang="it-IT" i="1">
+                              <a:latin typeface="Cambria Math" panose="02040503050406030204" pitchFamily="18" charset="0"/>
+                            </a:rPr>
                             <m:t>(</m:t>
                           </m:r>
                           <m:r>
-                            <a:rPr lang="it-IT" i="1"/>
+                            <a:rPr lang="it-IT" i="1">
+                              <a:latin typeface="Cambria Math" panose="02040503050406030204" pitchFamily="18" charset="0"/>
+                            </a:rPr>
                             <m:t>𝑘</m:t>
                           </m:r>
                           <m:r>
-                            <a:rPr lang="it-IT" i="1"/>
+                            <a:rPr lang="it-IT" i="1">
+                              <a:latin typeface="Cambria Math" panose="02040503050406030204" pitchFamily="18" charset="0"/>
+                            </a:rPr>
                             <m:t>)</m:t>
                           </m:r>
                         </m:sup>
@@ -26048,7 +30681,7 @@
             </p:nvSpPr>
             <p:spPr>
               <a:xfrm>
-                <a:off x="6305525" y="4138028"/>
+                <a:off x="8420100" y="5929919"/>
                 <a:ext cx="2971800" cy="387927"/>
               </a:xfrm>
               <a:prstGeom prst="rect">
@@ -26057,7 +30690,7 @@
               <a:blipFill>
                 <a:blip r:embed="rId4"/>
                 <a:stretch>
-                  <a:fillRect b="-9524"/>
+                  <a:fillRect b="-12698"/>
                 </a:stretch>
               </a:blipFill>
             </p:spPr>
@@ -26092,7 +30725,7 @@
             </p:nvSpPr>
             <p:spPr>
               <a:xfrm>
-                <a:off x="6305525" y="4887718"/>
+                <a:off x="9204911" y="4470491"/>
                 <a:ext cx="2971800" cy="714298"/>
               </a:xfrm>
               <a:prstGeom prst="rect">
@@ -26106,6 +30739,7 @@
               </a:bodyPr>
               <a:lstStyle/>
               <a:p>
+                <a:pPr/>
                 <a14:m>
                   <m:oMathPara xmlns:m="http://schemas.openxmlformats.org/officeDocument/2006/math">
                     <m:oMathParaPr>
@@ -26115,87 +30749,119 @@
                       <m:sSup>
                         <m:sSupPr>
                           <m:ctrlPr>
-                            <a:rPr lang="it-IT" i="1"/>
+                            <a:rPr lang="it-IT" i="1">
+                              <a:latin typeface="Cambria Math" panose="02040503050406030204" pitchFamily="18" charset="0"/>
+                            </a:rPr>
                           </m:ctrlPr>
                         </m:sSupPr>
                         <m:e>
                           <m:r>
-                            <a:rPr lang="it-IT" i="1"/>
+                            <a:rPr lang="it-IT" i="1">
+                              <a:latin typeface="Cambria Math" panose="02040503050406030204" pitchFamily="18" charset="0"/>
+                            </a:rPr>
                             <m:t>𝛽</m:t>
                           </m:r>
                         </m:e>
                         <m:sup>
                           <m:r>
-                            <a:rPr lang="it-IT" i="1"/>
+                            <a:rPr lang="it-IT" i="1">
+                              <a:latin typeface="Cambria Math" panose="02040503050406030204" pitchFamily="18" charset="0"/>
+                            </a:rPr>
                             <m:t>(</m:t>
                           </m:r>
                           <m:r>
-                            <a:rPr lang="it-IT" i="1"/>
+                            <a:rPr lang="it-IT" i="1">
+                              <a:latin typeface="Cambria Math" panose="02040503050406030204" pitchFamily="18" charset="0"/>
+                            </a:rPr>
                             <m:t>𝑘</m:t>
                           </m:r>
                           <m:r>
-                            <a:rPr lang="it-IT" i="1"/>
+                            <a:rPr lang="it-IT" i="1">
+                              <a:latin typeface="Cambria Math" panose="02040503050406030204" pitchFamily="18" charset="0"/>
+                            </a:rPr>
                             <m:t>)</m:t>
                           </m:r>
                         </m:sup>
                       </m:sSup>
                       <m:r>
-                        <a:rPr lang="it-IT" i="1"/>
+                        <a:rPr lang="it-IT" i="1">
+                          <a:latin typeface="Cambria Math" panose="02040503050406030204" pitchFamily="18" charset="0"/>
+                        </a:rPr>
                         <m:t>= </m:t>
                       </m:r>
                       <m:f>
                         <m:fPr>
                           <m:ctrlPr>
-                            <a:rPr lang="it-IT" i="1"/>
+                            <a:rPr lang="it-IT" i="1">
+                              <a:latin typeface="Cambria Math" panose="02040503050406030204" pitchFamily="18" charset="0"/>
+                            </a:rPr>
                           </m:ctrlPr>
                         </m:fPr>
                         <m:num>
                           <m:sSup>
                             <m:sSupPr>
                               <m:ctrlPr>
-                                <a:rPr lang="it-IT" i="1"/>
+                                <a:rPr lang="it-IT" i="1">
+                                  <a:latin typeface="Cambria Math" panose="02040503050406030204" pitchFamily="18" charset="0"/>
+                                </a:rPr>
                               </m:ctrlPr>
                             </m:sSupPr>
                             <m:e>
                               <m:sSup>
                                 <m:sSupPr>
                                   <m:ctrlPr>
-                                    <a:rPr lang="it-IT" i="1"/>
+                                    <a:rPr lang="it-IT" i="1">
+                                      <a:latin typeface="Cambria Math" panose="02040503050406030204" pitchFamily="18" charset="0"/>
+                                    </a:rPr>
                                   </m:ctrlPr>
                                 </m:sSupPr>
                                 <m:e>
                                   <m:r>
-                                    <a:rPr lang="it-IT" i="1"/>
+                                    <a:rPr lang="it-IT" i="1">
+                                      <a:latin typeface="Cambria Math" panose="02040503050406030204" pitchFamily="18" charset="0"/>
+                                    </a:rPr>
                                     <m:t>(</m:t>
                                   </m:r>
                                   <m:r>
-                                    <a:rPr lang="it-IT" i="1"/>
+                                    <a:rPr lang="it-IT" i="1">
+                                      <a:latin typeface="Cambria Math" panose="02040503050406030204" pitchFamily="18" charset="0"/>
+                                    </a:rPr>
                                     <m:t>𝑃</m:t>
                                   </m:r>
                                 </m:e>
                                 <m:sup>
                                   <m:r>
-                                    <a:rPr lang="it-IT" i="1"/>
+                                    <a:rPr lang="it-IT" i="1">
+                                      <a:latin typeface="Cambria Math" panose="02040503050406030204" pitchFamily="18" charset="0"/>
+                                    </a:rPr>
                                     <m:t>(</m:t>
                                   </m:r>
                                   <m:r>
-                                    <a:rPr lang="it-IT" i="1"/>
+                                    <a:rPr lang="it-IT" i="1">
+                                      <a:latin typeface="Cambria Math" panose="02040503050406030204" pitchFamily="18" charset="0"/>
+                                    </a:rPr>
                                     <m:t>𝑘</m:t>
                                   </m:r>
                                   <m:r>
-                                    <a:rPr lang="it-IT" i="1"/>
+                                    <a:rPr lang="it-IT" i="1">
+                                      <a:latin typeface="Cambria Math" panose="02040503050406030204" pitchFamily="18" charset="0"/>
+                                    </a:rPr>
                                     <m:t>)</m:t>
                                   </m:r>
                                 </m:sup>
                               </m:sSup>
                               <m:r>
-                                <a:rPr lang="it-IT" i="1"/>
+                                <a:rPr lang="it-IT" i="1">
+                                  <a:latin typeface="Cambria Math" panose="02040503050406030204" pitchFamily="18" charset="0"/>
+                                </a:rPr>
                                 <m:t>)</m:t>
                               </m:r>
                             </m:e>
                             <m:sup>
                               <m:r>
-                                <a:rPr lang="it-IT" i="1"/>
+                                <a:rPr lang="it-IT" i="1">
+                                  <a:latin typeface="Cambria Math" panose="02040503050406030204" pitchFamily="18" charset="0"/>
+                                </a:rPr>
                                 <m:t>𝑇</m:t>
                               </m:r>
                             </m:sup>
@@ -26203,26 +30869,36 @@
                           <m:sSup>
                             <m:sSupPr>
                               <m:ctrlPr>
-                                <a:rPr lang="it-IT" i="1"/>
+                                <a:rPr lang="it-IT" i="1">
+                                  <a:latin typeface="Cambria Math" panose="02040503050406030204" pitchFamily="18" charset="0"/>
+                                </a:rPr>
                               </m:ctrlPr>
                             </m:sSupPr>
                             <m:e>
                               <m:r>
-                                <a:rPr lang="it-IT" i="1"/>
+                                <a:rPr lang="it-IT" i="1">
+                                  <a:latin typeface="Cambria Math" panose="02040503050406030204" pitchFamily="18" charset="0"/>
+                                </a:rPr>
                                 <m:t>𝐴𝑟</m:t>
                               </m:r>
                             </m:e>
                             <m:sup>
                               <m:r>
-                                <a:rPr lang="it-IT" i="1"/>
+                                <a:rPr lang="it-IT" i="1">
+                                  <a:latin typeface="Cambria Math" panose="02040503050406030204" pitchFamily="18" charset="0"/>
+                                </a:rPr>
                                 <m:t>(</m:t>
                               </m:r>
                               <m:r>
-                                <a:rPr lang="it-IT" i="1"/>
+                                <a:rPr lang="it-IT" i="1">
+                                  <a:latin typeface="Cambria Math" panose="02040503050406030204" pitchFamily="18" charset="0"/>
+                                </a:rPr>
                                 <m:t>𝑘</m:t>
                               </m:r>
                               <m:r>
-                                <a:rPr lang="it-IT" i="1"/>
+                                <a:rPr lang="it-IT" i="1">
+                                  <a:latin typeface="Cambria Math" panose="02040503050406030204" pitchFamily="18" charset="0"/>
+                                </a:rPr>
                                 <m:t>+1)</m:t>
                               </m:r>
                             </m:sup>
@@ -26232,49 +30908,67 @@
                           <m:sSup>
                             <m:sSupPr>
                               <m:ctrlPr>
-                                <a:rPr lang="it-IT" i="1"/>
+                                <a:rPr lang="it-IT" i="1">
+                                  <a:latin typeface="Cambria Math" panose="02040503050406030204" pitchFamily="18" charset="0"/>
+                                </a:rPr>
                               </m:ctrlPr>
                             </m:sSupPr>
                             <m:e>
                               <m:sSup>
                                 <m:sSupPr>
                                   <m:ctrlPr>
-                                    <a:rPr lang="it-IT" i="1"/>
+                                    <a:rPr lang="it-IT" i="1">
+                                      <a:latin typeface="Cambria Math" panose="02040503050406030204" pitchFamily="18" charset="0"/>
+                                    </a:rPr>
                                   </m:ctrlPr>
                                 </m:sSupPr>
                                 <m:e>
                                   <m:r>
-                                    <a:rPr lang="it-IT" i="1"/>
+                                    <a:rPr lang="it-IT" i="1">
+                                      <a:latin typeface="Cambria Math" panose="02040503050406030204" pitchFamily="18" charset="0"/>
+                                    </a:rPr>
                                     <m:t>(</m:t>
                                   </m:r>
                                   <m:r>
-                                    <a:rPr lang="it-IT" i="1"/>
+                                    <a:rPr lang="it-IT" i="1">
+                                      <a:latin typeface="Cambria Math" panose="02040503050406030204" pitchFamily="18" charset="0"/>
+                                    </a:rPr>
                                     <m:t>𝑃</m:t>
                                   </m:r>
                                 </m:e>
                                 <m:sup>
                                   <m:r>
-                                    <a:rPr lang="it-IT" i="1"/>
+                                    <a:rPr lang="it-IT" i="1">
+                                      <a:latin typeface="Cambria Math" panose="02040503050406030204" pitchFamily="18" charset="0"/>
+                                    </a:rPr>
                                     <m:t>(</m:t>
                                   </m:r>
                                   <m:r>
-                                    <a:rPr lang="it-IT" i="1"/>
+                                    <a:rPr lang="it-IT" i="1">
+                                      <a:latin typeface="Cambria Math" panose="02040503050406030204" pitchFamily="18" charset="0"/>
+                                    </a:rPr>
                                     <m:t>𝑘</m:t>
                                   </m:r>
                                   <m:r>
-                                    <a:rPr lang="it-IT" i="1"/>
+                                    <a:rPr lang="it-IT" i="1">
+                                      <a:latin typeface="Cambria Math" panose="02040503050406030204" pitchFamily="18" charset="0"/>
+                                    </a:rPr>
                                     <m:t>)</m:t>
                                   </m:r>
                                 </m:sup>
                               </m:sSup>
                               <m:r>
-                                <a:rPr lang="it-IT" i="1"/>
+                                <a:rPr lang="it-IT" i="1">
+                                  <a:latin typeface="Cambria Math" panose="02040503050406030204" pitchFamily="18" charset="0"/>
+                                </a:rPr>
                                 <m:t>)</m:t>
                               </m:r>
                             </m:e>
                             <m:sup>
                               <m:r>
-                                <a:rPr lang="it-IT" i="1"/>
+                                <a:rPr lang="it-IT" i="1">
+                                  <a:latin typeface="Cambria Math" panose="02040503050406030204" pitchFamily="18" charset="0"/>
+                                </a:rPr>
                                 <m:t>𝑇</m:t>
                               </m:r>
                             </m:sup>
@@ -26282,26 +30976,36 @@
                           <m:sSup>
                             <m:sSupPr>
                               <m:ctrlPr>
-                                <a:rPr lang="it-IT" i="1"/>
+                                <a:rPr lang="it-IT" i="1">
+                                  <a:latin typeface="Cambria Math" panose="02040503050406030204" pitchFamily="18" charset="0"/>
+                                </a:rPr>
                               </m:ctrlPr>
                             </m:sSupPr>
                             <m:e>
                               <m:r>
-                                <a:rPr lang="it-IT" i="1"/>
+                                <a:rPr lang="it-IT" i="1">
+                                  <a:latin typeface="Cambria Math" panose="02040503050406030204" pitchFamily="18" charset="0"/>
+                                </a:rPr>
                                 <m:t>𝐴𝑃</m:t>
                               </m:r>
                             </m:e>
                             <m:sup>
                               <m:r>
-                                <a:rPr lang="it-IT" i="1"/>
+                                <a:rPr lang="it-IT" i="1">
+                                  <a:latin typeface="Cambria Math" panose="02040503050406030204" pitchFamily="18" charset="0"/>
+                                </a:rPr>
                                 <m:t>(</m:t>
                               </m:r>
                               <m:r>
-                                <a:rPr lang="it-IT" i="1"/>
+                                <a:rPr lang="it-IT" i="1">
+                                  <a:latin typeface="Cambria Math" panose="02040503050406030204" pitchFamily="18" charset="0"/>
+                                </a:rPr>
                                 <m:t>𝑘</m:t>
                               </m:r>
                               <m:r>
-                                <a:rPr lang="it-IT" i="1"/>
+                                <a:rPr lang="it-IT" i="1">
+                                  <a:latin typeface="Cambria Math" panose="02040503050406030204" pitchFamily="18" charset="0"/>
+                                </a:rPr>
                                 <m:t>)</m:t>
                               </m:r>
                             </m:sup>
@@ -26333,7 +31037,7 @@
             </p:nvSpPr>
             <p:spPr>
               <a:xfrm>
-                <a:off x="6305525" y="4887718"/>
+                <a:off x="9204911" y="4470491"/>
                 <a:ext cx="2971800" cy="714298"/>
               </a:xfrm>
               <a:prstGeom prst="rect">
@@ -26361,6 +31065,159 @@
           </p:sp>
         </mc:Fallback>
       </mc:AlternateContent>
+      <p:cxnSp>
+        <p:nvCxnSpPr>
+          <p:cNvPr id="9" name="Connettore 2 8">
+            <a:extLst>
+              <a:ext uri="{FF2B5EF4-FFF2-40B4-BE49-F238E27FC236}">
+                <a16:creationId xmlns:a16="http://schemas.microsoft.com/office/drawing/2014/main" id="{638CF385-6282-E093-ABB1-914EFD0E8188}"/>
+              </a:ext>
+            </a:extLst>
+          </p:cNvPr>
+          <p:cNvCxnSpPr>
+            <a:cxnSpLocks/>
+          </p:cNvCxnSpPr>
+          <p:nvPr/>
+        </p:nvCxnSpPr>
+        <p:spPr>
+          <a:xfrm flipH="1">
+            <a:off x="7764038" y="4710545"/>
+            <a:ext cx="327017" cy="896086"/>
+          </a:xfrm>
+          <a:prstGeom prst="straightConnector1">
+            <a:avLst/>
+          </a:prstGeom>
+          <a:ln>
+            <a:tailEnd type="triangle"/>
+          </a:ln>
+        </p:spPr>
+        <p:style>
+          <a:lnRef idx="1">
+            <a:schemeClr val="accent1"/>
+          </a:lnRef>
+          <a:fillRef idx="0">
+            <a:schemeClr val="accent1"/>
+          </a:fillRef>
+          <a:effectRef idx="0">
+            <a:schemeClr val="accent1"/>
+          </a:effectRef>
+          <a:fontRef idx="minor">
+            <a:schemeClr val="tx1"/>
+          </a:fontRef>
+        </p:style>
+      </p:cxnSp>
+      <p:cxnSp>
+        <p:nvCxnSpPr>
+          <p:cNvPr id="14" name="Connettore 2 13">
+            <a:extLst>
+              <a:ext uri="{FF2B5EF4-FFF2-40B4-BE49-F238E27FC236}">
+                <a16:creationId xmlns:a16="http://schemas.microsoft.com/office/drawing/2014/main" id="{0453E3A8-47EB-675F-65F2-384A2E2D38F6}"/>
+              </a:ext>
+            </a:extLst>
+          </p:cNvPr>
+          <p:cNvCxnSpPr>
+            <a:cxnSpLocks/>
+          </p:cNvCxnSpPr>
+          <p:nvPr/>
+        </p:nvCxnSpPr>
+        <p:spPr>
+          <a:xfrm>
+            <a:off x="8465127" y="4708977"/>
+            <a:ext cx="394854" cy="897654"/>
+          </a:xfrm>
+          <a:prstGeom prst="straightConnector1">
+            <a:avLst/>
+          </a:prstGeom>
+          <a:ln>
+            <a:tailEnd type="triangle"/>
+          </a:ln>
+        </p:spPr>
+        <p:style>
+          <a:lnRef idx="1">
+            <a:schemeClr val="accent1"/>
+          </a:lnRef>
+          <a:fillRef idx="0">
+            <a:schemeClr val="accent1"/>
+          </a:fillRef>
+          <a:effectRef idx="0">
+            <a:schemeClr val="accent1"/>
+          </a:effectRef>
+          <a:fontRef idx="minor">
+            <a:schemeClr val="tx1"/>
+          </a:fontRef>
+        </p:style>
+      </p:cxnSp>
+      <p:cxnSp>
+        <p:nvCxnSpPr>
+          <p:cNvPr id="17" name="Connettore 2 16">
+            <a:extLst>
+              <a:ext uri="{FF2B5EF4-FFF2-40B4-BE49-F238E27FC236}">
+                <a16:creationId xmlns:a16="http://schemas.microsoft.com/office/drawing/2014/main" id="{21FFDA59-28A1-BDA7-E1D8-F500C7F39C9F}"/>
+              </a:ext>
+            </a:extLst>
+          </p:cNvPr>
+          <p:cNvCxnSpPr>
+            <a:cxnSpLocks/>
+          </p:cNvCxnSpPr>
+          <p:nvPr/>
+        </p:nvCxnSpPr>
+        <p:spPr>
+          <a:xfrm flipH="1" flipV="1">
+            <a:off x="10029998" y="5269003"/>
+            <a:ext cx="483524" cy="499272"/>
+          </a:xfrm>
+          <a:prstGeom prst="straightConnector1">
+            <a:avLst/>
+          </a:prstGeom>
+          <a:ln>
+            <a:tailEnd type="triangle"/>
+          </a:ln>
+        </p:spPr>
+        <p:style>
+          <a:lnRef idx="1">
+            <a:schemeClr val="accent1"/>
+          </a:lnRef>
+          <a:fillRef idx="0">
+            <a:schemeClr val="accent1"/>
+          </a:fillRef>
+          <a:effectRef idx="0">
+            <a:schemeClr val="accent1"/>
+          </a:effectRef>
+          <a:fontRef idx="minor">
+            <a:schemeClr val="tx1"/>
+          </a:fontRef>
+        </p:style>
+      </p:cxnSp>
+      <p:pic>
+        <p:nvPicPr>
+          <p:cNvPr id="22" name="Immagine 21">
+            <a:extLst>
+              <a:ext uri="{FF2B5EF4-FFF2-40B4-BE49-F238E27FC236}">
+                <a16:creationId xmlns:a16="http://schemas.microsoft.com/office/drawing/2014/main" id="{9B0D7E83-4B0F-E1EE-9DDE-5DA84FD511B7}"/>
+              </a:ext>
+            </a:extLst>
+          </p:cNvPr>
+          <p:cNvPicPr>
+            <a:picLocks noChangeAspect="1"/>
+          </p:cNvPicPr>
+          <p:nvPr/>
+        </p:nvPicPr>
+        <p:blipFill>
+          <a:blip r:embed="rId6"/>
+          <a:stretch>
+            <a:fillRect/>
+          </a:stretch>
+        </p:blipFill>
+        <p:spPr>
+          <a:xfrm>
+            <a:off x="290277" y="4621768"/>
+            <a:ext cx="5702532" cy="1281589"/>
+          </a:xfrm>
+          <a:prstGeom prst="rect">
+            <a:avLst/>
+          </a:prstGeom>
+        </p:spPr>
+      </p:pic>
     </p:spTree>
     <p:extLst>
       <p:ext uri="{BB962C8B-B14F-4D97-AF65-F5344CB8AC3E}">
@@ -27628,8 +32485,8 @@
         </p:nvSpPr>
         <p:spPr>
           <a:xfrm>
-            <a:off x="6091271" y="858520"/>
-            <a:ext cx="5624118" cy="3284538"/>
+            <a:off x="6091271" y="105110"/>
+            <a:ext cx="5624118" cy="1714024"/>
           </a:xfrm>
         </p:spPr>
         <p:txBody>
@@ -27644,7 +32501,7 @@
               </a:lnSpc>
             </a:pPr>
             <a:r>
-              <a:rPr lang="en-US" sz="5400" dirty="0" err="1">
+              <a:rPr lang="en-US" sz="7200" dirty="0" err="1">
                 <a:solidFill>
                   <a:schemeClr val="accent1"/>
                 </a:solidFill>
@@ -28297,6 +33154,34 @@
           </a:prstGeom>
         </p:spPr>
       </p:pic>
+      <p:graphicFrame>
+        <p:nvGraphicFramePr>
+          <p:cNvPr id="12" name="Diagramma 11">
+            <a:extLst>
+              <a:ext uri="{FF2B5EF4-FFF2-40B4-BE49-F238E27FC236}">
+                <a16:creationId xmlns:a16="http://schemas.microsoft.com/office/drawing/2014/main" id="{40C8E88D-3D97-8C40-ACA8-1D03CDF4F27D}"/>
+              </a:ext>
+            </a:extLst>
+          </p:cNvPr>
+          <p:cNvGraphicFramePr/>
+          <p:nvPr>
+            <p:extLst>
+              <p:ext uri="{D42A27DB-BD31-4B8C-83A1-F6EECF244321}">
+                <p14:modId xmlns:p14="http://schemas.microsoft.com/office/powerpoint/2010/main" val="2456300249"/>
+              </p:ext>
+            </p:extLst>
+          </p:nvPr>
+        </p:nvGraphicFramePr>
+        <p:xfrm>
+          <a:off x="5671798" y="1662545"/>
+          <a:ext cx="6308436" cy="4233333"/>
+        </p:xfrm>
+        <a:graphic>
+          <a:graphicData uri="http://schemas.openxmlformats.org/drawingml/2006/diagram">
+            <dgm:relIds xmlns:dgm="http://schemas.openxmlformats.org/drawingml/2006/diagram" xmlns:r="http://schemas.openxmlformats.org/officeDocument/2006/relationships" r:dm="rId3" r:lo="rId4" r:qs="rId5" r:cs="rId6"/>
+          </a:graphicData>
+        </a:graphic>
+      </p:graphicFrame>
     </p:spTree>
     <p:extLst>
       <p:ext uri="{BB962C8B-B14F-4D97-AF65-F5344CB8AC3E}">
@@ -29322,7 +34207,7 @@
         </p:nvSpPr>
         <p:spPr>
           <a:xfrm>
-            <a:off x="2167374" y="-671801"/>
+            <a:off x="5476444" y="205305"/>
             <a:ext cx="7340048" cy="1651054"/>
           </a:xfrm>
         </p:spPr>
@@ -29334,7 +34219,7 @@
           <a:p>
             <a:pPr algn="ctr"/>
             <a:r>
-              <a:rPr lang="it-IT" sz="3600" dirty="0" err="1">
+              <a:rPr lang="it-IT" sz="7200" dirty="0" err="1">
                 <a:solidFill>
                   <a:schemeClr val="accent1"/>
                 </a:solidFill>
@@ -29365,14 +34250,14 @@
             <p:ph idx="1"/>
             <p:extLst>
               <p:ext uri="{D42A27DB-BD31-4B8C-83A1-F6EECF244321}">
-                <p14:modId xmlns:p14="http://schemas.microsoft.com/office/powerpoint/2010/main" val="110879206"/>
+                <p14:modId xmlns:p14="http://schemas.microsoft.com/office/powerpoint/2010/main" val="232263694"/>
               </p:ext>
             </p:extLst>
           </p:nvPr>
         </p:nvGraphicFramePr>
         <p:xfrm>
-          <a:off x="-249977" y="1372925"/>
-          <a:ext cx="8686267" cy="5091402"/>
+          <a:off x="-1568060" y="288288"/>
+          <a:ext cx="10356868" cy="6115457"/>
         </p:xfrm>
         <a:graphic>
           <a:graphicData uri="http://schemas.openxmlformats.org/drawingml/2006/diagram">
@@ -29394,8 +34279,8 @@
         </p:nvSpPr>
         <p:spPr>
           <a:xfrm>
-            <a:off x="7931727" y="2179583"/>
-            <a:ext cx="3711628" cy="923330"/>
+            <a:off x="7180450" y="2659147"/>
+            <a:ext cx="4653737" cy="646331"/>
           </a:xfrm>
           <a:prstGeom prst="rect">
             <a:avLst/>
@@ -29410,7 +34295,7 @@
           <a:p>
             <a:r>
               <a:rPr lang="it-IT" dirty="0"/>
-              <a:t>Come criterio di arresto abbiamo utilizzato la seguente </a:t>
+              <a:t>La seguente </a:t>
             </a:r>
             <a:r>
               <a:rPr lang="it-IT" dirty="0" err="1"/>
@@ -29418,7 +34303,7 @@
             </a:r>
             <a:r>
               <a:rPr lang="it-IT" dirty="0"/>
-              <a:t>:</a:t>
+              <a:t> indica il criterio di arresto riguardo la k-esima iterazione:</a:t>
             </a:r>
           </a:p>
         </p:txBody>
@@ -29439,7 +34324,7 @@
             </p:nvSpPr>
             <p:spPr>
               <a:xfrm>
-                <a:off x="7834745" y="3351553"/>
+                <a:off x="7626933" y="3521255"/>
                 <a:ext cx="3711628" cy="846322"/>
               </a:xfrm>
               <a:prstGeom prst="rect">
@@ -29651,7 +34536,7 @@
             </p:nvSpPr>
             <p:spPr>
               <a:xfrm>
-                <a:off x="7834745" y="3351553"/>
+                <a:off x="7626933" y="3521255"/>
                 <a:ext cx="3711628" cy="846322"/>
               </a:xfrm>
               <a:prstGeom prst="rect">
@@ -29739,7 +34624,7 @@
           <a:p>
             <a:pPr algn="ctr"/>
             <a:r>
-              <a:rPr lang="it-IT" sz="3600" dirty="0">
+              <a:rPr lang="it-IT" sz="5400" dirty="0">
                 <a:solidFill>
                   <a:schemeClr val="accent1"/>
                 </a:solidFill>
@@ -29747,14 +34632,14 @@
               <a:t>Risultati </a:t>
             </a:r>
             <a:r>
-              <a:rPr lang="it-IT" sz="3600" dirty="0" err="1">
+              <a:rPr lang="it-IT" sz="5400" dirty="0" err="1">
                 <a:solidFill>
                   <a:schemeClr val="accent1"/>
                 </a:solidFill>
               </a:rPr>
               <a:t>Jacobi</a:t>
             </a:r>
-            <a:endParaRPr lang="it-IT" sz="3600" dirty="0">
+            <a:endParaRPr lang="it-IT" sz="5400" dirty="0">
               <a:solidFill>
                 <a:schemeClr val="accent1"/>
               </a:solidFill>
@@ -30705,12 +35590,14 @@
           </a:xfrm>
         </p:spPr>
         <p:txBody>
-          <a:bodyPr/>
+          <a:bodyPr>
+            <a:normAutofit/>
+          </a:bodyPr>
           <a:lstStyle/>
           <a:p>
             <a:pPr algn="ctr"/>
             <a:r>
-              <a:rPr lang="it-IT" dirty="0">
+              <a:rPr lang="it-IT" sz="5400" dirty="0">
                 <a:solidFill>
                   <a:schemeClr val="accent1"/>
                 </a:solidFill>
@@ -30718,14 +35605,14 @@
               <a:t>Risultati Gauss-</a:t>
             </a:r>
             <a:r>
-              <a:rPr lang="it-IT" dirty="0" err="1">
+              <a:rPr lang="it-IT" sz="5400" dirty="0" err="1">
                 <a:solidFill>
                   <a:schemeClr val="accent1"/>
                 </a:solidFill>
               </a:rPr>
               <a:t>Seidel</a:t>
             </a:r>
-            <a:endParaRPr lang="it-IT" dirty="0"/>
+            <a:endParaRPr lang="it-IT" sz="5400" dirty="0"/>
           </a:p>
         </p:txBody>
       </p:sp>
